--- a/c_07_camera_calibration/camera_calibration.pptx
+++ b/c_07_camera_calibration/camera_calibration.pptx
@@ -5,7 +5,7 @@
     <p:sldMasterId id="2147483660" r:id="rId1"/>
   </p:sldMasterIdLst>
   <p:notesMasterIdLst>
-    <p:notesMasterId r:id="rId49"/>
+    <p:notesMasterId r:id="rId50"/>
   </p:notesMasterIdLst>
   <p:sldIdLst>
     <p:sldId id="257" r:id="rId2"/>
@@ -36,25 +36,26 @@
     <p:sldId id="2380" r:id="rId27"/>
     <p:sldId id="2411" r:id="rId28"/>
     <p:sldId id="2382" r:id="rId29"/>
-    <p:sldId id="2383" r:id="rId30"/>
-    <p:sldId id="2384" r:id="rId31"/>
-    <p:sldId id="2385" r:id="rId32"/>
-    <p:sldId id="2387" r:id="rId33"/>
-    <p:sldId id="2388" r:id="rId34"/>
-    <p:sldId id="2389" r:id="rId35"/>
-    <p:sldId id="2393" r:id="rId36"/>
-    <p:sldId id="2394" r:id="rId37"/>
-    <p:sldId id="2412" r:id="rId38"/>
-    <p:sldId id="2402" r:id="rId39"/>
-    <p:sldId id="2408" r:id="rId40"/>
-    <p:sldId id="2397" r:id="rId41"/>
-    <p:sldId id="2399" r:id="rId42"/>
-    <p:sldId id="2400" r:id="rId43"/>
-    <p:sldId id="2406" r:id="rId44"/>
-    <p:sldId id="2401" r:id="rId45"/>
-    <p:sldId id="2404" r:id="rId46"/>
-    <p:sldId id="2405" r:id="rId47"/>
-    <p:sldId id="2395" r:id="rId48"/>
+    <p:sldId id="2415" r:id="rId30"/>
+    <p:sldId id="2383" r:id="rId31"/>
+    <p:sldId id="2384" r:id="rId32"/>
+    <p:sldId id="2385" r:id="rId33"/>
+    <p:sldId id="2387" r:id="rId34"/>
+    <p:sldId id="2388" r:id="rId35"/>
+    <p:sldId id="2389" r:id="rId36"/>
+    <p:sldId id="2393" r:id="rId37"/>
+    <p:sldId id="2394" r:id="rId38"/>
+    <p:sldId id="2412" r:id="rId39"/>
+    <p:sldId id="2402" r:id="rId40"/>
+    <p:sldId id="2408" r:id="rId41"/>
+    <p:sldId id="2397" r:id="rId42"/>
+    <p:sldId id="2399" r:id="rId43"/>
+    <p:sldId id="2400" r:id="rId44"/>
+    <p:sldId id="2406" r:id="rId45"/>
+    <p:sldId id="2401" r:id="rId46"/>
+    <p:sldId id="2404" r:id="rId47"/>
+    <p:sldId id="2405" r:id="rId48"/>
+    <p:sldId id="2395" r:id="rId49"/>
   </p:sldIdLst>
   <p:sldSz cx="12192000" cy="6858000"/>
   <p:notesSz cx="6858000" cy="9144000"/>
@@ -243,7 +244,7 @@
           <a:p>
             <a:fld id="{EF8443A9-F23A-48DF-A7F1-69ACC1B2952D}" type="datetimeFigureOut">
               <a:rPr lang="en-US" smtClean="0"/>
-              <a:t>08-Nov-19</a:t>
+              <a:t>07-Dec-19</a:t>
             </a:fld>
             <a:endParaRPr lang="en-US"/>
           </a:p>
@@ -1709,29 +1710,394 @@
           <a:p>
             <a:r>
               <a:rPr lang="en-US" dirty="0"/>
-              <a:t>Av = \lambda v  \</a:t>
+              <a:t>\\</a:t>
+            </a:r>
+          </a:p>
+          <a:p>
+            <a:r>
+              <a:rPr lang="en-US" dirty="0"/>
+              <a:t>\begin{</a:t>
             </a:r>
             <a:r>
               <a:rPr lang="en-US" dirty="0" err="1"/>
-              <a:t>mapsto</a:t>
-            </a:r>
-            <a:r>
-              <a:rPr lang="en-US" dirty="0"/>
-              <a:t> </a:t>
+              <a:t>bmatrix</a:t>
+            </a:r>
+            <a:r>
+              <a:rPr lang="en-US" dirty="0"/>
+              <a:t>}\</a:t>
             </a:r>
             <a:r>
               <a:rPr lang="en-US" dirty="0" err="1"/>
-              <a:t>v^TAv</a:t>
-            </a:r>
-            <a:r>
-              <a:rPr lang="en-US" dirty="0"/>
-              <a:t> = \lambda</a:t>
+              <a:t>widetilde</a:t>
+            </a:r>
+            <a:r>
+              <a:rPr lang="en-US" dirty="0"/>
+              <a:t>{u}</a:t>
+            </a:r>
+          </a:p>
+          <a:p>
+            <a:r>
+              <a:rPr lang="en-US" dirty="0"/>
+              <a:t>\\ \</a:t>
+            </a:r>
+            <a:r>
+              <a:rPr lang="en-US" dirty="0" err="1"/>
+              <a:t>widetilde</a:t>
+            </a:r>
+            <a:r>
+              <a:rPr lang="en-US" dirty="0"/>
+              <a:t>{v}</a:t>
+            </a:r>
+          </a:p>
+          <a:p>
+            <a:r>
+              <a:rPr lang="en-US" dirty="0"/>
+              <a:t>\\\widetilde{w}</a:t>
             </a:r>
           </a:p>
           <a:p>
             <a:endParaRPr lang="en-US" dirty="0"/>
           </a:p>
           <a:p>
+            <a:r>
+              <a:rPr lang="en-US" dirty="0"/>
+              <a:t>\end{</a:t>
+            </a:r>
+            <a:r>
+              <a:rPr lang="en-US" dirty="0" err="1"/>
+              <a:t>bmatrix</a:t>
+            </a:r>
+            <a:r>
+              <a:rPr lang="en-US" dirty="0"/>
+              <a:t>}</a:t>
+            </a:r>
+          </a:p>
+          <a:p>
+            <a:endParaRPr lang="en-US" dirty="0"/>
+          </a:p>
+          <a:p>
+            <a:r>
+              <a:rPr lang="en-US" dirty="0"/>
+              <a:t>=</a:t>
+            </a:r>
+          </a:p>
+          <a:p>
+            <a:r>
+              <a:rPr lang="en-US" dirty="0"/>
+              <a:t>K^{-1}</a:t>
+            </a:r>
+          </a:p>
+          <a:p>
+            <a:r>
+              <a:rPr lang="en-US" dirty="0"/>
+              <a:t>\begin{</a:t>
+            </a:r>
+            <a:r>
+              <a:rPr lang="en-US" dirty="0" err="1"/>
+              <a:t>bmatrix</a:t>
+            </a:r>
+            <a:r>
+              <a:rPr lang="en-US" dirty="0"/>
+              <a:t>}u</a:t>
+            </a:r>
+          </a:p>
+          <a:p>
+            <a:r>
+              <a:rPr lang="en-US" dirty="0"/>
+              <a:t>\\ v</a:t>
+            </a:r>
+          </a:p>
+          <a:p>
+            <a:r>
+              <a:rPr lang="en-US" dirty="0"/>
+              <a:t>\\w</a:t>
+            </a:r>
+          </a:p>
+          <a:p>
+            <a:endParaRPr lang="en-US" dirty="0"/>
+          </a:p>
+          <a:p>
+            <a:r>
+              <a:rPr lang="en-US" dirty="0"/>
+              <a:t>\end{</a:t>
+            </a:r>
+            <a:r>
+              <a:rPr lang="en-US" dirty="0" err="1"/>
+              <a:t>bmatrix</a:t>
+            </a:r>
+            <a:r>
+              <a:rPr lang="en-US" dirty="0"/>
+              <a:t>}</a:t>
+            </a:r>
+          </a:p>
+          <a:p>
+            <a:r>
+              <a:rPr lang="en-US" dirty="0"/>
+              <a:t> = </a:t>
+            </a:r>
+          </a:p>
+          <a:p>
+            <a:endParaRPr lang="en-US" dirty="0"/>
+          </a:p>
+          <a:p>
+            <a:r>
+              <a:rPr lang="en-US" dirty="0"/>
+              <a:t>\begin{</a:t>
+            </a:r>
+            <a:r>
+              <a:rPr lang="en-US" dirty="0" err="1"/>
+              <a:t>bmatrix</a:t>
+            </a:r>
+            <a:r>
+              <a:rPr lang="en-US" dirty="0"/>
+              <a:t>}1 &amp; 0&amp;0&amp;0</a:t>
+            </a:r>
+          </a:p>
+          <a:p>
+            <a:r>
+              <a:rPr lang="en-US" dirty="0"/>
+              <a:t>\\ 0&amp;1 &amp;0&amp;0</a:t>
+            </a:r>
+          </a:p>
+          <a:p>
+            <a:r>
+              <a:rPr lang="en-US" dirty="0"/>
+              <a:t>\\0&amp;0&amp;1&amp;0</a:t>
+            </a:r>
+          </a:p>
+          <a:p>
+            <a:r>
+              <a:rPr lang="en-US" dirty="0"/>
+              <a:t>\end{</a:t>
+            </a:r>
+            <a:r>
+              <a:rPr lang="en-US" dirty="0" err="1"/>
+              <a:t>bmatrix</a:t>
+            </a:r>
+            <a:r>
+              <a:rPr lang="en-US" dirty="0"/>
+              <a:t>}</a:t>
+            </a:r>
+          </a:p>
+          <a:p>
+            <a:endParaRPr lang="en-US" dirty="0"/>
+          </a:p>
+          <a:p>
+            <a:r>
+              <a:rPr lang="en-US" dirty="0"/>
+              <a:t>\begin{</a:t>
+            </a:r>
+            <a:r>
+              <a:rPr lang="en-US" dirty="0" err="1"/>
+              <a:t>bmatrix</a:t>
+            </a:r>
+            <a:r>
+              <a:rPr lang="en-US" dirty="0"/>
+              <a:t>}R_{3X3} &amp; -RC_{3X1}</a:t>
+            </a:r>
+          </a:p>
+          <a:p>
+            <a:r>
+              <a:rPr lang="en-US" dirty="0"/>
+              <a:t>\\ 0_{1X3}&amp;1 </a:t>
+            </a:r>
+          </a:p>
+          <a:p>
+            <a:endParaRPr lang="en-US" dirty="0"/>
+          </a:p>
+          <a:p>
+            <a:r>
+              <a:rPr lang="en-US" dirty="0"/>
+              <a:t>\end{</a:t>
+            </a:r>
+            <a:r>
+              <a:rPr lang="en-US" dirty="0" err="1"/>
+              <a:t>bmatrix</a:t>
+            </a:r>
+            <a:r>
+              <a:rPr lang="en-US" dirty="0"/>
+              <a:t>}</a:t>
+            </a:r>
+          </a:p>
+          <a:p>
+            <a:endParaRPr lang="en-US" dirty="0"/>
+          </a:p>
+          <a:p>
+            <a:r>
+              <a:rPr lang="en-US" dirty="0"/>
+              <a:t>\begin{</a:t>
+            </a:r>
+            <a:r>
+              <a:rPr lang="en-US" dirty="0" err="1"/>
+              <a:t>bmatrix</a:t>
+            </a:r>
+            <a:r>
+              <a:rPr lang="en-US" dirty="0"/>
+              <a:t>}x</a:t>
+            </a:r>
+          </a:p>
+          <a:p>
+            <a:r>
+              <a:rPr lang="en-US" dirty="0"/>
+              <a:t>\\ y</a:t>
+            </a:r>
+          </a:p>
+          <a:p>
+            <a:r>
+              <a:rPr lang="en-US" dirty="0"/>
+              <a:t>\\z</a:t>
+            </a:r>
+          </a:p>
+          <a:p>
+            <a:r>
+              <a:rPr lang="en-US" dirty="0"/>
+              <a:t>\\1</a:t>
+            </a:r>
+          </a:p>
+          <a:p>
+            <a:r>
+              <a:rPr lang="en-US" dirty="0"/>
+              <a:t>\end{</a:t>
+            </a:r>
+            <a:r>
+              <a:rPr lang="en-US" dirty="0" err="1"/>
+              <a:t>bmatrix</a:t>
+            </a:r>
+            <a:r>
+              <a:rPr lang="en-US" dirty="0"/>
+              <a:t>}</a:t>
+            </a:r>
+          </a:p>
+          <a:p>
+            <a:endParaRPr lang="en-US" dirty="0"/>
+          </a:p>
+          <a:p>
+            <a:r>
+              <a:rPr lang="en-US" dirty="0"/>
+              <a:t>=</a:t>
+            </a:r>
+          </a:p>
+          <a:p>
+            <a:r>
+              <a:rPr lang="en-US" dirty="0"/>
+              <a:t>\\</a:t>
+            </a:r>
+          </a:p>
+          <a:p>
+            <a:r>
+              <a:rPr lang="en-US" dirty="0"/>
+              <a:t>R </a:t>
+            </a:r>
+          </a:p>
+          <a:p>
+            <a:r>
+              <a:rPr lang="en-US" dirty="0"/>
+              <a:t>\begin{</a:t>
+            </a:r>
+            <a:r>
+              <a:rPr lang="en-US" dirty="0" err="1"/>
+              <a:t>bmatrix</a:t>
+            </a:r>
+            <a:r>
+              <a:rPr lang="en-US" dirty="0"/>
+              <a:t>}x</a:t>
+            </a:r>
+          </a:p>
+          <a:p>
+            <a:r>
+              <a:rPr lang="en-US" dirty="0"/>
+              <a:t>\\ y</a:t>
+            </a:r>
+          </a:p>
+          <a:p>
+            <a:r>
+              <a:rPr lang="en-US" dirty="0"/>
+              <a:t>\\z</a:t>
+            </a:r>
+          </a:p>
+          <a:p>
+            <a:r>
+              <a:rPr lang="en-US" dirty="0"/>
+              <a:t>\end{</a:t>
+            </a:r>
+            <a:r>
+              <a:rPr lang="en-US" dirty="0" err="1"/>
+              <a:t>bmatrix</a:t>
+            </a:r>
+            <a:r>
+              <a:rPr lang="en-US" dirty="0"/>
+              <a:t>}</a:t>
+            </a:r>
+          </a:p>
+          <a:p>
+            <a:r>
+              <a:rPr lang="en-US" dirty="0"/>
+              <a:t>-RC</a:t>
+            </a:r>
+          </a:p>
+          <a:p>
+            <a:endParaRPr lang="en-US" dirty="0"/>
+          </a:p>
+          <a:p>
+            <a:r>
+              <a:rPr lang="en-US" dirty="0"/>
+              <a:t>=</a:t>
+            </a:r>
+          </a:p>
+          <a:p>
+            <a:endParaRPr lang="en-US" dirty="0"/>
+          </a:p>
+          <a:p>
+            <a:r>
+              <a:rPr lang="en-US" dirty="0"/>
+              <a:t>R </a:t>
+            </a:r>
+          </a:p>
+          <a:p>
+            <a:r>
+              <a:rPr lang="en-US" dirty="0"/>
+              <a:t>\begin{</a:t>
+            </a:r>
+            <a:r>
+              <a:rPr lang="en-US" dirty="0" err="1"/>
+              <a:t>bmatrix</a:t>
+            </a:r>
+            <a:r>
+              <a:rPr lang="en-US" dirty="0"/>
+              <a:t>}x</a:t>
+            </a:r>
+          </a:p>
+          <a:p>
+            <a:r>
+              <a:rPr lang="en-US" dirty="0"/>
+              <a:t>\\ y</a:t>
+            </a:r>
+          </a:p>
+          <a:p>
+            <a:r>
+              <a:rPr lang="en-US" dirty="0"/>
+              <a:t>\\z</a:t>
+            </a:r>
+          </a:p>
+          <a:p>
+            <a:r>
+              <a:rPr lang="en-US" dirty="0"/>
+              <a:t>\end{</a:t>
+            </a:r>
+            <a:r>
+              <a:rPr lang="en-US" dirty="0" err="1"/>
+              <a:t>bmatrix</a:t>
+            </a:r>
+            <a:r>
+              <a:rPr lang="en-US" dirty="0"/>
+              <a:t>}</a:t>
+            </a:r>
+          </a:p>
+          <a:p>
+            <a:r>
+              <a:rPr lang="en-US"/>
+              <a:t>+t</a:t>
+            </a:r>
             <a:endParaRPr lang="en-US" dirty="0"/>
           </a:p>
         </p:txBody>
@@ -1751,9 +2117,9 @@
           <a:bodyPr/>
           <a:lstStyle/>
           <a:p>
-            <a:fld id="{C3AAF71C-6015-4670-870D-7FE113402D6E}" type="slidenum">
+            <a:fld id="{23DFC88C-95A5-4E0F-9A58-E5C8FBF954FD}" type="slidenum">
               <a:rPr lang="en-US" smtClean="0"/>
-              <a:t>35</a:t>
+              <a:t>29</a:t>
             </a:fld>
             <a:endParaRPr lang="en-US"/>
           </a:p>
@@ -1762,7 +2128,7 @@
     </p:spTree>
     <p:extLst>
       <p:ext uri="{BB962C8B-B14F-4D97-AF65-F5344CB8AC3E}">
-        <p14:creationId xmlns:p14="http://schemas.microsoft.com/office/powerpoint/2010/main" val="328073289"/>
+        <p14:creationId xmlns:p14="http://schemas.microsoft.com/office/powerpoint/2010/main" val="2677273637"/>
       </p:ext>
     </p:extLst>
   </p:cSld>
@@ -1791,118 +2157,79 @@
       </p:grpSpPr>
       <p:sp>
         <p:nvSpPr>
-          <p:cNvPr id="7" name="Rectangle 7"/>
+          <p:cNvPr id="2" name="Slide Image Placeholder 1"/>
           <p:cNvSpPr>
-            <a:spLocks noGrp="1" noChangeArrowheads="1"/>
+            <a:spLocks noGrp="1" noRot="1" noChangeAspect="1"/>
+          </p:cNvSpPr>
+          <p:nvPr>
+            <p:ph type="sldImg"/>
+          </p:nvPr>
+        </p:nvSpPr>
+        <p:spPr/>
+      </p:sp>
+      <p:sp>
+        <p:nvSpPr>
+          <p:cNvPr id="3" name="Notes Placeholder 2"/>
+          <p:cNvSpPr>
+            <a:spLocks noGrp="1"/>
+          </p:cNvSpPr>
+          <p:nvPr>
+            <p:ph type="body" idx="1"/>
+          </p:nvPr>
+        </p:nvSpPr>
+        <p:spPr/>
+        <p:txBody>
+          <a:bodyPr/>
+          <a:lstStyle/>
+          <a:p>
+            <a:r>
+              <a:rPr lang="en-US" dirty="0"/>
+              <a:t>Av = \lambda v  \</a:t>
+            </a:r>
+            <a:r>
+              <a:rPr lang="en-US" dirty="0" err="1"/>
+              <a:t>mapsto</a:t>
+            </a:r>
+            <a:r>
+              <a:rPr lang="en-US" dirty="0"/>
+              <a:t> </a:t>
+            </a:r>
+            <a:r>
+              <a:rPr lang="en-US" dirty="0" err="1"/>
+              <a:t>v^TAv</a:t>
+            </a:r>
+            <a:r>
+              <a:rPr lang="en-US" dirty="0"/>
+              <a:t> = \lambda</a:t>
+            </a:r>
+          </a:p>
+          <a:p>
+            <a:endParaRPr lang="en-US" dirty="0"/>
+          </a:p>
+          <a:p>
+            <a:endParaRPr lang="en-US" dirty="0"/>
+          </a:p>
+        </p:txBody>
+      </p:sp>
+      <p:sp>
+        <p:nvSpPr>
+          <p:cNvPr id="4" name="Slide Number Placeholder 3"/>
+          <p:cNvSpPr>
+            <a:spLocks noGrp="1"/>
           </p:cNvSpPr>
           <p:nvPr>
             <p:ph type="sldNum" sz="quarter" idx="5"/>
           </p:nvPr>
         </p:nvSpPr>
-        <p:spPr>
-          <a:ln/>
-        </p:spPr>
+        <p:spPr/>
         <p:txBody>
           <a:bodyPr/>
           <a:lstStyle/>
           <a:p>
-            <a:pPr marL="0" marR="0" lvl="0" indent="0" algn="r" defTabSz="914400" rtl="0" eaLnBrk="1" fontAlgn="auto" latinLnBrk="0" hangingPunct="1">
-              <a:lnSpc>
-                <a:spcPct val="100000"/>
-              </a:lnSpc>
-              <a:spcBef>
-                <a:spcPts val="0"/>
-              </a:spcBef>
-              <a:spcAft>
-                <a:spcPts val="0"/>
-              </a:spcAft>
-              <a:buClrTx/>
-              <a:buSzTx/>
-              <a:buFontTx/>
-              <a:buNone/>
-              <a:tabLst/>
-              <a:defRPr/>
-            </a:pPr>
-            <a:fld id="{FA034DB5-0DE9-45A3-A098-A8E2F19D80CA}" type="slidenum">
-              <a:rPr kumimoji="0" lang="en-US" sz="1200" b="0" i="0" u="none" strike="noStrike" kern="1200" cap="none" spc="0" normalizeH="0" baseline="0" noProof="0">
-                <a:ln>
-                  <a:noFill/>
-                </a:ln>
-                <a:solidFill>
-                  <a:prstClr val="black"/>
-                </a:solidFill>
-                <a:effectLst/>
-                <a:uLnTx/>
-                <a:uFillTx/>
-                <a:latin typeface="Calibri" panose="020F0502020204030204"/>
-                <a:ea typeface="+mn-ea"/>
-                <a:cs typeface="+mn-cs"/>
-              </a:rPr>
-              <a:pPr marL="0" marR="0" lvl="0" indent="0" algn="r" defTabSz="914400" rtl="0" eaLnBrk="1" fontAlgn="auto" latinLnBrk="0" hangingPunct="1">
-                <a:lnSpc>
-                  <a:spcPct val="100000"/>
-                </a:lnSpc>
-                <a:spcBef>
-                  <a:spcPts val="0"/>
-                </a:spcBef>
-                <a:spcAft>
-                  <a:spcPts val="0"/>
-                </a:spcAft>
-                <a:buClrTx/>
-                <a:buSzTx/>
-                <a:buFontTx/>
-                <a:buNone/>
-                <a:tabLst/>
-                <a:defRPr/>
-              </a:pPr>
-              <a:t>38</a:t>
+            <a:fld id="{C3AAF71C-6015-4670-870D-7FE113402D6E}" type="slidenum">
+              <a:rPr lang="en-US" smtClean="0"/>
+              <a:t>36</a:t>
             </a:fld>
-            <a:endParaRPr kumimoji="0" lang="en-US" sz="1200" b="0" i="0" u="none" strike="noStrike" kern="1200" cap="none" spc="0" normalizeH="0" baseline="0" noProof="0">
-              <a:ln>
-                <a:noFill/>
-              </a:ln>
-              <a:solidFill>
-                <a:prstClr val="black"/>
-              </a:solidFill>
-              <a:effectLst/>
-              <a:uLnTx/>
-              <a:uFillTx/>
-              <a:latin typeface="Calibri" panose="020F0502020204030204"/>
-              <a:ea typeface="+mn-ea"/>
-              <a:cs typeface="+mn-cs"/>
-            </a:endParaRPr>
-          </a:p>
-        </p:txBody>
-      </p:sp>
-      <p:sp>
-        <p:nvSpPr>
-          <p:cNvPr id="436226" name="Rectangle 2"/>
-          <p:cNvSpPr>
-            <a:spLocks noGrp="1" noRot="1" noChangeAspect="1" noChangeArrowheads="1" noTextEdit="1"/>
-          </p:cNvSpPr>
-          <p:nvPr>
-            <p:ph type="sldImg"/>
-          </p:nvPr>
-        </p:nvSpPr>
-        <p:spPr>
-          <a:ln/>
-        </p:spPr>
-      </p:sp>
-      <p:sp>
-        <p:nvSpPr>
-          <p:cNvPr id="436227" name="Rectangle 3"/>
-          <p:cNvSpPr>
-            <a:spLocks noGrp="1" noChangeArrowheads="1"/>
-          </p:cNvSpPr>
-          <p:nvPr>
-            <p:ph type="body" idx="1"/>
-          </p:nvPr>
-        </p:nvSpPr>
-        <p:spPr/>
-        <p:txBody>
-          <a:bodyPr/>
-          <a:lstStyle/>
-          <a:p>
             <a:endParaRPr lang="en-US"/>
           </a:p>
         </p:txBody>
@@ -1910,7 +2237,7 @@
     </p:spTree>
     <p:extLst>
       <p:ext uri="{BB962C8B-B14F-4D97-AF65-F5344CB8AC3E}">
-        <p14:creationId xmlns:p14="http://schemas.microsoft.com/office/powerpoint/2010/main" val="1853780650"/>
+        <p14:creationId xmlns:p14="http://schemas.microsoft.com/office/powerpoint/2010/main" val="328073289"/>
       </p:ext>
     </p:extLst>
   </p:cSld>
@@ -2058,7 +2385,7 @@
     </p:spTree>
     <p:extLst>
       <p:ext uri="{BB962C8B-B14F-4D97-AF65-F5344CB8AC3E}">
-        <p14:creationId xmlns:p14="http://schemas.microsoft.com/office/powerpoint/2010/main" val="2834761323"/>
+        <p14:creationId xmlns:p14="http://schemas.microsoft.com/office/powerpoint/2010/main" val="1853780650"/>
       </p:ext>
     </p:extLst>
   </p:cSld>
@@ -2087,7 +2414,92 @@
       </p:grpSpPr>
       <p:sp>
         <p:nvSpPr>
-          <p:cNvPr id="79874" name="Rectangle 2"/>
+          <p:cNvPr id="7" name="Rectangle 7"/>
+          <p:cNvSpPr>
+            <a:spLocks noGrp="1" noChangeArrowheads="1"/>
+          </p:cNvSpPr>
+          <p:nvPr>
+            <p:ph type="sldNum" sz="quarter" idx="5"/>
+          </p:nvPr>
+        </p:nvSpPr>
+        <p:spPr>
+          <a:ln/>
+        </p:spPr>
+        <p:txBody>
+          <a:bodyPr/>
+          <a:lstStyle/>
+          <a:p>
+            <a:pPr marL="0" marR="0" lvl="0" indent="0" algn="r" defTabSz="914400" rtl="0" eaLnBrk="1" fontAlgn="auto" latinLnBrk="0" hangingPunct="1">
+              <a:lnSpc>
+                <a:spcPct val="100000"/>
+              </a:lnSpc>
+              <a:spcBef>
+                <a:spcPts val="0"/>
+              </a:spcBef>
+              <a:spcAft>
+                <a:spcPts val="0"/>
+              </a:spcAft>
+              <a:buClrTx/>
+              <a:buSzTx/>
+              <a:buFontTx/>
+              <a:buNone/>
+              <a:tabLst/>
+              <a:defRPr/>
+            </a:pPr>
+            <a:fld id="{FA034DB5-0DE9-45A3-A098-A8E2F19D80CA}" type="slidenum">
+              <a:rPr kumimoji="0" lang="en-US" sz="1200" b="0" i="0" u="none" strike="noStrike" kern="1200" cap="none" spc="0" normalizeH="0" baseline="0" noProof="0">
+                <a:ln>
+                  <a:noFill/>
+                </a:ln>
+                <a:solidFill>
+                  <a:prstClr val="black"/>
+                </a:solidFill>
+                <a:effectLst/>
+                <a:uLnTx/>
+                <a:uFillTx/>
+                <a:latin typeface="Calibri" panose="020F0502020204030204"/>
+                <a:ea typeface="+mn-ea"/>
+                <a:cs typeface="+mn-cs"/>
+              </a:rPr>
+              <a:pPr marL="0" marR="0" lvl="0" indent="0" algn="r" defTabSz="914400" rtl="0" eaLnBrk="1" fontAlgn="auto" latinLnBrk="0" hangingPunct="1">
+                <a:lnSpc>
+                  <a:spcPct val="100000"/>
+                </a:lnSpc>
+                <a:spcBef>
+                  <a:spcPts val="0"/>
+                </a:spcBef>
+                <a:spcAft>
+                  <a:spcPts val="0"/>
+                </a:spcAft>
+                <a:buClrTx/>
+                <a:buSzTx/>
+                <a:buFontTx/>
+                <a:buNone/>
+                <a:tabLst/>
+                <a:defRPr/>
+              </a:pPr>
+              <a:t>40</a:t>
+            </a:fld>
+            <a:endParaRPr kumimoji="0" lang="en-US" sz="1200" b="0" i="0" u="none" strike="noStrike" kern="1200" cap="none" spc="0" normalizeH="0" baseline="0" noProof="0">
+              <a:ln>
+                <a:noFill/>
+              </a:ln>
+              <a:solidFill>
+                <a:prstClr val="black"/>
+              </a:solidFill>
+              <a:effectLst/>
+              <a:uLnTx/>
+              <a:uFillTx/>
+              <a:latin typeface="Calibri" panose="020F0502020204030204"/>
+              <a:ea typeface="+mn-ea"/>
+              <a:cs typeface="+mn-cs"/>
+            </a:endParaRPr>
+          </a:p>
+        </p:txBody>
+      </p:sp>
+      <p:sp>
+        <p:nvSpPr>
+          <p:cNvPr id="436226" name="Rectangle 2"/>
           <p:cNvSpPr>
             <a:spLocks noGrp="1" noRot="1" noChangeAspect="1" noChangeArrowheads="1" noTextEdit="1"/>
           </p:cNvSpPr>
@@ -2101,7 +2513,7 @@
       </p:sp>
       <p:sp>
         <p:nvSpPr>
-          <p:cNvPr id="79875" name="Rectangle 3"/>
+          <p:cNvPr id="436227" name="Rectangle 3"/>
           <p:cNvSpPr>
             <a:spLocks noGrp="1" noChangeArrowheads="1"/>
           </p:cNvSpPr>
@@ -2109,10 +2521,7 @@
             <p:ph type="body" idx="1"/>
           </p:nvPr>
         </p:nvSpPr>
-        <p:spPr>
-          <a:noFill/>
-          <a:ln/>
-        </p:spPr>
+        <p:spPr/>
         <p:txBody>
           <a:bodyPr/>
           <a:lstStyle/>
@@ -2124,7 +2533,7 @@
     </p:spTree>
     <p:extLst>
       <p:ext uri="{BB962C8B-B14F-4D97-AF65-F5344CB8AC3E}">
-        <p14:creationId xmlns:p14="http://schemas.microsoft.com/office/powerpoint/2010/main" val="1975036792"/>
+        <p14:creationId xmlns:p14="http://schemas.microsoft.com/office/powerpoint/2010/main" val="2834761323"/>
       </p:ext>
     </p:extLst>
   </p:cSld>
@@ -2153,6 +2562,72 @@
       </p:grpSpPr>
       <p:sp>
         <p:nvSpPr>
+          <p:cNvPr id="79874" name="Rectangle 2"/>
+          <p:cNvSpPr>
+            <a:spLocks noGrp="1" noRot="1" noChangeAspect="1" noChangeArrowheads="1" noTextEdit="1"/>
+          </p:cNvSpPr>
+          <p:nvPr>
+            <p:ph type="sldImg"/>
+          </p:nvPr>
+        </p:nvSpPr>
+        <p:spPr>
+          <a:ln/>
+        </p:spPr>
+      </p:sp>
+      <p:sp>
+        <p:nvSpPr>
+          <p:cNvPr id="79875" name="Rectangle 3"/>
+          <p:cNvSpPr>
+            <a:spLocks noGrp="1" noChangeArrowheads="1"/>
+          </p:cNvSpPr>
+          <p:nvPr>
+            <p:ph type="body" idx="1"/>
+          </p:nvPr>
+        </p:nvSpPr>
+        <p:spPr>
+          <a:noFill/>
+          <a:ln/>
+        </p:spPr>
+        <p:txBody>
+          <a:bodyPr/>
+          <a:lstStyle/>
+          <a:p>
+            <a:endParaRPr lang="en-US"/>
+          </a:p>
+        </p:txBody>
+      </p:sp>
+    </p:spTree>
+    <p:extLst>
+      <p:ext uri="{BB962C8B-B14F-4D97-AF65-F5344CB8AC3E}">
+        <p14:creationId xmlns:p14="http://schemas.microsoft.com/office/powerpoint/2010/main" val="1975036792"/>
+      </p:ext>
+    </p:extLst>
+  </p:cSld>
+  <p:clrMapOvr>
+    <a:masterClrMapping/>
+  </p:clrMapOvr>
+</p:notes>
+</file>
+
+<file path=ppt/notesSlides/notesSlide17.xml><?xml version="1.0" encoding="utf-8"?>
+<p:notes xmlns:a="http://schemas.openxmlformats.org/drawingml/2006/main" xmlns:r="http://schemas.openxmlformats.org/officeDocument/2006/relationships" xmlns:p="http://schemas.openxmlformats.org/presentationml/2006/main">
+  <p:cSld>
+    <p:spTree>
+      <p:nvGrpSpPr>
+        <p:cNvPr id="1" name=""/>
+        <p:cNvGrpSpPr/>
+        <p:nvPr/>
+      </p:nvGrpSpPr>
+      <p:grpSpPr>
+        <a:xfrm>
+          <a:off x="0" y="0"/>
+          <a:ext cx="0" cy="0"/>
+          <a:chOff x="0" y="0"/>
+          <a:chExt cx="0" cy="0"/>
+        </a:xfrm>
+      </p:grpSpPr>
+      <p:sp>
+        <p:nvSpPr>
           <p:cNvPr id="80898" name="Rectangle 2"/>
           <p:cNvSpPr>
             <a:spLocks noGrp="1" noRot="1" noChangeAspect="1" noChangeArrowheads="1" noTextEdit="1"/>
@@ -2200,7 +2675,7 @@
 </p:notes>
 </file>
 
-<file path=ppt/notesSlides/notesSlide17.xml><?xml version="1.0" encoding="utf-8"?>
+<file path=ppt/notesSlides/notesSlide18.xml><?xml version="1.0" encoding="utf-8"?>
 <p:notes xmlns:a="http://schemas.openxmlformats.org/drawingml/2006/main" xmlns:r="http://schemas.openxmlformats.org/officeDocument/2006/relationships" xmlns:p="http://schemas.openxmlformats.org/presentationml/2006/main">
   <p:cSld>
     <p:spTree>
@@ -2389,7 +2864,7 @@
                 <a:tabLst/>
                 <a:defRPr/>
               </a:pPr>
-              <a:t>43</a:t>
+              <a:t>44</a:t>
             </a:fld>
             <a:endParaRPr kumimoji="0" lang="en-US" altLang="en-US" sz="1200" b="0" i="0" u="none" strike="noStrike" kern="1200" cap="none" spc="0" normalizeH="0" baseline="0" noProof="0">
               <a:ln>
@@ -2457,7 +2932,7 @@
 </p:notes>
 </file>
 
-<file path=ppt/notesSlides/notesSlide18.xml><?xml version="1.0" encoding="utf-8"?>
+<file path=ppt/notesSlides/notesSlide19.xml><?xml version="1.0" encoding="utf-8"?>
 <p:notes xmlns:a="http://schemas.openxmlformats.org/drawingml/2006/main" xmlns:r="http://schemas.openxmlformats.org/officeDocument/2006/relationships" xmlns:p="http://schemas.openxmlformats.org/presentationml/2006/main">
   <p:cSld>
     <p:spTree>
@@ -4542,7 +5017,7 @@
           <a:p>
             <a:fld id="{1930E4BE-DC49-4C06-9EAD-5C882F80E0B2}" type="datetimeFigureOut">
               <a:rPr lang="en-US" smtClean="0"/>
-              <a:t>08-Nov-19</a:t>
+              <a:t>07-Dec-19</a:t>
             </a:fld>
             <a:endParaRPr lang="en-US"/>
           </a:p>
@@ -4720,7 +5195,7 @@
           <a:p>
             <a:fld id="{1930E4BE-DC49-4C06-9EAD-5C882F80E0B2}" type="datetimeFigureOut">
               <a:rPr lang="en-US" smtClean="0"/>
-              <a:t>08-Nov-19</a:t>
+              <a:t>07-Dec-19</a:t>
             </a:fld>
             <a:endParaRPr lang="en-US"/>
           </a:p>
@@ -5019,7 +5494,7 @@
           <a:p>
             <a:fld id="{1930E4BE-DC49-4C06-9EAD-5C882F80E0B2}" type="datetimeFigureOut">
               <a:rPr lang="en-US" smtClean="0"/>
-              <a:t>08-Nov-19</a:t>
+              <a:t>07-Dec-19</a:t>
             </a:fld>
             <a:endParaRPr lang="en-US"/>
           </a:p>
@@ -5264,7 +5739,7 @@
           <a:p>
             <a:fld id="{1930E4BE-DC49-4C06-9EAD-5C882F80E0B2}" type="datetimeFigureOut">
               <a:rPr lang="en-US" smtClean="0"/>
-              <a:t>08-Nov-19</a:t>
+              <a:t>07-Dec-19</a:t>
             </a:fld>
             <a:endParaRPr lang="en-US"/>
           </a:p>
@@ -5549,7 +6024,7 @@
           <a:p>
             <a:fld id="{1930E4BE-DC49-4C06-9EAD-5C882F80E0B2}" type="datetimeFigureOut">
               <a:rPr lang="en-US" smtClean="0"/>
-              <a:t>08-Nov-19</a:t>
+              <a:t>07-Dec-19</a:t>
             </a:fld>
             <a:endParaRPr lang="en-US"/>
           </a:p>
@@ -5968,7 +6443,7 @@
           <a:p>
             <a:fld id="{1930E4BE-DC49-4C06-9EAD-5C882F80E0B2}" type="datetimeFigureOut">
               <a:rPr lang="en-US" smtClean="0"/>
-              <a:t>08-Nov-19</a:t>
+              <a:t>07-Dec-19</a:t>
             </a:fld>
             <a:endParaRPr lang="en-US"/>
           </a:p>
@@ -6085,7 +6560,7 @@
           <a:p>
             <a:fld id="{1930E4BE-DC49-4C06-9EAD-5C882F80E0B2}" type="datetimeFigureOut">
               <a:rPr lang="en-US" smtClean="0"/>
-              <a:t>08-Nov-19</a:t>
+              <a:t>07-Dec-19</a:t>
             </a:fld>
             <a:endParaRPr lang="en-US"/>
           </a:p>
@@ -6180,7 +6655,7 @@
           <a:p>
             <a:fld id="{1930E4BE-DC49-4C06-9EAD-5C882F80E0B2}" type="datetimeFigureOut">
               <a:rPr lang="en-US" smtClean="0"/>
-              <a:t>08-Nov-19</a:t>
+              <a:t>07-Dec-19</a:t>
             </a:fld>
             <a:endParaRPr lang="en-US"/>
           </a:p>
@@ -6455,7 +6930,7 @@
           <a:p>
             <a:fld id="{1930E4BE-DC49-4C06-9EAD-5C882F80E0B2}" type="datetimeFigureOut">
               <a:rPr lang="en-US" smtClean="0"/>
-              <a:t>08-Nov-19</a:t>
+              <a:t>07-Dec-19</a:t>
             </a:fld>
             <a:endParaRPr lang="en-US"/>
           </a:p>
@@ -6707,7 +7182,7 @@
           <a:p>
             <a:fld id="{1930E4BE-DC49-4C06-9EAD-5C882F80E0B2}" type="datetimeFigureOut">
               <a:rPr lang="en-US" smtClean="0"/>
-              <a:t>08-Nov-19</a:t>
+              <a:t>07-Dec-19</a:t>
             </a:fld>
             <a:endParaRPr lang="en-US"/>
           </a:p>
@@ -6918,7 +7393,7 @@
           <a:p>
             <a:fld id="{1930E4BE-DC49-4C06-9EAD-5C882F80E0B2}" type="datetimeFigureOut">
               <a:rPr lang="en-US" smtClean="0"/>
-              <a:t>08-Nov-19</a:t>
+              <a:t>07-Dec-19</a:t>
             </a:fld>
             <a:endParaRPr lang="en-US"/>
           </a:p>
@@ -8121,8 +8596,8 @@
           </a:extLst>
         </p:spPr>
       </p:pic>
-      <mc:AlternateContent xmlns:mc="http://schemas.openxmlformats.org/markup-compatibility/2006">
-        <mc:Choice xmlns:a14="http://schemas.microsoft.com/office/drawing/2010/main" Requires="a14">
+      <mc:AlternateContent xmlns:mc="http://schemas.openxmlformats.org/markup-compatibility/2006" xmlns:a14="http://schemas.microsoft.com/office/drawing/2010/main">
+        <mc:Choice Requires="a14">
           <p:sp>
             <p:nvSpPr>
               <p:cNvPr id="21" name="image coordinate system">
@@ -8218,7 +8693,7 @@
             </p:txBody>
           </p:sp>
         </mc:Choice>
-        <mc:Fallback>
+        <mc:Fallback xmlns="">
           <p:sp>
             <p:nvSpPr>
               <p:cNvPr id="21" name="image coordinate system">
@@ -9398,8 +9873,8 @@
           </a:p>
         </p:txBody>
       </p:sp>
-      <mc:AlternateContent xmlns:mc="http://schemas.openxmlformats.org/markup-compatibility/2006">
-        <mc:Choice xmlns:a14="http://schemas.microsoft.com/office/drawing/2010/main" Requires="a14">
+      <mc:AlternateContent xmlns:mc="http://schemas.openxmlformats.org/markup-compatibility/2006" xmlns:a14="http://schemas.microsoft.com/office/drawing/2010/main">
+        <mc:Choice Requires="a14">
           <p:sp>
             <p:nvSpPr>
               <p:cNvPr id="3" name="Content Placeholder 2">
@@ -9479,7 +9954,7 @@
             </p:txBody>
           </p:sp>
         </mc:Choice>
-        <mc:Fallback>
+        <mc:Fallback xmlns="">
           <p:sp>
             <p:nvSpPr>
               <p:cNvPr id="3" name="Content Placeholder 2">
@@ -9909,8 +10384,8 @@
           </a:p>
         </p:txBody>
       </p:sp>
-      <mc:AlternateContent xmlns:mc="http://schemas.openxmlformats.org/markup-compatibility/2006">
-        <mc:Choice xmlns:a14="http://schemas.microsoft.com/office/drawing/2010/main" Requires="a14">
+      <mc:AlternateContent xmlns:mc="http://schemas.openxmlformats.org/markup-compatibility/2006" xmlns:a14="http://schemas.microsoft.com/office/drawing/2010/main">
+        <mc:Choice Requires="a14">
           <p:sp>
             <p:nvSpPr>
               <p:cNvPr id="3" name="Content Placeholder 2"/>
@@ -9975,7 +10450,7 @@
             </p:txBody>
           </p:sp>
         </mc:Choice>
-        <mc:Fallback>
+        <mc:Fallback xmlns="">
           <p:sp>
             <p:nvSpPr>
               <p:cNvPr id="3" name="Content Placeholder 2"/>
@@ -10857,8 +11332,8 @@
           </a:p>
         </p:txBody>
       </p:sp>
-      <mc:AlternateContent xmlns:mc="http://schemas.openxmlformats.org/markup-compatibility/2006">
-        <mc:Choice xmlns:a14="http://schemas.microsoft.com/office/drawing/2010/main" Requires="a14">
+      <mc:AlternateContent xmlns:mc="http://schemas.openxmlformats.org/markup-compatibility/2006" xmlns:a14="http://schemas.microsoft.com/office/drawing/2010/main">
+        <mc:Choice Requires="a14">
           <p:sp>
             <p:nvSpPr>
               <p:cNvPr id="10" name="image coordinate system">
@@ -10954,7 +11429,7 @@
             </p:txBody>
           </p:sp>
         </mc:Choice>
-        <mc:Fallback>
+        <mc:Fallback xmlns="">
           <p:sp>
             <p:nvSpPr>
               <p:cNvPr id="10" name="image coordinate system">
@@ -11147,8 +11622,8 @@
           </a:ln>
         </p:spPr>
       </p:pic>
-      <mc:AlternateContent xmlns:mc="http://schemas.openxmlformats.org/markup-compatibility/2006">
-        <mc:Choice xmlns:a14="http://schemas.microsoft.com/office/drawing/2010/main" Requires="a14">
+      <mc:AlternateContent xmlns:mc="http://schemas.openxmlformats.org/markup-compatibility/2006" xmlns:a14="http://schemas.microsoft.com/office/drawing/2010/main">
+        <mc:Choice Requires="a14">
           <p:sp>
             <p:nvSpPr>
               <p:cNvPr id="15" name="image coordinate system">
@@ -11296,7 +11771,7 @@
             </p:txBody>
           </p:sp>
         </mc:Choice>
-        <mc:Fallback>
+        <mc:Fallback xmlns="">
           <p:sp>
             <p:nvSpPr>
               <p:cNvPr id="15" name="image coordinate system">
@@ -11730,8 +12205,8 @@
           </a:p>
         </p:txBody>
       </p:sp>
-      <mc:AlternateContent xmlns:mc="http://schemas.openxmlformats.org/markup-compatibility/2006">
-        <mc:Choice xmlns:a14="http://schemas.microsoft.com/office/drawing/2010/main" Requires="a14">
+      <mc:AlternateContent xmlns:mc="http://schemas.openxmlformats.org/markup-compatibility/2006" xmlns:a14="http://schemas.microsoft.com/office/drawing/2010/main">
+        <mc:Choice Requires="a14">
           <p:sp>
             <p:nvSpPr>
               <p:cNvPr id="10" name="image coordinate system">
@@ -11827,7 +12302,7 @@
             </p:txBody>
           </p:sp>
         </mc:Choice>
-        <mc:Fallback>
+        <mc:Fallback xmlns="">
           <p:sp>
             <p:nvSpPr>
               <p:cNvPr id="10" name="image coordinate system">
@@ -12061,8 +12536,8 @@
           </a:extLst>
         </p:spPr>
       </p:pic>
-      <mc:AlternateContent xmlns:mc="http://schemas.openxmlformats.org/markup-compatibility/2006">
-        <mc:Choice xmlns:a14="http://schemas.microsoft.com/office/drawing/2010/main" Requires="a14">
+      <mc:AlternateContent xmlns:mc="http://schemas.openxmlformats.org/markup-compatibility/2006" xmlns:a14="http://schemas.microsoft.com/office/drawing/2010/main">
+        <mc:Choice Requires="a14">
           <p:sp>
             <p:nvSpPr>
               <p:cNvPr id="15" name="image coordinate system">
@@ -12210,7 +12685,7 @@
             </p:txBody>
           </p:sp>
         </mc:Choice>
-        <mc:Fallback>
+        <mc:Fallback xmlns="">
           <p:sp>
             <p:nvSpPr>
               <p:cNvPr id="15" name="image coordinate system">
@@ -13790,8 +14265,8 @@
           </a:p>
         </p:txBody>
       </p:sp>
-      <mc:AlternateContent xmlns:mc="http://schemas.openxmlformats.org/markup-compatibility/2006">
-        <mc:Choice xmlns:a14="http://schemas.microsoft.com/office/drawing/2010/main" Requires="a14">
+      <mc:AlternateContent xmlns:mc="http://schemas.openxmlformats.org/markup-compatibility/2006" xmlns:a14="http://schemas.microsoft.com/office/drawing/2010/main">
+        <mc:Choice Requires="a14">
           <p:sp>
             <p:nvSpPr>
               <p:cNvPr id="23" name="TextBox 22">
@@ -13876,7 +14351,7 @@
             </p:txBody>
           </p:sp>
         </mc:Choice>
-        <mc:Fallback>
+        <mc:Fallback xmlns="">
           <p:sp>
             <p:nvSpPr>
               <p:cNvPr id="23" name="TextBox 22">
@@ -14836,8 +15311,8 @@
           </a:p>
         </p:txBody>
       </p:sp>
-      <mc:AlternateContent xmlns:mc="http://schemas.openxmlformats.org/markup-compatibility/2006">
-        <mc:Choice xmlns:a14="http://schemas.microsoft.com/office/drawing/2010/main" Requires="a14">
+      <mc:AlternateContent xmlns:mc="http://schemas.openxmlformats.org/markup-compatibility/2006" xmlns:a14="http://schemas.microsoft.com/office/drawing/2010/main">
+        <mc:Choice Requires="a14">
           <p:sp>
             <p:nvSpPr>
               <p:cNvPr id="60" name="TextBox 59">
@@ -14897,7 +15372,7 @@
             </p:txBody>
           </p:sp>
         </mc:Choice>
-        <mc:Fallback>
+        <mc:Fallback xmlns="">
           <p:sp>
             <p:nvSpPr>
               <p:cNvPr id="60" name="TextBox 59">
@@ -15600,8 +16075,8 @@
           </a:p>
         </p:txBody>
       </p:sp>
-      <mc:AlternateContent xmlns:mc="http://schemas.openxmlformats.org/markup-compatibility/2006">
-        <mc:Choice xmlns:a14="http://schemas.microsoft.com/office/drawing/2010/main" Requires="a14">
+      <mc:AlternateContent xmlns:mc="http://schemas.openxmlformats.org/markup-compatibility/2006" xmlns:a14="http://schemas.microsoft.com/office/drawing/2010/main">
+        <mc:Choice Requires="a14">
           <p:sp>
             <p:nvSpPr>
               <p:cNvPr id="16" name="TextBox 15">
@@ -15718,7 +16193,7 @@
             </p:txBody>
           </p:sp>
         </mc:Choice>
-        <mc:Fallback>
+        <mc:Fallback xmlns="">
           <p:sp>
             <p:nvSpPr>
               <p:cNvPr id="16" name="TextBox 15">
@@ -16662,8 +17137,8 @@
           </a:p>
         </p:txBody>
       </p:sp>
-      <mc:AlternateContent xmlns:mc="http://schemas.openxmlformats.org/markup-compatibility/2006">
-        <mc:Choice xmlns:a14="http://schemas.microsoft.com/office/drawing/2010/main" Requires="a14">
+      <mc:AlternateContent xmlns:mc="http://schemas.openxmlformats.org/markup-compatibility/2006" xmlns:a14="http://schemas.microsoft.com/office/drawing/2010/main">
+        <mc:Choice Requires="a14">
           <p:sp>
             <p:nvSpPr>
               <p:cNvPr id="20" name="TextBox 19">
@@ -16836,7 +17311,7 @@
             </p:txBody>
           </p:sp>
         </mc:Choice>
-        <mc:Fallback>
+        <mc:Fallback xmlns="">
           <p:sp>
             <p:nvSpPr>
               <p:cNvPr id="20" name="TextBox 19">
@@ -16943,8 +17418,8 @@
           </a:p>
         </p:txBody>
       </p:sp>
-      <mc:AlternateContent xmlns:mc="http://schemas.openxmlformats.org/markup-compatibility/2006">
-        <mc:Choice xmlns:a14="http://schemas.microsoft.com/office/drawing/2010/main" Requires="a14">
+      <mc:AlternateContent xmlns:mc="http://schemas.openxmlformats.org/markup-compatibility/2006" xmlns:a14="http://schemas.microsoft.com/office/drawing/2010/main">
+        <mc:Choice Requires="a14">
           <p:sp>
             <p:nvSpPr>
               <p:cNvPr id="22" name="Rectangle 21"/>
@@ -16990,7 +17465,7 @@
             </p:txBody>
           </p:sp>
         </mc:Choice>
-        <mc:Fallback>
+        <mc:Fallback xmlns="">
           <p:sp>
             <p:nvSpPr>
               <p:cNvPr id="22" name="Rectangle 21"/>
@@ -17061,14 +17536,20 @@
       </p:grpSpPr>
       <p:sp>
         <p:nvSpPr>
-          <p:cNvPr id="23" name="Rounded Rectangle 22"/>
+          <p:cNvPr id="5" name="Rounded Rectangle 22">
+            <a:extLst>
+              <a:ext uri="{FF2B5EF4-FFF2-40B4-BE49-F238E27FC236}">
+                <a16:creationId xmlns:a16="http://schemas.microsoft.com/office/drawing/2014/main" id="{4FB4CBAD-131D-4EA7-B124-5EF953338E5D}"/>
+              </a:ext>
+            </a:extLst>
+          </p:cNvPr>
           <p:cNvSpPr/>
           <p:nvPr/>
         </p:nvSpPr>
         <p:spPr>
           <a:xfrm>
-            <a:off x="4008120" y="2057400"/>
-            <a:ext cx="4191000" cy="1219200"/>
+            <a:off x="4767308" y="5684670"/>
+            <a:ext cx="2654423" cy="938073"/>
           </a:xfrm>
           <a:prstGeom prst="roundRect">
             <a:avLst/>
@@ -17109,6 +17590,54 @@
       </p:sp>
       <p:sp>
         <p:nvSpPr>
+          <p:cNvPr id="23" name="Rounded Rectangle 22"/>
+          <p:cNvSpPr/>
+          <p:nvPr/>
+        </p:nvSpPr>
+        <p:spPr>
+          <a:xfrm>
+            <a:off x="4079141" y="1711173"/>
+            <a:ext cx="4191000" cy="1067539"/>
+          </a:xfrm>
+          <a:prstGeom prst="roundRect">
+            <a:avLst/>
+          </a:prstGeom>
+          <a:solidFill>
+            <a:schemeClr val="bg1">
+              <a:lumMod val="85000"/>
+            </a:schemeClr>
+          </a:solidFill>
+          <a:ln>
+            <a:noFill/>
+          </a:ln>
+        </p:spPr>
+        <p:style>
+          <a:lnRef idx="2">
+            <a:schemeClr val="accent1">
+              <a:shade val="50000"/>
+            </a:schemeClr>
+          </a:lnRef>
+          <a:fillRef idx="1">
+            <a:schemeClr val="accent1"/>
+          </a:fillRef>
+          <a:effectRef idx="0">
+            <a:schemeClr val="accent1"/>
+          </a:effectRef>
+          <a:fontRef idx="minor">
+            <a:schemeClr val="lt1"/>
+          </a:fontRef>
+        </p:style>
+        <p:txBody>
+          <a:bodyPr rtlCol="0" anchor="ctr"/>
+          <a:lstStyle/>
+          <a:p>
+            <a:pPr algn="ctr"/>
+            <a:endParaRPr lang="en-US"/>
+          </a:p>
+        </p:txBody>
+      </p:sp>
+      <p:sp>
+        <p:nvSpPr>
           <p:cNvPr id="2" name="Title 1"/>
           <p:cNvSpPr>
             <a:spLocks noGrp="1"/>
@@ -17129,8 +17658,8 @@
           </a:p>
         </p:txBody>
       </p:sp>
-      <mc:AlternateContent xmlns:mc="http://schemas.openxmlformats.org/markup-compatibility/2006">
-        <mc:Choice xmlns:a14="http://schemas.microsoft.com/office/drawing/2010/main" Requires="a14">
+      <mc:AlternateContent xmlns:mc="http://schemas.openxmlformats.org/markup-compatibility/2006" xmlns:a14="http://schemas.microsoft.com/office/drawing/2010/main">
+        <mc:Choice Requires="a14">
           <p:sp>
             <p:nvSpPr>
               <p:cNvPr id="4" name="Content Placeholder 3"/>
@@ -17141,7 +17670,12 @@
                 <p:ph idx="1"/>
               </p:nvPr>
             </p:nvSpPr>
-            <p:spPr/>
+            <p:spPr>
+              <a:xfrm>
+                <a:off x="203200" y="762000"/>
+                <a:ext cx="11785600" cy="6096000"/>
+              </a:xfrm>
+            </p:spPr>
             <p:txBody>
               <a:bodyPr>
                 <a:normAutofit/>
@@ -17288,9 +17822,6 @@
                   <a:rPr lang="en-US" dirty="0"/>
                   <a:t>Transform to homogenous coordinate notation:</a:t>
                 </a:r>
-              </a:p>
-              <a:p>
-                <a:endParaRPr lang="en-US" dirty="0"/>
               </a:p>
               <a:p>
                 <a:pPr marL="0" indent="0">
@@ -17660,7 +18191,7 @@
               <a:p>
                 <a:r>
                   <a:rPr lang="en-US" dirty="0"/>
-                  <a:t>In OpenCV they do a different transformation that is essentially: </a:t>
+                  <a:t>In OpenCV they do a different transformation that first does a rotation and then translation: </a:t>
                 </a:r>
                 <a:endParaRPr lang="en-US" i="1" dirty="0">
                   <a:latin typeface="Cambria Math" panose="02040503050406030204" pitchFamily="18" charset="0"/>
@@ -17750,21 +18281,188 @@
                         </a:rPr>
                         <m:t>𝑡</m:t>
                       </m:r>
+                      <m:r>
+                        <a:rPr lang="en-US" b="0" i="1" smtClean="0">
+                          <a:latin typeface="Cambria Math" panose="02040503050406030204" pitchFamily="18" charset="0"/>
+                        </a:rPr>
+                        <m:t> </m:t>
+                      </m:r>
+                      <m:groupChr>
+                        <m:groupChrPr>
+                          <m:chr m:val="↔"/>
+                          <m:vertJc m:val="bot"/>
+                          <m:ctrlPr>
+                            <a:rPr lang="en-US" b="0" i="1" smtClean="0">
+                              <a:latin typeface="Cambria Math" panose="02040503050406030204" pitchFamily="18" charset="0"/>
+                            </a:rPr>
+                          </m:ctrlPr>
+                        </m:groupChrPr>
+                        <m:e/>
+                      </m:groupChr>
+                      <m:r>
+                        <a:rPr lang="en-US" b="0" i="1" smtClean="0">
+                          <a:latin typeface="Cambria Math" panose="02040503050406030204" pitchFamily="18" charset="0"/>
+                        </a:rPr>
+                        <m:t>𝑡</m:t>
+                      </m:r>
+                      <m:r>
+                        <a:rPr lang="en-US" b="0" i="1" smtClean="0">
+                          <a:latin typeface="Cambria Math" panose="02040503050406030204" pitchFamily="18" charset="0"/>
+                        </a:rPr>
+                        <m:t>=−</m:t>
+                      </m:r>
+                      <m:r>
+                        <a:rPr lang="en-US" b="0" i="1" smtClean="0">
+                          <a:latin typeface="Cambria Math" panose="02040503050406030204" pitchFamily="18" charset="0"/>
+                        </a:rPr>
+                        <m:t>𝑅𝐶</m:t>
+                      </m:r>
+                    </m:oMath>
+                  </m:oMathPara>
+                </a14:m>
+                <a:endParaRPr lang="en-US" b="0" dirty="0"/>
+              </a:p>
+              <a:p>
+                <a:pPr marL="0" indent="0">
+                  <a:buNone/>
+                </a:pPr>
+                <a14:m>
+                  <m:oMathPara xmlns:m="http://schemas.openxmlformats.org/officeDocument/2006/math">
+                    <m:oMathParaPr>
+                      <m:jc m:val="centerGroup"/>
+                    </m:oMathParaPr>
+                    <m:oMath xmlns:m="http://schemas.openxmlformats.org/officeDocument/2006/math">
+                      <m:sSub>
+                        <m:sSubPr>
+                          <m:ctrlPr>
+                            <a:rPr lang="en-US" i="1">
+                              <a:latin typeface="Cambria Math" panose="02040503050406030204" pitchFamily="18" charset="0"/>
+                            </a:rPr>
+                          </m:ctrlPr>
+                        </m:sSubPr>
+                        <m:e>
+                          <m:r>
+                            <a:rPr lang="en-US" i="1">
+                              <a:latin typeface="Cambria Math"/>
+                            </a:rPr>
+                            <m:t>𝑋</m:t>
+                          </m:r>
+                        </m:e>
+                        <m:sub>
+                          <m:r>
+                            <a:rPr lang="en-US" i="1">
+                              <a:latin typeface="Cambria Math"/>
+                            </a:rPr>
+                            <m:t>𝑐</m:t>
+                          </m:r>
+                        </m:sub>
+                      </m:sSub>
+                      <m:r>
+                        <a:rPr lang="en-US" i="1">
+                          <a:latin typeface="Cambria Math"/>
+                        </a:rPr>
+                        <m:t>=</m:t>
+                      </m:r>
+                      <m:d>
+                        <m:dPr>
+                          <m:begChr m:val="["/>
+                          <m:endChr m:val="]"/>
+                          <m:ctrlPr>
+                            <a:rPr lang="en-US" i="1">
+                              <a:latin typeface="Cambria Math" panose="02040503050406030204" pitchFamily="18" charset="0"/>
+                            </a:rPr>
+                          </m:ctrlPr>
+                        </m:dPr>
+                        <m:e>
+                          <m:m>
+                            <m:mPr>
+                              <m:mcs>
+                                <m:mc>
+                                  <m:mcPr>
+                                    <m:count m:val="2"/>
+                                    <m:mcJc m:val="center"/>
+                                  </m:mcPr>
+                                </m:mc>
+                              </m:mcs>
+                              <m:ctrlPr>
+                                <a:rPr lang="en-US" i="1">
+                                  <a:latin typeface="Cambria Math" panose="02040503050406030204" pitchFamily="18" charset="0"/>
+                                </a:rPr>
+                              </m:ctrlPr>
+                            </m:mPr>
+                            <m:mr>
+                              <m:e>
+                                <m:r>
+                                  <a:rPr lang="en-US" b="0" i="1" smtClean="0">
+                                    <a:latin typeface="Cambria Math" panose="02040503050406030204" pitchFamily="18" charset="0"/>
+                                  </a:rPr>
+                                  <m:t>𝑅</m:t>
+                                </m:r>
+                              </m:e>
+                              <m:e>
+                                <m:r>
+                                  <a:rPr lang="en-US" b="0" i="1" smtClean="0">
+                                    <a:latin typeface="Cambria Math" panose="02040503050406030204" pitchFamily="18" charset="0"/>
+                                  </a:rPr>
+                                  <m:t>𝑡</m:t>
+                                </m:r>
+                              </m:e>
+                            </m:mr>
+                            <m:mr>
+                              <m:e>
+                                <m:r>
+                                  <a:rPr lang="en-US" b="0" i="1" smtClean="0">
+                                    <a:latin typeface="Cambria Math" panose="02040503050406030204" pitchFamily="18" charset="0"/>
+                                  </a:rPr>
+                                  <m:t>0</m:t>
+                                </m:r>
+                              </m:e>
+                              <m:e>
+                                <m:r>
+                                  <a:rPr lang="en-US" i="1">
+                                    <a:latin typeface="Cambria Math"/>
+                                  </a:rPr>
+                                  <m:t>1</m:t>
+                                </m:r>
+                              </m:e>
+                            </m:mr>
+                          </m:m>
+                        </m:e>
+                      </m:d>
+                      <m:sSub>
+                        <m:sSubPr>
+                          <m:ctrlPr>
+                            <a:rPr lang="en-US" i="1">
+                              <a:latin typeface="Cambria Math" panose="02040503050406030204" pitchFamily="18" charset="0"/>
+                            </a:rPr>
+                          </m:ctrlPr>
+                        </m:sSubPr>
+                        <m:e>
+                          <m:r>
+                            <a:rPr lang="en-US" i="1">
+                              <a:latin typeface="Cambria Math"/>
+                            </a:rPr>
+                            <m:t>𝑋</m:t>
+                          </m:r>
+                        </m:e>
+                        <m:sub>
+                          <m:r>
+                            <a:rPr lang="en-US" i="1">
+                              <a:latin typeface="Cambria Math"/>
+                            </a:rPr>
+                            <m:t>𝑤</m:t>
+                          </m:r>
+                        </m:sub>
+                      </m:sSub>
                     </m:oMath>
                   </m:oMathPara>
                 </a14:m>
                 <a:endParaRPr lang="en-US" dirty="0"/>
               </a:p>
-              <a:p>
-                <a:endParaRPr lang="en-US" dirty="0"/>
-              </a:p>
-              <a:p>
-                <a:endParaRPr lang="en-US" dirty="0"/>
-              </a:p>
             </p:txBody>
           </p:sp>
         </mc:Choice>
-        <mc:Fallback>
+        <mc:Fallback xmlns="">
           <p:sp>
             <p:nvSpPr>
               <p:cNvPr id="4" name="Content Placeholder 3"/>
@@ -17776,6 +18474,10 @@
               </p:nvPr>
             </p:nvSpPr>
             <p:spPr>
+              <a:xfrm>
+                <a:off x="203200" y="762000"/>
+                <a:ext cx="11785600" cy="6096000"/>
+              </a:xfrm>
               <a:blipFill>
                 <a:blip r:embed="rId2"/>
                 <a:stretch>
@@ -18136,6 +18838,279 @@
 </file>
 
 <file path=ppt/slides/slide29.xml><?xml version="1.0" encoding="utf-8"?>
+<p:sld xmlns:a="http://schemas.openxmlformats.org/drawingml/2006/main" xmlns:r="http://schemas.openxmlformats.org/officeDocument/2006/relationships" xmlns:p="http://schemas.openxmlformats.org/presentationml/2006/main">
+  <p:cSld>
+    <p:spTree>
+      <p:nvGrpSpPr>
+        <p:cNvPr id="1" name=""/>
+        <p:cNvGrpSpPr/>
+        <p:nvPr/>
+      </p:nvGrpSpPr>
+      <p:grpSpPr>
+        <a:xfrm>
+          <a:off x="0" y="0"/>
+          <a:ext cx="0" cy="0"/>
+          <a:chOff x="0" y="0"/>
+          <a:chExt cx="0" cy="0"/>
+        </a:xfrm>
+      </p:grpSpPr>
+      <p:sp>
+        <p:nvSpPr>
+          <p:cNvPr id="2" name="Title 1">
+            <a:extLst>
+              <a:ext uri="{FF2B5EF4-FFF2-40B4-BE49-F238E27FC236}">
+                <a16:creationId xmlns:a16="http://schemas.microsoft.com/office/drawing/2014/main" id="{FC6A1618-246F-49C2-8BA2-713F06150B9B}"/>
+              </a:ext>
+            </a:extLst>
+          </p:cNvPr>
+          <p:cNvSpPr>
+            <a:spLocks noGrp="1"/>
+          </p:cNvSpPr>
+          <p:nvPr>
+            <p:ph type="title"/>
+          </p:nvPr>
+        </p:nvSpPr>
+        <p:spPr/>
+        <p:txBody>
+          <a:bodyPr/>
+          <a:lstStyle/>
+          <a:p>
+            <a:r>
+              <a:rPr lang="en-US" dirty="0"/>
+              <a:t>Side note: </a:t>
+            </a:r>
+            <a:r>
+              <a:rPr lang="en-US"/>
+              <a:t>normalized image </a:t>
+            </a:r>
+            <a:r>
+              <a:rPr lang="en-US" dirty="0"/>
+              <a:t>coordinates</a:t>
+            </a:r>
+          </a:p>
+        </p:txBody>
+      </p:sp>
+      <p:sp>
+        <p:nvSpPr>
+          <p:cNvPr id="3" name="Content Placeholder 2">
+            <a:extLst>
+              <a:ext uri="{FF2B5EF4-FFF2-40B4-BE49-F238E27FC236}">
+                <a16:creationId xmlns:a16="http://schemas.microsoft.com/office/drawing/2014/main" id="{77FD0BEC-B6C4-4F63-AD1B-520E1DE856B3}"/>
+              </a:ext>
+            </a:extLst>
+          </p:cNvPr>
+          <p:cNvSpPr>
+            <a:spLocks noGrp="1"/>
+          </p:cNvSpPr>
+          <p:nvPr>
+            <p:ph idx="1"/>
+          </p:nvPr>
+        </p:nvSpPr>
+        <p:spPr/>
+        <p:txBody>
+          <a:bodyPr/>
+          <a:lstStyle/>
+          <a:p>
+            <a:r>
+              <a:rPr lang="en-US" dirty="0"/>
+              <a:t>A projection into 2D where the intrinsic matrix is already embedded at the coordinate given</a:t>
+            </a:r>
+          </a:p>
+          <a:p>
+            <a:r>
+              <a:rPr lang="en-US" dirty="0"/>
+              <a:t>We will use it when we already know the intrinsic of the camera and just interested in the extrinsic:</a:t>
+            </a:r>
+          </a:p>
+          <a:p>
+            <a:endParaRPr lang="en-US" dirty="0"/>
+          </a:p>
+        </p:txBody>
+      </p:sp>
+      <p:pic>
+        <p:nvPicPr>
+          <p:cNvPr id="1030" name="Picture 6">
+            <a:extLst>
+              <a:ext uri="{FF2B5EF4-FFF2-40B4-BE49-F238E27FC236}">
+                <a16:creationId xmlns:a16="http://schemas.microsoft.com/office/drawing/2014/main" id="{8A141A4F-7C17-48A5-906D-55BEA35DEC82}"/>
+              </a:ext>
+            </a:extLst>
+          </p:cNvPr>
+          <p:cNvPicPr>
+            <a:picLocks noChangeAspect="1" noChangeArrowheads="1"/>
+          </p:cNvPicPr>
+          <p:nvPr/>
+        </p:nvPicPr>
+        <p:blipFill>
+          <a:blip r:embed="rId3">
+            <a:extLst>
+              <a:ext uri="{28A0092B-C50C-407E-A947-70E740481C1C}">
+                <a14:useLocalDpi xmlns:a14="http://schemas.microsoft.com/office/drawing/2010/main" val="0"/>
+              </a:ext>
+            </a:extLst>
+          </a:blip>
+          <a:srcRect/>
+          <a:stretch>
+            <a:fillRect/>
+          </a:stretch>
+        </p:blipFill>
+        <p:spPr bwMode="auto">
+          <a:xfrm>
+            <a:off x="76200" y="2670329"/>
+            <a:ext cx="12039600" cy="4038600"/>
+          </a:xfrm>
+          <a:prstGeom prst="rect">
+            <a:avLst/>
+          </a:prstGeom>
+          <a:noFill/>
+          <a:extLst>
+            <a:ext uri="{909E8E84-426E-40DD-AFC4-6F175D3DCCD1}">
+              <a14:hiddenFill xmlns:a14="http://schemas.microsoft.com/office/drawing/2010/main">
+                <a:solidFill>
+                  <a:srgbClr val="FFFFFF"/>
+                </a:solidFill>
+              </a14:hiddenFill>
+            </a:ext>
+          </a:extLst>
+        </p:spPr>
+      </p:pic>
+    </p:spTree>
+    <p:extLst>
+      <p:ext uri="{BB962C8B-B14F-4D97-AF65-F5344CB8AC3E}">
+        <p14:creationId xmlns:p14="http://schemas.microsoft.com/office/powerpoint/2010/main" val="1567337556"/>
+      </p:ext>
+    </p:extLst>
+  </p:cSld>
+  <p:clrMapOvr>
+    <a:masterClrMapping/>
+  </p:clrMapOvr>
+</p:sld>
+</file>
+
+<file path=ppt/slides/slide3.xml><?xml version="1.0" encoding="utf-8"?>
+<p:sld xmlns:a="http://schemas.openxmlformats.org/drawingml/2006/main" xmlns:r="http://schemas.openxmlformats.org/officeDocument/2006/relationships" xmlns:p="http://schemas.openxmlformats.org/presentationml/2006/main">
+  <p:cSld>
+    <p:spTree>
+      <p:nvGrpSpPr>
+        <p:cNvPr id="1" name=""/>
+        <p:cNvGrpSpPr/>
+        <p:nvPr/>
+      </p:nvGrpSpPr>
+      <p:grpSpPr>
+        <a:xfrm>
+          <a:off x="0" y="0"/>
+          <a:ext cx="0" cy="0"/>
+          <a:chOff x="0" y="0"/>
+          <a:chExt cx="0" cy="0"/>
+        </a:xfrm>
+      </p:grpSpPr>
+      <p:sp>
+        <p:nvSpPr>
+          <p:cNvPr id="2" name="Title 1">
+            <a:extLst>
+              <a:ext uri="{FF2B5EF4-FFF2-40B4-BE49-F238E27FC236}">
+                <a16:creationId xmlns:a16="http://schemas.microsoft.com/office/drawing/2014/main" id="{9363781F-CC71-4E67-8BB3-360B1E695B18}"/>
+              </a:ext>
+            </a:extLst>
+          </p:cNvPr>
+          <p:cNvSpPr>
+            <a:spLocks noGrp="1"/>
+          </p:cNvSpPr>
+          <p:nvPr>
+            <p:ph type="title"/>
+          </p:nvPr>
+        </p:nvSpPr>
+        <p:spPr/>
+        <p:txBody>
+          <a:bodyPr/>
+          <a:lstStyle/>
+          <a:p>
+            <a:r>
+              <a:rPr lang="en-US" dirty="0"/>
+              <a:t>Contents</a:t>
+            </a:r>
+          </a:p>
+        </p:txBody>
+      </p:sp>
+      <p:sp>
+        <p:nvSpPr>
+          <p:cNvPr id="3" name="Content Placeholder 2">
+            <a:extLst>
+              <a:ext uri="{FF2B5EF4-FFF2-40B4-BE49-F238E27FC236}">
+                <a16:creationId xmlns:a16="http://schemas.microsoft.com/office/drawing/2014/main" id="{B5EA0CAE-A067-4025-846B-8D11836FE5FC}"/>
+              </a:ext>
+            </a:extLst>
+          </p:cNvPr>
+          <p:cNvSpPr>
+            <a:spLocks noGrp="1"/>
+          </p:cNvSpPr>
+          <p:nvPr>
+            <p:ph idx="1"/>
+          </p:nvPr>
+        </p:nvSpPr>
+        <p:spPr/>
+        <p:txBody>
+          <a:bodyPr/>
+          <a:lstStyle/>
+          <a:p>
+            <a:r>
+              <a:rPr lang="en-US" b="1" dirty="0"/>
+              <a:t>What is camera calibration?</a:t>
+            </a:r>
+          </a:p>
+          <a:p>
+            <a:r>
+              <a:rPr lang="en-US" dirty="0"/>
+              <a:t>Camera </a:t>
+            </a:r>
+            <a:r>
+              <a:rPr lang="en-US" dirty="0" err="1"/>
+              <a:t>intrinsics</a:t>
+            </a:r>
+            <a:endParaRPr lang="en-US" dirty="0"/>
+          </a:p>
+          <a:p>
+            <a:r>
+              <a:rPr lang="en-US" dirty="0"/>
+              <a:t>Camera </a:t>
+            </a:r>
+            <a:r>
+              <a:rPr lang="en-US" dirty="0" err="1"/>
+              <a:t>extrinsics</a:t>
+            </a:r>
+            <a:endParaRPr lang="en-US" dirty="0"/>
+          </a:p>
+          <a:p>
+            <a:r>
+              <a:rPr lang="en-US" dirty="0"/>
+              <a:t>Full camera matrix</a:t>
+            </a:r>
+          </a:p>
+          <a:p>
+            <a:r>
+              <a:rPr lang="en-US" dirty="0"/>
+              <a:t>Calibration methods and distortions</a:t>
+            </a:r>
+          </a:p>
+          <a:p>
+            <a:endParaRPr lang="en-US" dirty="0"/>
+          </a:p>
+        </p:txBody>
+      </p:sp>
+    </p:spTree>
+    <p:extLst>
+      <p:ext uri="{BB962C8B-B14F-4D97-AF65-F5344CB8AC3E}">
+        <p14:creationId xmlns:p14="http://schemas.microsoft.com/office/powerpoint/2010/main" val="2114819052"/>
+      </p:ext>
+    </p:extLst>
+  </p:cSld>
+  <p:clrMapOvr>
+    <a:masterClrMapping/>
+  </p:clrMapOvr>
+</p:sld>
+</file>
+
+<file path=ppt/slides/slide30.xml><?xml version="1.0" encoding="utf-8"?>
 <p:sld xmlns:a="http://schemas.openxmlformats.org/drawingml/2006/main" xmlns:r="http://schemas.openxmlformats.org/officeDocument/2006/relationships" xmlns:p="http://schemas.openxmlformats.org/presentationml/2006/main">
   <p:cSld>
     <p:spTree>
@@ -18414,130 +19389,7 @@
 </p:sld>
 </file>
 
-<file path=ppt/slides/slide3.xml><?xml version="1.0" encoding="utf-8"?>
-<p:sld xmlns:a="http://schemas.openxmlformats.org/drawingml/2006/main" xmlns:r="http://schemas.openxmlformats.org/officeDocument/2006/relationships" xmlns:p="http://schemas.openxmlformats.org/presentationml/2006/main">
-  <p:cSld>
-    <p:spTree>
-      <p:nvGrpSpPr>
-        <p:cNvPr id="1" name=""/>
-        <p:cNvGrpSpPr/>
-        <p:nvPr/>
-      </p:nvGrpSpPr>
-      <p:grpSpPr>
-        <a:xfrm>
-          <a:off x="0" y="0"/>
-          <a:ext cx="0" cy="0"/>
-          <a:chOff x="0" y="0"/>
-          <a:chExt cx="0" cy="0"/>
-        </a:xfrm>
-      </p:grpSpPr>
-      <p:sp>
-        <p:nvSpPr>
-          <p:cNvPr id="2" name="Title 1">
-            <a:extLst>
-              <a:ext uri="{FF2B5EF4-FFF2-40B4-BE49-F238E27FC236}">
-                <a16:creationId xmlns:a16="http://schemas.microsoft.com/office/drawing/2014/main" id="{9363781F-CC71-4E67-8BB3-360B1E695B18}"/>
-              </a:ext>
-            </a:extLst>
-          </p:cNvPr>
-          <p:cNvSpPr>
-            <a:spLocks noGrp="1"/>
-          </p:cNvSpPr>
-          <p:nvPr>
-            <p:ph type="title"/>
-          </p:nvPr>
-        </p:nvSpPr>
-        <p:spPr/>
-        <p:txBody>
-          <a:bodyPr/>
-          <a:lstStyle/>
-          <a:p>
-            <a:r>
-              <a:rPr lang="en-US" dirty="0"/>
-              <a:t>Contents</a:t>
-            </a:r>
-          </a:p>
-        </p:txBody>
-      </p:sp>
-      <p:sp>
-        <p:nvSpPr>
-          <p:cNvPr id="3" name="Content Placeholder 2">
-            <a:extLst>
-              <a:ext uri="{FF2B5EF4-FFF2-40B4-BE49-F238E27FC236}">
-                <a16:creationId xmlns:a16="http://schemas.microsoft.com/office/drawing/2014/main" id="{B5EA0CAE-A067-4025-846B-8D11836FE5FC}"/>
-              </a:ext>
-            </a:extLst>
-          </p:cNvPr>
-          <p:cNvSpPr>
-            <a:spLocks noGrp="1"/>
-          </p:cNvSpPr>
-          <p:nvPr>
-            <p:ph idx="1"/>
-          </p:nvPr>
-        </p:nvSpPr>
-        <p:spPr/>
-        <p:txBody>
-          <a:bodyPr/>
-          <a:lstStyle/>
-          <a:p>
-            <a:r>
-              <a:rPr lang="en-US" b="1" dirty="0"/>
-              <a:t>What is camera calibration?</a:t>
-            </a:r>
-          </a:p>
-          <a:p>
-            <a:r>
-              <a:rPr lang="en-US" dirty="0"/>
-              <a:t>Camera </a:t>
-            </a:r>
-            <a:r>
-              <a:rPr lang="en-US" dirty="0" err="1"/>
-              <a:t>intrinsics</a:t>
-            </a:r>
-            <a:endParaRPr lang="en-US" dirty="0"/>
-          </a:p>
-          <a:p>
-            <a:r>
-              <a:rPr lang="en-US" dirty="0"/>
-              <a:t>Camera </a:t>
-            </a:r>
-            <a:r>
-              <a:rPr lang="en-US" dirty="0" err="1"/>
-              <a:t>extrinsics</a:t>
-            </a:r>
-            <a:endParaRPr lang="en-US" dirty="0"/>
-          </a:p>
-          <a:p>
-            <a:r>
-              <a:rPr lang="en-US" dirty="0"/>
-              <a:t>Full camera matrix</a:t>
-            </a:r>
-          </a:p>
-          <a:p>
-            <a:r>
-              <a:rPr lang="en-US" dirty="0"/>
-              <a:t>Calibration methods and distortions</a:t>
-            </a:r>
-          </a:p>
-          <a:p>
-            <a:endParaRPr lang="en-US" dirty="0"/>
-          </a:p>
-        </p:txBody>
-      </p:sp>
-    </p:spTree>
-    <p:extLst>
-      <p:ext uri="{BB962C8B-B14F-4D97-AF65-F5344CB8AC3E}">
-        <p14:creationId xmlns:p14="http://schemas.microsoft.com/office/powerpoint/2010/main" val="2114819052"/>
-      </p:ext>
-    </p:extLst>
-  </p:cSld>
-  <p:clrMapOvr>
-    <a:masterClrMapping/>
-  </p:clrMapOvr>
-</p:sld>
-</file>
-
-<file path=ppt/slides/slide30.xml><?xml version="1.0" encoding="utf-8"?>
+<file path=ppt/slides/slide31.xml><?xml version="1.0" encoding="utf-8"?>
 <p:sld xmlns:a="http://schemas.openxmlformats.org/drawingml/2006/main" xmlns:r="http://schemas.openxmlformats.org/officeDocument/2006/relationships" xmlns:p="http://schemas.openxmlformats.org/presentationml/2006/main">
   <p:cSld>
     <p:spTree>
@@ -18822,7 +19674,7 @@
 </p:sld>
 </file>
 
-<file path=ppt/slides/slide31.xml><?xml version="1.0" encoding="utf-8"?>
+<file path=ppt/slides/slide32.xml><?xml version="1.0" encoding="utf-8"?>
 <p:sld xmlns:a="http://schemas.openxmlformats.org/drawingml/2006/main" xmlns:r="http://schemas.openxmlformats.org/officeDocument/2006/relationships" xmlns:p="http://schemas.openxmlformats.org/presentationml/2006/main">
   <p:cSld>
     <p:spTree>
@@ -19120,7 +19972,7 @@
 </p:sld>
 </file>
 
-<file path=ppt/slides/slide32.xml><?xml version="1.0" encoding="utf-8"?>
+<file path=ppt/slides/slide33.xml><?xml version="1.0" encoding="utf-8"?>
 <p:sld xmlns:a="http://schemas.openxmlformats.org/drawingml/2006/main" xmlns:r="http://schemas.openxmlformats.org/officeDocument/2006/relationships" xmlns:p="http://schemas.openxmlformats.org/presentationml/2006/main">
   <p:cSld>
     <p:spTree>
@@ -19381,7 +20233,7 @@
 </p:sld>
 </file>
 
-<file path=ppt/slides/slide33.xml><?xml version="1.0" encoding="utf-8"?>
+<file path=ppt/slides/slide34.xml><?xml version="1.0" encoding="utf-8"?>
 <p:sld xmlns:a="http://schemas.openxmlformats.org/drawingml/2006/main" xmlns:r="http://schemas.openxmlformats.org/officeDocument/2006/relationships" xmlns:p="http://schemas.openxmlformats.org/presentationml/2006/main">
   <p:cSld>
     <p:spTree>
@@ -19790,7 +20642,7 @@
 </p:sld>
 </file>
 
-<file path=ppt/slides/slide34.xml><?xml version="1.0" encoding="utf-8"?>
+<file path=ppt/slides/slide35.xml><?xml version="1.0" encoding="utf-8"?>
 <p:sld xmlns:a="http://schemas.openxmlformats.org/drawingml/2006/main" xmlns:r="http://schemas.openxmlformats.org/officeDocument/2006/relationships" xmlns:p="http://schemas.openxmlformats.org/presentationml/2006/main">
   <p:cSld>
     <p:spTree>
@@ -20135,7 +20987,7 @@
 </p:sld>
 </file>
 
-<file path=ppt/slides/slide35.xml><?xml version="1.0" encoding="utf-8"?>
+<file path=ppt/slides/slide36.xml><?xml version="1.0" encoding="utf-8"?>
 <p:sld xmlns:a="http://schemas.openxmlformats.org/drawingml/2006/main" xmlns:r="http://schemas.openxmlformats.org/officeDocument/2006/relationships" xmlns:p="http://schemas.openxmlformats.org/presentationml/2006/main">
   <p:cSld>
     <p:spTree>
@@ -20180,8 +21032,8 @@
           </a:p>
         </p:txBody>
       </p:sp>
-      <mc:AlternateContent xmlns:mc="http://schemas.openxmlformats.org/markup-compatibility/2006">
-        <mc:Choice xmlns:a14="http://schemas.microsoft.com/office/drawing/2010/main" Requires="a14">
+      <mc:AlternateContent xmlns:mc="http://schemas.openxmlformats.org/markup-compatibility/2006" xmlns:a14="http://schemas.microsoft.com/office/drawing/2010/main">
+        <mc:Choice Requires="a14">
           <p:sp>
             <p:nvSpPr>
               <p:cNvPr id="3" name="Content Placeholder 2">
@@ -20490,7 +21342,7 @@
             </p:txBody>
           </p:sp>
         </mc:Choice>
-        <mc:Fallback>
+        <mc:Fallback xmlns="">
           <p:sp>
             <p:nvSpPr>
               <p:cNvPr id="3" name="Content Placeholder 2">
@@ -20684,7 +21536,7 @@
 </p:sld>
 </file>
 
-<file path=ppt/slides/slide36.xml><?xml version="1.0" encoding="utf-8"?>
+<file path=ppt/slides/slide37.xml><?xml version="1.0" encoding="utf-8"?>
 <p:sld xmlns:a="http://schemas.openxmlformats.org/drawingml/2006/main" xmlns:r="http://schemas.openxmlformats.org/officeDocument/2006/relationships" xmlns:p="http://schemas.openxmlformats.org/presentationml/2006/main">
   <p:cSld>
     <p:spTree>
@@ -20744,8 +21596,8 @@
           </a:p>
         </p:txBody>
       </p:sp>
-      <mc:AlternateContent xmlns:mc="http://schemas.openxmlformats.org/markup-compatibility/2006">
-        <mc:Choice xmlns:a14="http://schemas.microsoft.com/office/drawing/2010/main" Requires="a14">
+      <mc:AlternateContent xmlns:mc="http://schemas.openxmlformats.org/markup-compatibility/2006" xmlns:a14="http://schemas.microsoft.com/office/drawing/2010/main">
+        <mc:Choice Requires="a14">
           <p:sp>
             <p:nvSpPr>
               <p:cNvPr id="8" name="Content Placeholder 2"/>
@@ -21216,13 +22068,7 @@
                           <a:rPr lang="en-US" i="1">
                             <a:latin typeface="Cambria Math"/>
                           </a:rPr>
-                          <m:t>−</m:t>
-                        </m:r>
-                        <m:r>
-                          <a:rPr lang="en-US" i="1">
-                            <a:latin typeface="Cambria Math"/>
-                          </a:rPr>
-                          <m:t>1</m:t>
+                          <m:t>−1</m:t>
                         </m:r>
                       </m:sup>
                     </m:sSup>
@@ -21274,7 +22120,7 @@
             </p:txBody>
           </p:sp>
         </mc:Choice>
-        <mc:Fallback>
+        <mc:Fallback xmlns="">
           <p:sp>
             <p:nvSpPr>
               <p:cNvPr id="8" name="Content Placeholder 2"/>
@@ -21326,7 +22172,7 @@
 </p:sld>
 </file>
 
-<file path=ppt/slides/slide37.xml><?xml version="1.0" encoding="utf-8"?>
+<file path=ppt/slides/slide38.xml><?xml version="1.0" encoding="utf-8"?>
 <p:sld xmlns:a="http://schemas.openxmlformats.org/drawingml/2006/main" xmlns:r="http://schemas.openxmlformats.org/officeDocument/2006/relationships" xmlns:p="http://schemas.openxmlformats.org/presentationml/2006/main">
   <p:cSld>
     <p:spTree>
@@ -21449,7 +22295,7 @@
 </p:sld>
 </file>
 
-<file path=ppt/slides/slide38.xml><?xml version="1.0" encoding="utf-8"?>
+<file path=ppt/slides/slide39.xml><?xml version="1.0" encoding="utf-8"?>
 <p:sld xmlns:a="http://schemas.openxmlformats.org/drawingml/2006/main" xmlns:r="http://schemas.openxmlformats.org/officeDocument/2006/relationships" xmlns:p="http://schemas.openxmlformats.org/presentationml/2006/main">
   <p:cSld>
     <p:spTree>
@@ -21862,7 +22708,121 @@
 </p:sld>
 </file>
 
-<file path=ppt/slides/slide39.xml><?xml version="1.0" encoding="utf-8"?>
+<file path=ppt/slides/slide4.xml><?xml version="1.0" encoding="utf-8"?>
+<p:sld xmlns:a="http://schemas.openxmlformats.org/drawingml/2006/main" xmlns:r="http://schemas.openxmlformats.org/officeDocument/2006/relationships" xmlns:p="http://schemas.openxmlformats.org/presentationml/2006/main">
+  <p:cSld>
+    <p:spTree>
+      <p:nvGrpSpPr>
+        <p:cNvPr id="1" name=""/>
+        <p:cNvGrpSpPr/>
+        <p:nvPr/>
+      </p:nvGrpSpPr>
+      <p:grpSpPr>
+        <a:xfrm>
+          <a:off x="0" y="0"/>
+          <a:ext cx="0" cy="0"/>
+          <a:chOff x="0" y="0"/>
+          <a:chExt cx="0" cy="0"/>
+        </a:xfrm>
+      </p:grpSpPr>
+      <p:sp>
+        <p:nvSpPr>
+          <p:cNvPr id="2" name="Title 1"/>
+          <p:cNvSpPr>
+            <a:spLocks noGrp="1"/>
+          </p:cNvSpPr>
+          <p:nvPr>
+            <p:ph type="title"/>
+          </p:nvPr>
+        </p:nvSpPr>
+        <p:spPr/>
+        <p:txBody>
+          <a:bodyPr/>
+          <a:lstStyle/>
+          <a:p>
+            <a:r>
+              <a:rPr lang="en-US" dirty="0"/>
+              <a:t>What is camera calibration</a:t>
+            </a:r>
+          </a:p>
+        </p:txBody>
+      </p:sp>
+      <p:sp>
+        <p:nvSpPr>
+          <p:cNvPr id="3" name="Content Placeholder 2"/>
+          <p:cNvSpPr>
+            <a:spLocks noGrp="1"/>
+          </p:cNvSpPr>
+          <p:nvPr>
+            <p:ph idx="1"/>
+          </p:nvPr>
+        </p:nvSpPr>
+        <p:spPr/>
+        <p:txBody>
+          <a:bodyPr>
+            <a:normAutofit/>
+          </a:bodyPr>
+          <a:lstStyle/>
+          <a:p>
+            <a:r>
+              <a:rPr lang="en-US" b="1" dirty="0"/>
+              <a:t>Geometric camera calibration</a:t>
+            </a:r>
+            <a:r>
+              <a:rPr lang="en-US" dirty="0"/>
+              <a:t>, also referred to as </a:t>
+            </a:r>
+            <a:r>
+              <a:rPr lang="en-US" b="1" dirty="0"/>
+              <a:t>camera </a:t>
+            </a:r>
+            <a:r>
+              <a:rPr lang="en-US" b="1" dirty="0" err="1"/>
+              <a:t>resectioning</a:t>
+            </a:r>
+            <a:r>
+              <a:rPr lang="en-US" dirty="0"/>
+              <a:t>, estimates the parameters of a lens, image sensor, position and view direction of a perspective camera.</a:t>
+            </a:r>
+          </a:p>
+          <a:p>
+            <a:r>
+              <a:rPr lang="en-US" dirty="0"/>
+              <a:t>You can use these parameters to correct for lens distortion, measure the size of an object in world units, or determine the location of the camera in the scene. These tasks are used in applications such as machine vision to detect and measure objects. They are also used in robotics, for navigation systems, and 3-D scene reconstruction. </a:t>
+            </a:r>
+          </a:p>
+          <a:p>
+            <a:r>
+              <a:rPr lang="en-US" dirty="0"/>
+              <a:t>[from: </a:t>
+            </a:r>
+            <a:r>
+              <a:rPr lang="en-US" dirty="0">
+                <a:hlinkClick r:id="rId2"/>
+              </a:rPr>
+              <a:t>https://www.mathworks.com/help/vision/ug/camera-calibration.html</a:t>
+            </a:r>
+            <a:r>
+              <a:rPr lang="en-US" dirty="0"/>
+              <a:t>]</a:t>
+            </a:r>
+          </a:p>
+        </p:txBody>
+      </p:sp>
+    </p:spTree>
+    <p:extLst>
+      <p:ext uri="{BB962C8B-B14F-4D97-AF65-F5344CB8AC3E}">
+        <p14:creationId xmlns:p14="http://schemas.microsoft.com/office/powerpoint/2010/main" val="1004253289"/>
+      </p:ext>
+    </p:extLst>
+  </p:cSld>
+  <p:clrMapOvr>
+    <a:masterClrMapping/>
+  </p:clrMapOvr>
+</p:sld>
+</file>
+
+<file path=ppt/slides/slide40.xml><?xml version="1.0" encoding="utf-8"?>
 <p:sld xmlns:a="http://schemas.openxmlformats.org/drawingml/2006/main" xmlns:r="http://schemas.openxmlformats.org/officeDocument/2006/relationships" xmlns:p="http://schemas.openxmlformats.org/presentationml/2006/main">
   <p:cSld>
     <p:spTree>
@@ -22344,121 +23304,7 @@
 </p:sld>
 </file>
 
-<file path=ppt/slides/slide4.xml><?xml version="1.0" encoding="utf-8"?>
-<p:sld xmlns:a="http://schemas.openxmlformats.org/drawingml/2006/main" xmlns:r="http://schemas.openxmlformats.org/officeDocument/2006/relationships" xmlns:p="http://schemas.openxmlformats.org/presentationml/2006/main">
-  <p:cSld>
-    <p:spTree>
-      <p:nvGrpSpPr>
-        <p:cNvPr id="1" name=""/>
-        <p:cNvGrpSpPr/>
-        <p:nvPr/>
-      </p:nvGrpSpPr>
-      <p:grpSpPr>
-        <a:xfrm>
-          <a:off x="0" y="0"/>
-          <a:ext cx="0" cy="0"/>
-          <a:chOff x="0" y="0"/>
-          <a:chExt cx="0" cy="0"/>
-        </a:xfrm>
-      </p:grpSpPr>
-      <p:sp>
-        <p:nvSpPr>
-          <p:cNvPr id="2" name="Title 1"/>
-          <p:cNvSpPr>
-            <a:spLocks noGrp="1"/>
-          </p:cNvSpPr>
-          <p:nvPr>
-            <p:ph type="title"/>
-          </p:nvPr>
-        </p:nvSpPr>
-        <p:spPr/>
-        <p:txBody>
-          <a:bodyPr/>
-          <a:lstStyle/>
-          <a:p>
-            <a:r>
-              <a:rPr lang="en-US" dirty="0"/>
-              <a:t>What is camera calibration</a:t>
-            </a:r>
-          </a:p>
-        </p:txBody>
-      </p:sp>
-      <p:sp>
-        <p:nvSpPr>
-          <p:cNvPr id="3" name="Content Placeholder 2"/>
-          <p:cNvSpPr>
-            <a:spLocks noGrp="1"/>
-          </p:cNvSpPr>
-          <p:nvPr>
-            <p:ph idx="1"/>
-          </p:nvPr>
-        </p:nvSpPr>
-        <p:spPr/>
-        <p:txBody>
-          <a:bodyPr>
-            <a:normAutofit/>
-          </a:bodyPr>
-          <a:lstStyle/>
-          <a:p>
-            <a:r>
-              <a:rPr lang="en-US" b="1" dirty="0"/>
-              <a:t>Geometric camera calibration</a:t>
-            </a:r>
-            <a:r>
-              <a:rPr lang="en-US" dirty="0"/>
-              <a:t>, also referred to as </a:t>
-            </a:r>
-            <a:r>
-              <a:rPr lang="en-US" b="1" dirty="0"/>
-              <a:t>camera </a:t>
-            </a:r>
-            <a:r>
-              <a:rPr lang="en-US" b="1" dirty="0" err="1"/>
-              <a:t>resectioning</a:t>
-            </a:r>
-            <a:r>
-              <a:rPr lang="en-US" dirty="0"/>
-              <a:t>, estimates the parameters of a lens, image sensor, position and view direction of a perspective camera.</a:t>
-            </a:r>
-          </a:p>
-          <a:p>
-            <a:r>
-              <a:rPr lang="en-US" dirty="0"/>
-              <a:t>You can use these parameters to correct for lens distortion, measure the size of an object in world units, or determine the location of the camera in the scene. These tasks are used in applications such as machine vision to detect and measure objects. They are also used in robotics, for navigation systems, and 3-D scene reconstruction. </a:t>
-            </a:r>
-          </a:p>
-          <a:p>
-            <a:r>
-              <a:rPr lang="en-US" dirty="0"/>
-              <a:t>[from: </a:t>
-            </a:r>
-            <a:r>
-              <a:rPr lang="en-US" dirty="0">
-                <a:hlinkClick r:id="rId2"/>
-              </a:rPr>
-              <a:t>https://www.mathworks.com/help/vision/ug/camera-calibration.html</a:t>
-            </a:r>
-            <a:r>
-              <a:rPr lang="en-US" dirty="0"/>
-              <a:t>]</a:t>
-            </a:r>
-          </a:p>
-        </p:txBody>
-      </p:sp>
-    </p:spTree>
-    <p:extLst>
-      <p:ext uri="{BB962C8B-B14F-4D97-AF65-F5344CB8AC3E}">
-        <p14:creationId xmlns:p14="http://schemas.microsoft.com/office/powerpoint/2010/main" val="1004253289"/>
-      </p:ext>
-    </p:extLst>
-  </p:cSld>
-  <p:clrMapOvr>
-    <a:masterClrMapping/>
-  </p:clrMapOvr>
-</p:sld>
-</file>
-
-<file path=ppt/slides/slide40.xml><?xml version="1.0" encoding="utf-8"?>
+<file path=ppt/slides/slide41.xml><?xml version="1.0" encoding="utf-8"?>
 <p:sld xmlns:a="http://schemas.openxmlformats.org/drawingml/2006/main" xmlns:r="http://schemas.openxmlformats.org/officeDocument/2006/relationships" xmlns:p="http://schemas.openxmlformats.org/presentationml/2006/main" show="0">
   <p:cSld>
     <p:spTree>
@@ -22762,7 +23608,7 @@
 </p:sld>
 </file>
 
-<file path=ppt/slides/slide41.xml><?xml version="1.0" encoding="utf-8"?>
+<file path=ppt/slides/slide42.xml><?xml version="1.0" encoding="utf-8"?>
 <p:sld xmlns:a="http://schemas.openxmlformats.org/drawingml/2006/main" xmlns:r="http://schemas.openxmlformats.org/officeDocument/2006/relationships" xmlns:p="http://schemas.openxmlformats.org/presentationml/2006/main">
   <p:cSld>
     <p:spTree>
@@ -23063,7 +23909,7 @@
 </p:sld>
 </file>
 
-<file path=ppt/slides/slide42.xml><?xml version="1.0" encoding="utf-8"?>
+<file path=ppt/slides/slide43.xml><?xml version="1.0" encoding="utf-8"?>
 <p:sld xmlns:a="http://schemas.openxmlformats.org/drawingml/2006/main" xmlns:r="http://schemas.openxmlformats.org/officeDocument/2006/relationships" xmlns:p="http://schemas.openxmlformats.org/presentationml/2006/main">
   <p:cSld>
     <p:spTree>
@@ -23257,7 +24103,7 @@
 </p:sld>
 </file>
 
-<file path=ppt/slides/slide43.xml><?xml version="1.0" encoding="utf-8"?>
+<file path=ppt/slides/slide44.xml><?xml version="1.0" encoding="utf-8"?>
 <p:sld xmlns:a="http://schemas.openxmlformats.org/drawingml/2006/main" xmlns:r="http://schemas.openxmlformats.org/officeDocument/2006/relationships" xmlns:p="http://schemas.openxmlformats.org/presentationml/2006/main">
   <p:cSld>
     <p:spTree>
@@ -23781,7 +24627,7 @@
 </p:sld>
 </file>
 
-<file path=ppt/slides/slide44.xml><?xml version="1.0" encoding="utf-8"?>
+<file path=ppt/slides/slide45.xml><?xml version="1.0" encoding="utf-8"?>
 <p:sld xmlns:a="http://schemas.openxmlformats.org/drawingml/2006/main" xmlns:r="http://schemas.openxmlformats.org/officeDocument/2006/relationships" xmlns:p="http://schemas.openxmlformats.org/presentationml/2006/main" show="0">
   <p:cSld>
     <p:spTree>
@@ -24985,7 +25831,7 @@
 </p:sld>
 </file>
 
-<file path=ppt/slides/slide45.xml><?xml version="1.0" encoding="utf-8"?>
+<file path=ppt/slides/slide46.xml><?xml version="1.0" encoding="utf-8"?>
 <p:sld xmlns:a="http://schemas.openxmlformats.org/drawingml/2006/main" xmlns:r="http://schemas.openxmlformats.org/officeDocument/2006/relationships" xmlns:p="http://schemas.openxmlformats.org/presentationml/2006/main">
   <p:cSld>
     <p:spTree>
@@ -25100,7 +25946,7 @@
 </p:sld>
 </file>
 
-<file path=ppt/slides/slide46.xml><?xml version="1.0" encoding="utf-8"?>
+<file path=ppt/slides/slide47.xml><?xml version="1.0" encoding="utf-8"?>
 <p:sld xmlns:a="http://schemas.openxmlformats.org/drawingml/2006/main" xmlns:r="http://schemas.openxmlformats.org/officeDocument/2006/relationships" xmlns:p="http://schemas.openxmlformats.org/presentationml/2006/main">
   <p:cSld>
     <p:spTree>
@@ -25210,7 +26056,7 @@
 </p:sld>
 </file>
 
-<file path=ppt/slides/slide47.xml><?xml version="1.0" encoding="utf-8"?>
+<file path=ppt/slides/slide48.xml><?xml version="1.0" encoding="utf-8"?>
 <p:sld xmlns:a="http://schemas.openxmlformats.org/drawingml/2006/main" xmlns:r="http://schemas.openxmlformats.org/officeDocument/2006/relationships" xmlns:p="http://schemas.openxmlformats.org/presentationml/2006/main">
   <p:cSld>
     <p:spTree>
@@ -26078,8 +26924,8 @@
           </a:fontRef>
         </p:style>
       </p:cxnSp>
-      <mc:AlternateContent xmlns:mc="http://schemas.openxmlformats.org/markup-compatibility/2006">
-        <mc:Choice xmlns:a14="http://schemas.microsoft.com/office/drawing/2010/main" Requires="a14">
+      <mc:AlternateContent xmlns:mc="http://schemas.openxmlformats.org/markup-compatibility/2006" xmlns:a14="http://schemas.microsoft.com/office/drawing/2010/main">
+        <mc:Choice Requires="a14">
           <p:sp>
             <p:nvSpPr>
               <p:cNvPr id="16" name="TextBox 15"/>
@@ -26263,7 +27109,7 @@
             </p:txBody>
           </p:sp>
         </mc:Choice>
-        <mc:Fallback>
+        <mc:Fallback xmlns="">
           <p:sp>
             <p:nvSpPr>
               <p:cNvPr id="16" name="TextBox 15"/>
@@ -26731,7 +27577,7 @@
                   <a:prstClr val="black"/>
                 </a:solidFill>
               </a:rPr>
-              <a:t>There are 3 coordinate systems that are discussed in general:</a:t>
+              <a:t>There are 3 coordinate systems that are discussed in general: camera, world and image coordinate systems.</a:t>
             </a:r>
           </a:p>
           <a:p>
@@ -27391,8 +28237,8 @@
           </a:p>
         </p:txBody>
       </p:sp>
-      <mc:AlternateContent xmlns:mc="http://schemas.openxmlformats.org/markup-compatibility/2006">
-        <mc:Choice xmlns:a14="http://schemas.microsoft.com/office/drawing/2010/main" Requires="a14">
+      <mc:AlternateContent xmlns:mc="http://schemas.openxmlformats.org/markup-compatibility/2006" xmlns:a14="http://schemas.microsoft.com/office/drawing/2010/main">
+        <mc:Choice Requires="a14">
           <p:sp>
             <p:nvSpPr>
               <p:cNvPr id="28" name="image coordinate system">
@@ -27540,7 +28386,7 @@
             </p:txBody>
           </p:sp>
         </mc:Choice>
-        <mc:Fallback>
+        <mc:Fallback xmlns="">
           <p:sp>
             <p:nvSpPr>
               <p:cNvPr id="28" name="image coordinate system">
@@ -27593,8 +28439,8 @@
           </p:sp>
         </mc:Fallback>
       </mc:AlternateContent>
-      <mc:AlternateContent xmlns:mc="http://schemas.openxmlformats.org/markup-compatibility/2006">
-        <mc:Choice xmlns:a14="http://schemas.microsoft.com/office/drawing/2010/main" Requires="a14">
+      <mc:AlternateContent xmlns:mc="http://schemas.openxmlformats.org/markup-compatibility/2006" xmlns:a14="http://schemas.microsoft.com/office/drawing/2010/main">
+        <mc:Choice Requires="a14">
           <p:sp>
             <p:nvSpPr>
               <p:cNvPr id="29" name="image coordinate system">
@@ -27690,7 +28536,7 @@
             </p:txBody>
           </p:sp>
         </mc:Choice>
-        <mc:Fallback>
+        <mc:Fallback xmlns="">
           <p:sp>
             <p:nvSpPr>
               <p:cNvPr id="29" name="image coordinate system">
@@ -27743,8 +28589,8 @@
           </p:sp>
         </mc:Fallback>
       </mc:AlternateContent>
-      <mc:AlternateContent xmlns:mc="http://schemas.openxmlformats.org/markup-compatibility/2006">
-        <mc:Choice xmlns:a14="http://schemas.microsoft.com/office/drawing/2010/main" Requires="a14">
+      <mc:AlternateContent xmlns:mc="http://schemas.openxmlformats.org/markup-compatibility/2006" xmlns:a14="http://schemas.microsoft.com/office/drawing/2010/main">
+        <mc:Choice Requires="a14">
           <p:sp>
             <p:nvSpPr>
               <p:cNvPr id="30" name="image coordinate system">
@@ -27840,7 +28686,7 @@
             </p:txBody>
           </p:sp>
         </mc:Choice>
-        <mc:Fallback>
+        <mc:Fallback xmlns="">
           <p:sp>
             <p:nvSpPr>
               <p:cNvPr id="30" name="image coordinate system">
@@ -27893,8 +28739,8 @@
           </p:sp>
         </mc:Fallback>
       </mc:AlternateContent>
-      <mc:AlternateContent xmlns:mc="http://schemas.openxmlformats.org/markup-compatibility/2006">
-        <mc:Choice xmlns:a14="http://schemas.microsoft.com/office/drawing/2010/main" Requires="a14">
+      <mc:AlternateContent xmlns:mc="http://schemas.openxmlformats.org/markup-compatibility/2006" xmlns:a14="http://schemas.microsoft.com/office/drawing/2010/main">
+        <mc:Choice Requires="a14">
           <p:sp>
             <p:nvSpPr>
               <p:cNvPr id="31" name="image coordinate system">
@@ -27990,7 +28836,7 @@
             </p:txBody>
           </p:sp>
         </mc:Choice>
-        <mc:Fallback>
+        <mc:Fallback xmlns="">
           <p:sp>
             <p:nvSpPr>
               <p:cNvPr id="31" name="image coordinate system">

--- a/c_07_camera_calibration/camera_calibration.pptx
+++ b/c_07_camera_calibration/camera_calibration.pptx
@@ -247,7 +247,7 @@
           <a:p>
             <a:fld id="{EF8443A9-F23A-48DF-A7F1-69ACC1B2952D}" type="datetimeFigureOut">
               <a:rPr lang="en-US" smtClean="0"/>
-              <a:t>18-Dec-19</a:t>
+              <a:t>28-Dec-19</a:t>
             </a:fld>
             <a:endParaRPr lang="en-US"/>
           </a:p>
@@ -5020,7 +5020,7 @@
           <a:p>
             <a:fld id="{1930E4BE-DC49-4C06-9EAD-5C882F80E0B2}" type="datetimeFigureOut">
               <a:rPr lang="en-US" smtClean="0"/>
-              <a:t>18-Dec-19</a:t>
+              <a:t>28-Dec-19</a:t>
             </a:fld>
             <a:endParaRPr lang="en-US"/>
           </a:p>
@@ -5198,7 +5198,7 @@
           <a:p>
             <a:fld id="{1930E4BE-DC49-4C06-9EAD-5C882F80E0B2}" type="datetimeFigureOut">
               <a:rPr lang="en-US" smtClean="0"/>
-              <a:t>18-Dec-19</a:t>
+              <a:t>28-Dec-19</a:t>
             </a:fld>
             <a:endParaRPr lang="en-US"/>
           </a:p>
@@ -5497,7 +5497,7 @@
           <a:p>
             <a:fld id="{1930E4BE-DC49-4C06-9EAD-5C882F80E0B2}" type="datetimeFigureOut">
               <a:rPr lang="en-US" smtClean="0"/>
-              <a:t>18-Dec-19</a:t>
+              <a:t>28-Dec-19</a:t>
             </a:fld>
             <a:endParaRPr lang="en-US"/>
           </a:p>
@@ -5742,7 +5742,7 @@
           <a:p>
             <a:fld id="{1930E4BE-DC49-4C06-9EAD-5C882F80E0B2}" type="datetimeFigureOut">
               <a:rPr lang="en-US" smtClean="0"/>
-              <a:t>18-Dec-19</a:t>
+              <a:t>28-Dec-19</a:t>
             </a:fld>
             <a:endParaRPr lang="en-US"/>
           </a:p>
@@ -6027,7 +6027,7 @@
           <a:p>
             <a:fld id="{1930E4BE-DC49-4C06-9EAD-5C882F80E0B2}" type="datetimeFigureOut">
               <a:rPr lang="en-US" smtClean="0"/>
-              <a:t>18-Dec-19</a:t>
+              <a:t>28-Dec-19</a:t>
             </a:fld>
             <a:endParaRPr lang="en-US"/>
           </a:p>
@@ -6446,7 +6446,7 @@
           <a:p>
             <a:fld id="{1930E4BE-DC49-4C06-9EAD-5C882F80E0B2}" type="datetimeFigureOut">
               <a:rPr lang="en-US" smtClean="0"/>
-              <a:t>18-Dec-19</a:t>
+              <a:t>28-Dec-19</a:t>
             </a:fld>
             <a:endParaRPr lang="en-US"/>
           </a:p>
@@ -6563,7 +6563,7 @@
           <a:p>
             <a:fld id="{1930E4BE-DC49-4C06-9EAD-5C882F80E0B2}" type="datetimeFigureOut">
               <a:rPr lang="en-US" smtClean="0"/>
-              <a:t>18-Dec-19</a:t>
+              <a:t>28-Dec-19</a:t>
             </a:fld>
             <a:endParaRPr lang="en-US"/>
           </a:p>
@@ -6658,7 +6658,7 @@
           <a:p>
             <a:fld id="{1930E4BE-DC49-4C06-9EAD-5C882F80E0B2}" type="datetimeFigureOut">
               <a:rPr lang="en-US" smtClean="0"/>
-              <a:t>18-Dec-19</a:t>
+              <a:t>28-Dec-19</a:t>
             </a:fld>
             <a:endParaRPr lang="en-US"/>
           </a:p>
@@ -6933,7 +6933,7 @@
           <a:p>
             <a:fld id="{1930E4BE-DC49-4C06-9EAD-5C882F80E0B2}" type="datetimeFigureOut">
               <a:rPr lang="en-US" smtClean="0"/>
-              <a:t>18-Dec-19</a:t>
+              <a:t>28-Dec-19</a:t>
             </a:fld>
             <a:endParaRPr lang="en-US"/>
           </a:p>
@@ -7185,7 +7185,7 @@
           <a:p>
             <a:fld id="{1930E4BE-DC49-4C06-9EAD-5C882F80E0B2}" type="datetimeFigureOut">
               <a:rPr lang="en-US" smtClean="0"/>
-              <a:t>18-Dec-19</a:t>
+              <a:t>28-Dec-19</a:t>
             </a:fld>
             <a:endParaRPr lang="en-US"/>
           </a:p>
@@ -7396,7 +7396,7 @@
           <a:p>
             <a:fld id="{1930E4BE-DC49-4C06-9EAD-5C882F80E0B2}" type="datetimeFigureOut">
               <a:rPr lang="en-US" smtClean="0"/>
-              <a:t>18-Dec-19</a:t>
+              <a:t>28-Dec-19</a:t>
             </a:fld>
             <a:endParaRPr lang="en-US"/>
           </a:p>
@@ -8087,8 +8087,8 @@
           </a:p>
         </p:txBody>
       </p:sp>
-      <mc:AlternateContent xmlns:mc="http://schemas.openxmlformats.org/markup-compatibility/2006">
-        <mc:Choice xmlns:a14="http://schemas.microsoft.com/office/drawing/2010/main" Requires="a14">
+      <mc:AlternateContent xmlns:mc="http://schemas.openxmlformats.org/markup-compatibility/2006" xmlns:a14="http://schemas.microsoft.com/office/drawing/2010/main">
+        <mc:Choice Requires="a14">
           <p:sp>
             <p:nvSpPr>
               <p:cNvPr id="3" name="Content Placeholder 2"/>
@@ -8156,7 +8156,7 @@
             </p:txBody>
           </p:sp>
         </mc:Choice>
-        <mc:Fallback>
+        <mc:Fallback xmlns="">
           <p:sp>
             <p:nvSpPr>
               <p:cNvPr id="3" name="Content Placeholder 2"/>
@@ -8392,8 +8392,8 @@
           </a:p>
         </p:txBody>
       </p:sp>
-      <mc:AlternateContent xmlns:mc="http://schemas.openxmlformats.org/markup-compatibility/2006">
-        <mc:Choice xmlns:a14="http://schemas.microsoft.com/office/drawing/2010/main" Requires="a14">
+      <mc:AlternateContent xmlns:mc="http://schemas.openxmlformats.org/markup-compatibility/2006" xmlns:a14="http://schemas.microsoft.com/office/drawing/2010/main">
+        <mc:Choice Requires="a14">
           <p:sp>
             <p:nvSpPr>
               <p:cNvPr id="25" name="TextBox 24">
@@ -8422,6 +8422,7 @@
               </a:bodyPr>
               <a:lstStyle/>
               <a:p>
+                <a:pPr/>
                 <a14:m>
                   <m:oMathPara xmlns:m="http://schemas.openxmlformats.org/officeDocument/2006/math">
                     <m:oMathParaPr>
@@ -8461,7 +8462,7 @@
             </p:txBody>
           </p:sp>
         </mc:Choice>
-        <mc:Fallback>
+        <mc:Fallback xmlns="">
           <p:sp>
             <p:nvSpPr>
               <p:cNvPr id="25" name="TextBox 24">
@@ -8558,8 +8559,8 @@
           </a:p>
         </p:txBody>
       </p:sp>
-      <mc:AlternateContent xmlns:mc="http://schemas.openxmlformats.org/markup-compatibility/2006">
-        <mc:Choice xmlns:a14="http://schemas.microsoft.com/office/drawing/2010/main" Requires="a14">
+      <mc:AlternateContent xmlns:mc="http://schemas.openxmlformats.org/markup-compatibility/2006" xmlns:a14="http://schemas.microsoft.com/office/drawing/2010/main">
+        <mc:Choice Requires="a14">
           <p:sp>
             <p:nvSpPr>
               <p:cNvPr id="3" name="Content Placeholder 2"/>
@@ -8627,7 +8628,7 @@
             </p:txBody>
           </p:sp>
         </mc:Choice>
-        <mc:Fallback>
+        <mc:Fallback xmlns="">
           <p:sp>
             <p:nvSpPr>
               <p:cNvPr id="3" name="Content Placeholder 2"/>
@@ -9009,8 +9010,8 @@
           </a:p>
         </p:txBody>
       </p:sp>
-      <mc:AlternateContent xmlns:mc="http://schemas.openxmlformats.org/markup-compatibility/2006">
-        <mc:Choice xmlns:a14="http://schemas.microsoft.com/office/drawing/2010/main" Requires="a14">
+      <mc:AlternateContent xmlns:mc="http://schemas.openxmlformats.org/markup-compatibility/2006" xmlns:a14="http://schemas.microsoft.com/office/drawing/2010/main">
+        <mc:Choice Requires="a14">
           <p:sp>
             <p:nvSpPr>
               <p:cNvPr id="25" name="TextBox 24">
@@ -9039,6 +9040,7 @@
               </a:bodyPr>
               <a:lstStyle/>
               <a:p>
+                <a:pPr/>
                 <a14:m>
                   <m:oMathPara xmlns:m="http://schemas.openxmlformats.org/officeDocument/2006/math">
                     <m:oMathParaPr>
@@ -9078,7 +9080,7 @@
             </p:txBody>
           </p:sp>
         </mc:Choice>
-        <mc:Fallback>
+        <mc:Fallback xmlns="">
           <p:sp>
             <p:nvSpPr>
               <p:cNvPr id="25" name="TextBox 24">
@@ -9613,7 +9615,7 @@
           </a:ln>
           <a:extLst>
             <a:ext uri="{C572A759-6A51-4108-AA02-DFA0A04FC94B}">
-              <ma14:wrappingTextBoxFlag xmlns:ma14="http://schemas.microsoft.com/office/mac/drawingml/2011/main" xmlns="" val="1"/>
+              <ma14:wrappingTextBoxFlag xmlns="" xmlns:ma14="http://schemas.microsoft.com/office/mac/drawingml/2011/main" val="1"/>
             </a:ext>
           </a:extLst>
         </p:spPr>
@@ -9650,8 +9652,8 @@
           </a:p>
         </p:txBody>
       </p:sp>
-      <mc:AlternateContent xmlns:mc="http://schemas.openxmlformats.org/markup-compatibility/2006">
-        <mc:Choice xmlns:a14="http://schemas.microsoft.com/office/drawing/2010/main" Requires="a14">
+      <mc:AlternateContent xmlns:mc="http://schemas.openxmlformats.org/markup-compatibility/2006" xmlns:a14="http://schemas.microsoft.com/office/drawing/2010/main">
+        <mc:Choice Requires="a14">
           <p:sp>
             <p:nvSpPr>
               <p:cNvPr id="24" name="TextBox 23">
@@ -9711,7 +9713,7 @@
             </p:txBody>
           </p:sp>
         </mc:Choice>
-        <mc:Fallback>
+        <mc:Fallback xmlns="">
           <p:sp>
             <p:nvSpPr>
               <p:cNvPr id="24" name="TextBox 23">
@@ -9756,8 +9758,8 @@
           </p:sp>
         </mc:Fallback>
       </mc:AlternateContent>
-      <mc:AlternateContent xmlns:mc="http://schemas.openxmlformats.org/markup-compatibility/2006">
-        <mc:Choice xmlns:a14="http://schemas.microsoft.com/office/drawing/2010/main" Requires="a14">
+      <mc:AlternateContent xmlns:mc="http://schemas.openxmlformats.org/markup-compatibility/2006" xmlns:a14="http://schemas.microsoft.com/office/drawing/2010/main">
+        <mc:Choice Requires="a14">
           <p:sp>
             <p:nvSpPr>
               <p:cNvPr id="25" name="TextBox 24">
@@ -9786,6 +9788,7 @@
               </a:bodyPr>
               <a:lstStyle/>
               <a:p>
+                <a:pPr/>
                 <a14:m>
                   <m:oMathPara xmlns:m="http://schemas.openxmlformats.org/officeDocument/2006/math">
                     <m:oMathParaPr>
@@ -9825,7 +9828,7 @@
             </p:txBody>
           </p:sp>
         </mc:Choice>
-        <mc:Fallback>
+        <mc:Fallback xmlns="">
           <p:sp>
             <p:nvSpPr>
               <p:cNvPr id="25" name="TextBox 24">
@@ -10360,7 +10363,7 @@
           </a:ln>
           <a:extLst>
             <a:ext uri="{C572A759-6A51-4108-AA02-DFA0A04FC94B}">
-              <ma14:wrappingTextBoxFlag xmlns:ma14="http://schemas.microsoft.com/office/mac/drawingml/2011/main" xmlns="" val="1"/>
+              <ma14:wrappingTextBoxFlag xmlns="" xmlns:ma14="http://schemas.microsoft.com/office/mac/drawingml/2011/main" val="1"/>
             </a:ext>
           </a:extLst>
         </p:spPr>
@@ -10397,8 +10400,8 @@
           </a:p>
         </p:txBody>
       </p:sp>
-      <mc:AlternateContent xmlns:mc="http://schemas.openxmlformats.org/markup-compatibility/2006">
-        <mc:Choice xmlns:a14="http://schemas.microsoft.com/office/drawing/2010/main" Requires="a14">
+      <mc:AlternateContent xmlns:mc="http://schemas.openxmlformats.org/markup-compatibility/2006" xmlns:a14="http://schemas.microsoft.com/office/drawing/2010/main">
+        <mc:Choice Requires="a14">
           <p:sp>
             <p:nvSpPr>
               <p:cNvPr id="24" name="TextBox 23">
@@ -10458,7 +10461,7 @@
             </p:txBody>
           </p:sp>
         </mc:Choice>
-        <mc:Fallback>
+        <mc:Fallback xmlns="">
           <p:sp>
             <p:nvSpPr>
               <p:cNvPr id="24" name="TextBox 23">
@@ -10503,8 +10506,8 @@
           </p:sp>
         </mc:Fallback>
       </mc:AlternateContent>
-      <mc:AlternateContent xmlns:mc="http://schemas.openxmlformats.org/markup-compatibility/2006">
-        <mc:Choice xmlns:a14="http://schemas.microsoft.com/office/drawing/2010/main" Requires="a14">
+      <mc:AlternateContent xmlns:mc="http://schemas.openxmlformats.org/markup-compatibility/2006" xmlns:a14="http://schemas.microsoft.com/office/drawing/2010/main">
+        <mc:Choice Requires="a14">
           <p:sp>
             <p:nvSpPr>
               <p:cNvPr id="25" name="TextBox 24">
@@ -10533,6 +10536,7 @@
               </a:bodyPr>
               <a:lstStyle/>
               <a:p>
+                <a:pPr/>
                 <a14:m>
                   <m:oMathPara xmlns:m="http://schemas.openxmlformats.org/officeDocument/2006/math">
                     <m:oMathParaPr>
@@ -10572,7 +10576,7 @@
             </p:txBody>
           </p:sp>
         </mc:Choice>
-        <mc:Fallback>
+        <mc:Fallback xmlns="">
           <p:sp>
             <p:nvSpPr>
               <p:cNvPr id="25" name="TextBox 24">
@@ -10712,8 +10716,8 @@
           </a:p>
         </p:txBody>
       </p:sp>
-      <mc:AlternateContent xmlns:mc="http://schemas.openxmlformats.org/markup-compatibility/2006">
-        <mc:Choice xmlns:a14="http://schemas.microsoft.com/office/drawing/2010/main" Requires="a14">
+      <mc:AlternateContent xmlns:mc="http://schemas.openxmlformats.org/markup-compatibility/2006" xmlns:a14="http://schemas.microsoft.com/office/drawing/2010/main">
+        <mc:Choice Requires="a14">
           <p:sp>
             <p:nvSpPr>
               <p:cNvPr id="28" name="TextBox 27">
@@ -10742,6 +10746,7 @@
               </a:bodyPr>
               <a:lstStyle/>
               <a:p>
+                <a:pPr/>
                 <a14:m>
                   <m:oMathPara xmlns:m="http://schemas.openxmlformats.org/officeDocument/2006/math">
                     <m:oMathParaPr>
@@ -10793,7 +10798,7 @@
             </p:txBody>
           </p:sp>
         </mc:Choice>
-        <mc:Fallback>
+        <mc:Fallback xmlns="">
           <p:sp>
             <p:nvSpPr>
               <p:cNvPr id="28" name="TextBox 27">
@@ -10838,8 +10843,8 @@
           </p:sp>
         </mc:Fallback>
       </mc:AlternateContent>
-      <mc:AlternateContent xmlns:mc="http://schemas.openxmlformats.org/markup-compatibility/2006">
-        <mc:Choice xmlns:a14="http://schemas.microsoft.com/office/drawing/2010/main" Requires="a14">
+      <mc:AlternateContent xmlns:mc="http://schemas.openxmlformats.org/markup-compatibility/2006" xmlns:a14="http://schemas.microsoft.com/office/drawing/2010/main">
+        <mc:Choice Requires="a14">
           <p:sp>
             <p:nvSpPr>
               <p:cNvPr id="32" name="TextBox 31">
@@ -10908,7 +10913,7 @@
             </p:txBody>
           </p:sp>
         </mc:Choice>
-        <mc:Fallback>
+        <mc:Fallback xmlns="">
           <p:sp>
             <p:nvSpPr>
               <p:cNvPr id="32" name="TextBox 31">
@@ -11005,8 +11010,8 @@
           </a:p>
         </p:txBody>
       </p:sp>
-      <mc:AlternateContent xmlns:mc="http://schemas.openxmlformats.org/markup-compatibility/2006">
-        <mc:Choice xmlns:a14="http://schemas.microsoft.com/office/drawing/2010/main" Requires="a14">
+      <mc:AlternateContent xmlns:mc="http://schemas.openxmlformats.org/markup-compatibility/2006" xmlns:a14="http://schemas.microsoft.com/office/drawing/2010/main">
+        <mc:Choice Requires="a14">
           <p:sp>
             <p:nvSpPr>
               <p:cNvPr id="3" name="Content Placeholder 2"/>
@@ -11074,7 +11079,7 @@
             </p:txBody>
           </p:sp>
         </mc:Choice>
-        <mc:Fallback>
+        <mc:Fallback xmlns="">
           <p:sp>
             <p:nvSpPr>
               <p:cNvPr id="3" name="Content Placeholder 2"/>
@@ -11523,7 +11528,7 @@
           </a:ln>
           <a:extLst>
             <a:ext uri="{C572A759-6A51-4108-AA02-DFA0A04FC94B}">
-              <ma14:wrappingTextBoxFlag xmlns:ma14="http://schemas.microsoft.com/office/mac/drawingml/2011/main" xmlns="" val="1"/>
+              <ma14:wrappingTextBoxFlag xmlns="" xmlns:ma14="http://schemas.microsoft.com/office/mac/drawingml/2011/main" val="1"/>
             </a:ext>
           </a:extLst>
         </p:spPr>
@@ -11553,8 +11558,8 @@
           </a:p>
         </p:txBody>
       </p:sp>
-      <mc:AlternateContent xmlns:mc="http://schemas.openxmlformats.org/markup-compatibility/2006">
-        <mc:Choice xmlns:a14="http://schemas.microsoft.com/office/drawing/2010/main" Requires="a14">
+      <mc:AlternateContent xmlns:mc="http://schemas.openxmlformats.org/markup-compatibility/2006" xmlns:a14="http://schemas.microsoft.com/office/drawing/2010/main">
+        <mc:Choice Requires="a14">
           <p:sp>
             <p:nvSpPr>
               <p:cNvPr id="24" name="TextBox 23">
@@ -11614,7 +11619,7 @@
             </p:txBody>
           </p:sp>
         </mc:Choice>
-        <mc:Fallback>
+        <mc:Fallback xmlns="">
           <p:sp>
             <p:nvSpPr>
               <p:cNvPr id="24" name="TextBox 23">
@@ -11659,8 +11664,8 @@
           </p:sp>
         </mc:Fallback>
       </mc:AlternateContent>
-      <mc:AlternateContent xmlns:mc="http://schemas.openxmlformats.org/markup-compatibility/2006">
-        <mc:Choice xmlns:a14="http://schemas.microsoft.com/office/drawing/2010/main" Requires="a14">
+      <mc:AlternateContent xmlns:mc="http://schemas.openxmlformats.org/markup-compatibility/2006" xmlns:a14="http://schemas.microsoft.com/office/drawing/2010/main">
+        <mc:Choice Requires="a14">
           <p:sp>
             <p:nvSpPr>
               <p:cNvPr id="25" name="TextBox 24">
@@ -11689,6 +11694,7 @@
               </a:bodyPr>
               <a:lstStyle/>
               <a:p>
+                <a:pPr/>
                 <a14:m>
                   <m:oMathPara xmlns:m="http://schemas.openxmlformats.org/officeDocument/2006/math">
                     <m:oMathParaPr>
@@ -11728,7 +11734,7 @@
             </p:txBody>
           </p:sp>
         </mc:Choice>
-        <mc:Fallback>
+        <mc:Fallback xmlns="">
           <p:sp>
             <p:nvSpPr>
               <p:cNvPr id="25" name="TextBox 24">
@@ -11868,8 +11874,8 @@
           </a:p>
         </p:txBody>
       </p:sp>
-      <mc:AlternateContent xmlns:mc="http://schemas.openxmlformats.org/markup-compatibility/2006">
-        <mc:Choice xmlns:a14="http://schemas.microsoft.com/office/drawing/2010/main" Requires="a14">
+      <mc:AlternateContent xmlns:mc="http://schemas.openxmlformats.org/markup-compatibility/2006" xmlns:a14="http://schemas.microsoft.com/office/drawing/2010/main">
+        <mc:Choice Requires="a14">
           <p:sp>
             <p:nvSpPr>
               <p:cNvPr id="28" name="TextBox 27">
@@ -11898,6 +11904,7 @@
               </a:bodyPr>
               <a:lstStyle/>
               <a:p>
+                <a:pPr/>
                 <a14:m>
                   <m:oMathPara xmlns:m="http://schemas.openxmlformats.org/officeDocument/2006/math">
                     <m:oMathParaPr>
@@ -11949,7 +11956,7 @@
             </p:txBody>
           </p:sp>
         </mc:Choice>
-        <mc:Fallback>
+        <mc:Fallback xmlns="">
           <p:sp>
             <p:nvSpPr>
               <p:cNvPr id="28" name="TextBox 27">
@@ -11994,8 +12001,8 @@
           </p:sp>
         </mc:Fallback>
       </mc:AlternateContent>
-      <mc:AlternateContent xmlns:mc="http://schemas.openxmlformats.org/markup-compatibility/2006">
-        <mc:Choice xmlns:a14="http://schemas.microsoft.com/office/drawing/2010/main" Requires="a14">
+      <mc:AlternateContent xmlns:mc="http://schemas.openxmlformats.org/markup-compatibility/2006" xmlns:a14="http://schemas.microsoft.com/office/drawing/2010/main">
+        <mc:Choice Requires="a14">
           <p:sp>
             <p:nvSpPr>
               <p:cNvPr id="32" name="TextBox 31">
@@ -12064,7 +12071,7 @@
             </p:txBody>
           </p:sp>
         </mc:Choice>
-        <mc:Fallback>
+        <mc:Fallback xmlns="">
           <p:sp>
             <p:nvSpPr>
               <p:cNvPr id="32" name="TextBox 31">
@@ -12307,8 +12314,8 @@
           </a:fontRef>
         </p:style>
       </p:cxnSp>
-      <mc:AlternateContent xmlns:mc="http://schemas.openxmlformats.org/markup-compatibility/2006">
-        <mc:Choice xmlns:a14="http://schemas.microsoft.com/office/drawing/2010/main" Requires="a14">
+      <mc:AlternateContent xmlns:mc="http://schemas.openxmlformats.org/markup-compatibility/2006" xmlns:a14="http://schemas.microsoft.com/office/drawing/2010/main">
+        <mc:Choice Requires="a14">
           <p:sp>
             <p:nvSpPr>
               <p:cNvPr id="4" name="Rectangle 3">
@@ -12336,6 +12343,7 @@
               </a:bodyPr>
               <a:lstStyle/>
               <a:p>
+                <a:pPr/>
                 <a14:m>
                   <m:oMathPara xmlns:m="http://schemas.openxmlformats.org/officeDocument/2006/math">
                     <m:oMathParaPr>
@@ -12356,7 +12364,7 @@
             </p:txBody>
           </p:sp>
         </mc:Choice>
-        <mc:Fallback>
+        <mc:Fallback xmlns="">
           <p:sp>
             <p:nvSpPr>
               <p:cNvPr id="4" name="Rectangle 3">
@@ -12453,8 +12461,8 @@
           </a:p>
         </p:txBody>
       </p:sp>
-      <mc:AlternateContent xmlns:mc="http://schemas.openxmlformats.org/markup-compatibility/2006">
-        <mc:Choice xmlns:a14="http://schemas.microsoft.com/office/drawing/2010/main" Requires="a14">
+      <mc:AlternateContent xmlns:mc="http://schemas.openxmlformats.org/markup-compatibility/2006" xmlns:a14="http://schemas.microsoft.com/office/drawing/2010/main">
+        <mc:Choice Requires="a14">
           <p:sp>
             <p:nvSpPr>
               <p:cNvPr id="3" name="Content Placeholder 2"/>
@@ -12522,7 +12530,7 @@
             </p:txBody>
           </p:sp>
         </mc:Choice>
-        <mc:Fallback>
+        <mc:Fallback xmlns="">
           <p:sp>
             <p:nvSpPr>
               <p:cNvPr id="3" name="Content Placeholder 2"/>
@@ -12971,7 +12979,7 @@
           </a:ln>
           <a:extLst>
             <a:ext uri="{C572A759-6A51-4108-AA02-DFA0A04FC94B}">
-              <ma14:wrappingTextBoxFlag xmlns:ma14="http://schemas.microsoft.com/office/mac/drawingml/2011/main" xmlns="" val="1"/>
+              <ma14:wrappingTextBoxFlag xmlns="" xmlns:ma14="http://schemas.microsoft.com/office/mac/drawingml/2011/main" val="1"/>
             </a:ext>
           </a:extLst>
         </p:spPr>
@@ -13008,8 +13016,8 @@
           </a:p>
         </p:txBody>
       </p:sp>
-      <mc:AlternateContent xmlns:mc="http://schemas.openxmlformats.org/markup-compatibility/2006">
-        <mc:Choice xmlns:a14="http://schemas.microsoft.com/office/drawing/2010/main" Requires="a14">
+      <mc:AlternateContent xmlns:mc="http://schemas.openxmlformats.org/markup-compatibility/2006" xmlns:a14="http://schemas.microsoft.com/office/drawing/2010/main">
+        <mc:Choice Requires="a14">
           <p:sp>
             <p:nvSpPr>
               <p:cNvPr id="24" name="TextBox 23">
@@ -13069,7 +13077,7 @@
             </p:txBody>
           </p:sp>
         </mc:Choice>
-        <mc:Fallback>
+        <mc:Fallback xmlns="">
           <p:sp>
             <p:nvSpPr>
               <p:cNvPr id="24" name="TextBox 23">
@@ -13114,8 +13122,8 @@
           </p:sp>
         </mc:Fallback>
       </mc:AlternateContent>
-      <mc:AlternateContent xmlns:mc="http://schemas.openxmlformats.org/markup-compatibility/2006">
-        <mc:Choice xmlns:a14="http://schemas.microsoft.com/office/drawing/2010/main" Requires="a14">
+      <mc:AlternateContent xmlns:mc="http://schemas.openxmlformats.org/markup-compatibility/2006" xmlns:a14="http://schemas.microsoft.com/office/drawing/2010/main">
+        <mc:Choice Requires="a14">
           <p:sp>
             <p:nvSpPr>
               <p:cNvPr id="25" name="TextBox 24">
@@ -13144,6 +13152,7 @@
               </a:bodyPr>
               <a:lstStyle/>
               <a:p>
+                <a:pPr/>
                 <a14:m>
                   <m:oMathPara xmlns:m="http://schemas.openxmlformats.org/officeDocument/2006/math">
                     <m:oMathParaPr>
@@ -13183,7 +13192,7 @@
             </p:txBody>
           </p:sp>
         </mc:Choice>
-        <mc:Fallback>
+        <mc:Fallback xmlns="">
           <p:sp>
             <p:nvSpPr>
               <p:cNvPr id="25" name="TextBox 24">
@@ -13323,8 +13332,8 @@
           </a:p>
         </p:txBody>
       </p:sp>
-      <mc:AlternateContent xmlns:mc="http://schemas.openxmlformats.org/markup-compatibility/2006">
-        <mc:Choice xmlns:a14="http://schemas.microsoft.com/office/drawing/2010/main" Requires="a14">
+      <mc:AlternateContent xmlns:mc="http://schemas.openxmlformats.org/markup-compatibility/2006" xmlns:a14="http://schemas.microsoft.com/office/drawing/2010/main">
+        <mc:Choice Requires="a14">
           <p:sp>
             <p:nvSpPr>
               <p:cNvPr id="28" name="TextBox 27">
@@ -13353,6 +13362,7 @@
               </a:bodyPr>
               <a:lstStyle/>
               <a:p>
+                <a:pPr/>
                 <a14:m>
                   <m:oMathPara xmlns:m="http://schemas.openxmlformats.org/officeDocument/2006/math">
                     <m:oMathParaPr>
@@ -13404,7 +13414,7 @@
             </p:txBody>
           </p:sp>
         </mc:Choice>
-        <mc:Fallback>
+        <mc:Fallback xmlns="">
           <p:sp>
             <p:nvSpPr>
               <p:cNvPr id="28" name="TextBox 27">
@@ -13449,8 +13459,8 @@
           </p:sp>
         </mc:Fallback>
       </mc:AlternateContent>
-      <mc:AlternateContent xmlns:mc="http://schemas.openxmlformats.org/markup-compatibility/2006">
-        <mc:Choice xmlns:a14="http://schemas.microsoft.com/office/drawing/2010/main" Requires="a14">
+      <mc:AlternateContent xmlns:mc="http://schemas.openxmlformats.org/markup-compatibility/2006" xmlns:a14="http://schemas.microsoft.com/office/drawing/2010/main">
+        <mc:Choice Requires="a14">
           <p:sp>
             <p:nvSpPr>
               <p:cNvPr id="32" name="TextBox 31">
@@ -13519,7 +13529,7 @@
             </p:txBody>
           </p:sp>
         </mc:Choice>
-        <mc:Fallback>
+        <mc:Fallback xmlns="">
           <p:sp>
             <p:nvSpPr>
               <p:cNvPr id="32" name="TextBox 31">
@@ -13762,8 +13772,8 @@
           </a:fontRef>
         </p:style>
       </p:cxnSp>
-      <mc:AlternateContent xmlns:mc="http://schemas.openxmlformats.org/markup-compatibility/2006">
-        <mc:Choice xmlns:a14="http://schemas.microsoft.com/office/drawing/2010/main" Requires="a14">
+      <mc:AlternateContent xmlns:mc="http://schemas.openxmlformats.org/markup-compatibility/2006" xmlns:a14="http://schemas.microsoft.com/office/drawing/2010/main">
+        <mc:Choice Requires="a14">
           <p:sp>
             <p:nvSpPr>
               <p:cNvPr id="41" name="TextBox 40">
@@ -13792,6 +13802,7 @@
               </a:bodyPr>
               <a:lstStyle/>
               <a:p>
+                <a:pPr/>
                 <a14:m>
                   <m:oMathPara xmlns:m="http://schemas.openxmlformats.org/officeDocument/2006/math">
                     <m:oMathParaPr>
@@ -13892,7 +13903,7 @@
             </p:txBody>
           </p:sp>
         </mc:Choice>
-        <mc:Fallback>
+        <mc:Fallback xmlns="">
           <p:sp>
             <p:nvSpPr>
               <p:cNvPr id="41" name="TextBox 40">
@@ -13937,8 +13948,8 @@
           </p:sp>
         </mc:Fallback>
       </mc:AlternateContent>
-      <mc:AlternateContent xmlns:mc="http://schemas.openxmlformats.org/markup-compatibility/2006">
-        <mc:Choice xmlns:a14="http://schemas.microsoft.com/office/drawing/2010/main" Requires="a14">
+      <mc:AlternateContent xmlns:mc="http://schemas.openxmlformats.org/markup-compatibility/2006" xmlns:a14="http://schemas.microsoft.com/office/drawing/2010/main">
+        <mc:Choice Requires="a14">
           <p:sp>
             <p:nvSpPr>
               <p:cNvPr id="4" name="Rectangle 3">
@@ -13966,6 +13977,7 @@
               </a:bodyPr>
               <a:lstStyle/>
               <a:p>
+                <a:pPr/>
                 <a14:m>
                   <m:oMathPara xmlns:m="http://schemas.openxmlformats.org/officeDocument/2006/math">
                     <m:oMathParaPr>
@@ -13986,7 +13998,7 @@
             </p:txBody>
           </p:sp>
         </mc:Choice>
-        <mc:Fallback>
+        <mc:Fallback xmlns="">
           <p:sp>
             <p:nvSpPr>
               <p:cNvPr id="4" name="Rectangle 3">
@@ -15602,7 +15614,7 @@
             </a:ln>
             <a:extLst>
               <a:ext uri="{C572A759-6A51-4108-AA02-DFA0A04FC94B}">
-                <ma14:wrappingTextBoxFlag xmlns="" xmlns:ma14="http://schemas.microsoft.com/office/mac/drawingml/2011/main" val="1"/>
+                <ma14:wrappingTextBoxFlag xmlns:ma14="http://schemas.microsoft.com/office/mac/drawingml/2011/main" xmlns="" val="1"/>
               </a:ext>
             </a:extLst>
           </p:spPr>
@@ -15656,7 +15668,7 @@
             </a:ln>
             <a:extLst>
               <a:ext uri="{C572A759-6A51-4108-AA02-DFA0A04FC94B}">
-                <ma14:wrappingTextBoxFlag xmlns="" xmlns:ma14="http://schemas.microsoft.com/office/mac/drawingml/2011/main" val="1"/>
+                <ma14:wrappingTextBoxFlag xmlns:ma14="http://schemas.microsoft.com/office/mac/drawingml/2011/main" xmlns="" val="1"/>
               </a:ext>
             </a:extLst>
           </p:spPr>
@@ -15927,7 +15939,7 @@
               </a:ln>
               <a:extLst>
                 <a:ext uri="{C572A759-6A51-4108-AA02-DFA0A04FC94B}">
-                  <ma14:wrappingTextBoxFlag xmlns="" xmlns:ma14="http://schemas.microsoft.com/office/mac/drawingml/2011/main" val="1"/>
+                  <ma14:wrappingTextBoxFlag xmlns:ma14="http://schemas.microsoft.com/office/mac/drawingml/2011/main" xmlns="" val="1"/>
                 </a:ext>
               </a:extLst>
             </p:spPr>
@@ -16718,7 +16730,7 @@
           </a:ln>
           <a:extLst>
             <a:ext uri="{C572A759-6A51-4108-AA02-DFA0A04FC94B}">
-              <ma14:wrappingTextBoxFlag xmlns="" xmlns:ma14="http://schemas.microsoft.com/office/mac/drawingml/2011/main" val="1"/>
+              <ma14:wrappingTextBoxFlag xmlns:ma14="http://schemas.microsoft.com/office/mac/drawingml/2011/main" xmlns="" val="1"/>
             </a:ext>
           </a:extLst>
         </p:spPr>
@@ -17829,8 +17841,8 @@
           </a:p>
         </p:txBody>
       </p:sp>
-      <mc:AlternateContent xmlns:mc="http://schemas.openxmlformats.org/markup-compatibility/2006">
-        <mc:Choice xmlns:a14="http://schemas.microsoft.com/office/drawing/2010/main" Requires="a14">
+      <mc:AlternateContent xmlns:mc="http://schemas.openxmlformats.org/markup-compatibility/2006" xmlns:a14="http://schemas.microsoft.com/office/drawing/2010/main">
+        <mc:Choice Requires="a14">
           <p:sp>
             <p:nvSpPr>
               <p:cNvPr id="3" name="Content Placeholder 2"/>
@@ -17903,7 +17915,7 @@
             </p:txBody>
           </p:sp>
         </mc:Choice>
-        <mc:Fallback>
+        <mc:Fallback xmlns="">
           <p:sp>
             <p:nvSpPr>
               <p:cNvPr id="3" name="Content Placeholder 2"/>
@@ -18036,8 +18048,8 @@
           </a:p>
         </p:txBody>
       </p:sp>
-      <mc:AlternateContent xmlns:mc="http://schemas.openxmlformats.org/markup-compatibility/2006">
-        <mc:Choice xmlns:a14="http://schemas.microsoft.com/office/drawing/2010/main" Requires="a14">
+      <mc:AlternateContent xmlns:mc="http://schemas.openxmlformats.org/markup-compatibility/2006" xmlns:a14="http://schemas.microsoft.com/office/drawing/2010/main">
+        <mc:Choice Requires="a14">
           <p:sp>
             <p:nvSpPr>
               <p:cNvPr id="3" name="Content Placeholder 2">
@@ -18287,7 +18299,7 @@
             </p:txBody>
           </p:sp>
         </mc:Choice>
-        <mc:Fallback>
+        <mc:Fallback xmlns="">
           <p:sp>
             <p:nvSpPr>
               <p:cNvPr id="3" name="Content Placeholder 2">
@@ -18779,7 +18791,7 @@
               </a:ln>
               <a:extLst>
                 <a:ext uri="{C572A759-6A51-4108-AA02-DFA0A04FC94B}">
-                  <ma14:wrappingTextBoxFlag xmlns="" xmlns:ma14="http://schemas.microsoft.com/office/mac/drawingml/2011/main" val="1"/>
+                  <ma14:wrappingTextBoxFlag xmlns:ma14="http://schemas.microsoft.com/office/mac/drawingml/2011/main" xmlns="" val="1"/>
                 </a:ext>
               </a:extLst>
             </p:spPr>
@@ -18927,7 +18939,7 @@
           </a:ln>
           <a:extLst>
             <a:ext uri="{C572A759-6A51-4108-AA02-DFA0A04FC94B}">
-              <ma14:wrappingTextBoxFlag xmlns="" xmlns:ma14="http://schemas.microsoft.com/office/mac/drawingml/2011/main" val="1"/>
+              <ma14:wrappingTextBoxFlag xmlns:ma14="http://schemas.microsoft.com/office/mac/drawingml/2011/main" xmlns="" val="1"/>
             </a:ext>
           </a:extLst>
         </p:spPr>
@@ -19042,8 +19054,8 @@
           </a:ln>
         </p:spPr>
       </p:pic>
-      <mc:AlternateContent xmlns:mc="http://schemas.openxmlformats.org/markup-compatibility/2006">
-        <mc:Choice xmlns:a14="http://schemas.microsoft.com/office/drawing/2010/main" Requires="a14">
+      <mc:AlternateContent xmlns:mc="http://schemas.openxmlformats.org/markup-compatibility/2006" xmlns:a14="http://schemas.microsoft.com/office/drawing/2010/main">
+        <mc:Choice Requires="a14">
           <p:sp>
             <p:nvSpPr>
               <p:cNvPr id="15" name="image coordinate system">
@@ -19069,7 +19081,7 @@
               </a:ln>
               <a:extLst>
                 <a:ext uri="{C572A759-6A51-4108-AA02-DFA0A04FC94B}">
-                  <ma14:wrappingTextBoxFlag xmlns="" xmlns:ma14="http://schemas.microsoft.com/office/mac/drawingml/2011/main" val="1"/>
+                  <ma14:wrappingTextBoxFlag xmlns:ma14="http://schemas.microsoft.com/office/mac/drawingml/2011/main" xmlns="" val="1"/>
                 </a:ext>
               </a:extLst>
             </p:spPr>
@@ -19173,7 +19185,7 @@
             </p:txBody>
           </p:sp>
         </mc:Choice>
-        <mc:Fallback>
+        <mc:Fallback xmlns="">
           <p:sp>
             <p:nvSpPr>
               <p:cNvPr id="15" name="image coordinate system">
@@ -19675,7 +19687,7 @@
               </a:ln>
               <a:extLst>
                 <a:ext uri="{C572A759-6A51-4108-AA02-DFA0A04FC94B}">
-                  <ma14:wrappingTextBoxFlag xmlns="" xmlns:ma14="http://schemas.microsoft.com/office/mac/drawingml/2011/main" val="1"/>
+                  <ma14:wrappingTextBoxFlag xmlns:ma14="http://schemas.microsoft.com/office/mac/drawingml/2011/main" xmlns="" val="1"/>
                 </a:ext>
               </a:extLst>
             </p:spPr>
@@ -19823,7 +19835,7 @@
           </a:ln>
           <a:extLst>
             <a:ext uri="{C572A759-6A51-4108-AA02-DFA0A04FC94B}">
-              <ma14:wrappingTextBoxFlag xmlns="" xmlns:ma14="http://schemas.microsoft.com/office/mac/drawingml/2011/main" val="1"/>
+              <ma14:wrappingTextBoxFlag xmlns:ma14="http://schemas.microsoft.com/office/mac/drawingml/2011/main" xmlns="" val="1"/>
             </a:ext>
           </a:extLst>
         </p:spPr>
@@ -19938,8 +19950,8 @@
           </a:ln>
         </p:spPr>
       </p:pic>
-      <mc:AlternateContent xmlns:mc="http://schemas.openxmlformats.org/markup-compatibility/2006">
-        <mc:Choice xmlns:a14="http://schemas.microsoft.com/office/drawing/2010/main" Requires="a14">
+      <mc:AlternateContent xmlns:mc="http://schemas.openxmlformats.org/markup-compatibility/2006" xmlns:a14="http://schemas.microsoft.com/office/drawing/2010/main">
+        <mc:Choice Requires="a14">
           <p:sp>
             <p:nvSpPr>
               <p:cNvPr id="25" name="image coordinate system">
@@ -19965,7 +19977,7 @@
               </a:ln>
               <a:extLst>
                 <a:ext uri="{C572A759-6A51-4108-AA02-DFA0A04FC94B}">
-                  <ma14:wrappingTextBoxFlag xmlns="" xmlns:ma14="http://schemas.microsoft.com/office/mac/drawingml/2011/main" val="1"/>
+                  <ma14:wrappingTextBoxFlag xmlns:ma14="http://schemas.microsoft.com/office/mac/drawingml/2011/main" xmlns="" val="1"/>
                 </a:ext>
               </a:extLst>
             </p:spPr>
@@ -20069,7 +20081,7 @@
             </p:txBody>
           </p:sp>
         </mc:Choice>
-        <mc:Fallback>
+        <mc:Fallback xmlns="">
           <p:sp>
             <p:nvSpPr>
               <p:cNvPr id="25" name="image coordinate system">
@@ -21409,7 +21421,7 @@
           </a:ln>
           <a:extLst>
             <a:ext uri="{C572A759-6A51-4108-AA02-DFA0A04FC94B}">
-              <ma14:wrappingTextBoxFlag xmlns:ma14="http://schemas.microsoft.com/office/mac/drawingml/2011/main" xmlns="" val="1"/>
+              <ma14:wrappingTextBoxFlag xmlns="" xmlns:ma14="http://schemas.microsoft.com/office/mac/drawingml/2011/main" val="1"/>
             </a:ext>
           </a:extLst>
         </p:spPr>
@@ -21464,7 +21476,7 @@
           </a:ln>
           <a:extLst>
             <a:ext uri="{C572A759-6A51-4108-AA02-DFA0A04FC94B}">
-              <ma14:wrappingTextBoxFlag xmlns:ma14="http://schemas.microsoft.com/office/mac/drawingml/2011/main" xmlns="" val="1"/>
+              <ma14:wrappingTextBoxFlag xmlns="" xmlns:ma14="http://schemas.microsoft.com/office/mac/drawingml/2011/main" val="1"/>
             </a:ext>
           </a:extLst>
         </p:spPr>
@@ -21667,7 +21679,7 @@
           </a:ln>
           <a:extLst>
             <a:ext uri="{C572A759-6A51-4108-AA02-DFA0A04FC94B}">
-              <ma14:wrappingTextBoxFlag xmlns:ma14="http://schemas.microsoft.com/office/mac/drawingml/2011/main" xmlns="" val="1"/>
+              <ma14:wrappingTextBoxFlag xmlns="" xmlns:ma14="http://schemas.microsoft.com/office/mac/drawingml/2011/main" val="1"/>
             </a:ext>
           </a:extLst>
         </p:spPr>
@@ -21712,7 +21724,7 @@
           </a:ln>
           <a:extLst>
             <a:ext uri="{C572A759-6A51-4108-AA02-DFA0A04FC94B}">
-              <ma14:wrappingTextBoxFlag xmlns:ma14="http://schemas.microsoft.com/office/mac/drawingml/2011/main" xmlns="" val="1"/>
+              <ma14:wrappingTextBoxFlag xmlns="" xmlns:ma14="http://schemas.microsoft.com/office/mac/drawingml/2011/main" val="1"/>
             </a:ext>
           </a:extLst>
         </p:spPr>
@@ -21977,7 +21989,7 @@
           </a:ln>
           <a:extLst>
             <a:ext uri="{C572A759-6A51-4108-AA02-DFA0A04FC94B}">
-              <ma14:wrappingTextBoxFlag xmlns:ma14="http://schemas.microsoft.com/office/mac/drawingml/2011/main" xmlns="" val="1"/>
+              <ma14:wrappingTextBoxFlag xmlns="" xmlns:ma14="http://schemas.microsoft.com/office/mac/drawingml/2011/main" val="1"/>
             </a:ext>
           </a:extLst>
         </p:spPr>
@@ -22160,7 +22172,7 @@
           </a:ln>
           <a:extLst>
             <a:ext uri="{C572A759-6A51-4108-AA02-DFA0A04FC94B}">
-              <ma14:wrappingTextBoxFlag xmlns:ma14="http://schemas.microsoft.com/office/mac/drawingml/2011/main" xmlns="" val="1"/>
+              <ma14:wrappingTextBoxFlag xmlns="" xmlns:ma14="http://schemas.microsoft.com/office/mac/drawingml/2011/main" val="1"/>
             </a:ext>
           </a:extLst>
         </p:spPr>
@@ -22383,7 +22395,7 @@
           </a:ln>
           <a:extLst>
             <a:ext uri="{C572A759-6A51-4108-AA02-DFA0A04FC94B}">
-              <ma14:wrappingTextBoxFlag xmlns:ma14="http://schemas.microsoft.com/office/mac/drawingml/2011/main" xmlns="" val="1"/>
+              <ma14:wrappingTextBoxFlag xmlns="" xmlns:ma14="http://schemas.microsoft.com/office/mac/drawingml/2011/main" val="1"/>
             </a:ext>
           </a:extLst>
         </p:spPr>
@@ -22461,7 +22473,7 @@
           </a:ln>
           <a:extLst>
             <a:ext uri="{C572A759-6A51-4108-AA02-DFA0A04FC94B}">
-              <ma14:wrappingTextBoxFlag xmlns:ma14="http://schemas.microsoft.com/office/mac/drawingml/2011/main" xmlns="" val="1"/>
+              <ma14:wrappingTextBoxFlag xmlns="" xmlns:ma14="http://schemas.microsoft.com/office/mac/drawingml/2011/main" val="1"/>
             </a:ext>
           </a:extLst>
         </p:spPr>
@@ -22570,7 +22582,7 @@
           </a:ln>
           <a:extLst>
             <a:ext uri="{C572A759-6A51-4108-AA02-DFA0A04FC94B}">
-              <ma14:wrappingTextBoxFlag xmlns:ma14="http://schemas.microsoft.com/office/mac/drawingml/2011/main" xmlns="" val="1"/>
+              <ma14:wrappingTextBoxFlag xmlns="" xmlns:ma14="http://schemas.microsoft.com/office/mac/drawingml/2011/main" val="1"/>
             </a:ext>
           </a:extLst>
         </p:spPr>
@@ -22636,7 +22648,7 @@
           </a:ln>
           <a:extLst>
             <a:ext uri="{C572A759-6A51-4108-AA02-DFA0A04FC94B}">
-              <ma14:wrappingTextBoxFlag xmlns:ma14="http://schemas.microsoft.com/office/mac/drawingml/2011/main" xmlns="" val="1"/>
+              <ma14:wrappingTextBoxFlag xmlns="" xmlns:ma14="http://schemas.microsoft.com/office/mac/drawingml/2011/main" val="1"/>
             </a:ext>
           </a:extLst>
         </p:spPr>
@@ -22816,8 +22828,8 @@
           </a:p>
         </p:txBody>
       </p:sp>
-      <mc:AlternateContent xmlns:mc="http://schemas.openxmlformats.org/markup-compatibility/2006">
-        <mc:Choice xmlns:a14="http://schemas.microsoft.com/office/drawing/2010/main" Requires="a14">
+      <mc:AlternateContent xmlns:mc="http://schemas.openxmlformats.org/markup-compatibility/2006" xmlns:a14="http://schemas.microsoft.com/office/drawing/2010/main">
+        <mc:Choice Requires="a14">
           <p:sp>
             <p:nvSpPr>
               <p:cNvPr id="8" name="Content Placeholder 2"/>
@@ -23089,7 +23101,7 @@
             </p:txBody>
           </p:sp>
         </mc:Choice>
-        <mc:Fallback>
+        <mc:Fallback xmlns="">
           <p:sp>
             <p:nvSpPr>
               <p:cNvPr id="8" name="Content Placeholder 2"/>
@@ -29787,7 +29799,7 @@
           </a:ln>
           <a:extLst>
             <a:ext uri="{C572A759-6A51-4108-AA02-DFA0A04FC94B}">
-              <ma14:wrappingTextBoxFlag xmlns="" xmlns:ma14="http://schemas.microsoft.com/office/mac/drawingml/2011/main" val="1"/>
+              <ma14:wrappingTextBoxFlag xmlns:ma14="http://schemas.microsoft.com/office/mac/drawingml/2011/main" xmlns="" val="1"/>
             </a:ext>
           </a:extLst>
         </p:spPr>
@@ -30095,7 +30107,7 @@
           </a:ln>
           <a:extLst>
             <a:ext uri="{C572A759-6A51-4108-AA02-DFA0A04FC94B}">
-              <ma14:wrappingTextBoxFlag xmlns="" xmlns:ma14="http://schemas.microsoft.com/office/mac/drawingml/2011/main" val="1"/>
+              <ma14:wrappingTextBoxFlag xmlns:ma14="http://schemas.microsoft.com/office/mac/drawingml/2011/main" xmlns="" val="1"/>
             </a:ext>
           </a:extLst>
         </p:spPr>
@@ -30279,8 +30291,8 @@
           </a:p>
         </p:txBody>
       </p:sp>
-      <mc:AlternateContent xmlns:mc="http://schemas.openxmlformats.org/markup-compatibility/2006">
-        <mc:Choice xmlns:a14="http://schemas.microsoft.com/office/drawing/2010/main" Requires="a14">
+      <mc:AlternateContent xmlns:mc="http://schemas.openxmlformats.org/markup-compatibility/2006" xmlns:a14="http://schemas.microsoft.com/office/drawing/2010/main">
+        <mc:Choice Requires="a14">
           <p:sp>
             <p:nvSpPr>
               <p:cNvPr id="28" name="image coordinate system">
@@ -30306,7 +30318,7 @@
               </a:ln>
               <a:extLst>
                 <a:ext uri="{C572A759-6A51-4108-AA02-DFA0A04FC94B}">
-                  <ma14:wrappingTextBoxFlag xmlns="" xmlns:ma14="http://schemas.microsoft.com/office/mac/drawingml/2011/main" val="1"/>
+                  <ma14:wrappingTextBoxFlag xmlns:ma14="http://schemas.microsoft.com/office/mac/drawingml/2011/main" xmlns="" val="1"/>
                 </a:ext>
               </a:extLst>
             </p:spPr>
@@ -30394,7 +30406,7 @@
             </p:txBody>
           </p:sp>
         </mc:Choice>
-        <mc:Fallback>
+        <mc:Fallback xmlns="">
           <p:sp>
             <p:nvSpPr>
               <p:cNvPr id="28" name="image coordinate system">
@@ -30474,7 +30486,7 @@
               </a:ln>
               <a:extLst>
                 <a:ext uri="{C572A759-6A51-4108-AA02-DFA0A04FC94B}">
-                  <ma14:wrappingTextBoxFlag xmlns="" xmlns:ma14="http://schemas.microsoft.com/office/mac/drawingml/2011/main" val="1"/>
+                  <ma14:wrappingTextBoxFlag xmlns:ma14="http://schemas.microsoft.com/office/mac/drawingml/2011/main" xmlns="" val="1"/>
                 </a:ext>
               </a:extLst>
             </p:spPr>
@@ -30624,7 +30636,7 @@
               </a:ln>
               <a:extLst>
                 <a:ext uri="{C572A759-6A51-4108-AA02-DFA0A04FC94B}">
-                  <ma14:wrappingTextBoxFlag xmlns="" xmlns:ma14="http://schemas.microsoft.com/office/mac/drawingml/2011/main" val="1"/>
+                  <ma14:wrappingTextBoxFlag xmlns:ma14="http://schemas.microsoft.com/office/mac/drawingml/2011/main" xmlns="" val="1"/>
                 </a:ext>
               </a:extLst>
             </p:spPr>
@@ -30774,7 +30786,7 @@
               </a:ln>
               <a:extLst>
                 <a:ext uri="{C572A759-6A51-4108-AA02-DFA0A04FC94B}">
-                  <ma14:wrappingTextBoxFlag xmlns="" xmlns:ma14="http://schemas.microsoft.com/office/mac/drawingml/2011/main" val="1"/>
+                  <ma14:wrappingTextBoxFlag xmlns:ma14="http://schemas.microsoft.com/office/mac/drawingml/2011/main" xmlns="" val="1"/>
                 </a:ext>
               </a:extLst>
             </p:spPr>

--- a/c_07_camera_calibration/camera_calibration.pptx
+++ b/c_07_camera_calibration/camera_calibration.pptx
@@ -247,7 +247,7 @@
           <a:p>
             <a:fld id="{EF8443A9-F23A-48DF-A7F1-69ACC1B2952D}" type="datetimeFigureOut">
               <a:rPr lang="en-US" smtClean="0"/>
-              <a:t>28-Dec-19</a:t>
+              <a:t>02-Jan-20</a:t>
             </a:fld>
             <a:endParaRPr lang="en-US"/>
           </a:p>
@@ -5020,7 +5020,7 @@
           <a:p>
             <a:fld id="{1930E4BE-DC49-4C06-9EAD-5C882F80E0B2}" type="datetimeFigureOut">
               <a:rPr lang="en-US" smtClean="0"/>
-              <a:t>28-Dec-19</a:t>
+              <a:t>02-Jan-20</a:t>
             </a:fld>
             <a:endParaRPr lang="en-US"/>
           </a:p>
@@ -5198,7 +5198,7 @@
           <a:p>
             <a:fld id="{1930E4BE-DC49-4C06-9EAD-5C882F80E0B2}" type="datetimeFigureOut">
               <a:rPr lang="en-US" smtClean="0"/>
-              <a:t>28-Dec-19</a:t>
+              <a:t>02-Jan-20</a:t>
             </a:fld>
             <a:endParaRPr lang="en-US"/>
           </a:p>
@@ -5497,7 +5497,7 @@
           <a:p>
             <a:fld id="{1930E4BE-DC49-4C06-9EAD-5C882F80E0B2}" type="datetimeFigureOut">
               <a:rPr lang="en-US" smtClean="0"/>
-              <a:t>28-Dec-19</a:t>
+              <a:t>02-Jan-20</a:t>
             </a:fld>
             <a:endParaRPr lang="en-US"/>
           </a:p>
@@ -5742,7 +5742,7 @@
           <a:p>
             <a:fld id="{1930E4BE-DC49-4C06-9EAD-5C882F80E0B2}" type="datetimeFigureOut">
               <a:rPr lang="en-US" smtClean="0"/>
-              <a:t>28-Dec-19</a:t>
+              <a:t>02-Jan-20</a:t>
             </a:fld>
             <a:endParaRPr lang="en-US"/>
           </a:p>
@@ -6027,7 +6027,7 @@
           <a:p>
             <a:fld id="{1930E4BE-DC49-4C06-9EAD-5C882F80E0B2}" type="datetimeFigureOut">
               <a:rPr lang="en-US" smtClean="0"/>
-              <a:t>28-Dec-19</a:t>
+              <a:t>02-Jan-20</a:t>
             </a:fld>
             <a:endParaRPr lang="en-US"/>
           </a:p>
@@ -6446,7 +6446,7 @@
           <a:p>
             <a:fld id="{1930E4BE-DC49-4C06-9EAD-5C882F80E0B2}" type="datetimeFigureOut">
               <a:rPr lang="en-US" smtClean="0"/>
-              <a:t>28-Dec-19</a:t>
+              <a:t>02-Jan-20</a:t>
             </a:fld>
             <a:endParaRPr lang="en-US"/>
           </a:p>
@@ -6563,7 +6563,7 @@
           <a:p>
             <a:fld id="{1930E4BE-DC49-4C06-9EAD-5C882F80E0B2}" type="datetimeFigureOut">
               <a:rPr lang="en-US" smtClean="0"/>
-              <a:t>28-Dec-19</a:t>
+              <a:t>02-Jan-20</a:t>
             </a:fld>
             <a:endParaRPr lang="en-US"/>
           </a:p>
@@ -6658,7 +6658,7 @@
           <a:p>
             <a:fld id="{1930E4BE-DC49-4C06-9EAD-5C882F80E0B2}" type="datetimeFigureOut">
               <a:rPr lang="en-US" smtClean="0"/>
-              <a:t>28-Dec-19</a:t>
+              <a:t>02-Jan-20</a:t>
             </a:fld>
             <a:endParaRPr lang="en-US"/>
           </a:p>
@@ -6933,7 +6933,7 @@
           <a:p>
             <a:fld id="{1930E4BE-DC49-4C06-9EAD-5C882F80E0B2}" type="datetimeFigureOut">
               <a:rPr lang="en-US" smtClean="0"/>
-              <a:t>28-Dec-19</a:t>
+              <a:t>02-Jan-20</a:t>
             </a:fld>
             <a:endParaRPr lang="en-US"/>
           </a:p>
@@ -7185,7 +7185,7 @@
           <a:p>
             <a:fld id="{1930E4BE-DC49-4C06-9EAD-5C882F80E0B2}" type="datetimeFigureOut">
               <a:rPr lang="en-US" smtClean="0"/>
-              <a:t>28-Dec-19</a:t>
+              <a:t>02-Jan-20</a:t>
             </a:fld>
             <a:endParaRPr lang="en-US"/>
           </a:p>
@@ -7396,7 +7396,7 @@
           <a:p>
             <a:fld id="{1930E4BE-DC49-4C06-9EAD-5C882F80E0B2}" type="datetimeFigureOut">
               <a:rPr lang="en-US" smtClean="0"/>
-              <a:t>28-Dec-19</a:t>
+              <a:t>02-Jan-20</a:t>
             </a:fld>
             <a:endParaRPr lang="en-US"/>
           </a:p>
@@ -9615,7 +9615,7 @@
           </a:ln>
           <a:extLst>
             <a:ext uri="{C572A759-6A51-4108-AA02-DFA0A04FC94B}">
-              <ma14:wrappingTextBoxFlag xmlns="" xmlns:ma14="http://schemas.microsoft.com/office/mac/drawingml/2011/main" val="1"/>
+              <ma14:wrappingTextBoxFlag xmlns:ma14="http://schemas.microsoft.com/office/mac/drawingml/2011/main" xmlns="" val="1"/>
             </a:ext>
           </a:extLst>
         </p:spPr>
@@ -10363,7 +10363,7 @@
           </a:ln>
           <a:extLst>
             <a:ext uri="{C572A759-6A51-4108-AA02-DFA0A04FC94B}">
-              <ma14:wrappingTextBoxFlag xmlns="" xmlns:ma14="http://schemas.microsoft.com/office/mac/drawingml/2011/main" val="1"/>
+              <ma14:wrappingTextBoxFlag xmlns:ma14="http://schemas.microsoft.com/office/mac/drawingml/2011/main" xmlns="" val="1"/>
             </a:ext>
           </a:extLst>
         </p:spPr>
@@ -11528,7 +11528,7 @@
           </a:ln>
           <a:extLst>
             <a:ext uri="{C572A759-6A51-4108-AA02-DFA0A04FC94B}">
-              <ma14:wrappingTextBoxFlag xmlns="" xmlns:ma14="http://schemas.microsoft.com/office/mac/drawingml/2011/main" val="1"/>
+              <ma14:wrappingTextBoxFlag xmlns:ma14="http://schemas.microsoft.com/office/mac/drawingml/2011/main" xmlns="" val="1"/>
             </a:ext>
           </a:extLst>
         </p:spPr>
@@ -12979,7 +12979,7 @@
           </a:ln>
           <a:extLst>
             <a:ext uri="{C572A759-6A51-4108-AA02-DFA0A04FC94B}">
-              <ma14:wrappingTextBoxFlag xmlns="" xmlns:ma14="http://schemas.microsoft.com/office/mac/drawingml/2011/main" val="1"/>
+              <ma14:wrappingTextBoxFlag xmlns:ma14="http://schemas.microsoft.com/office/mac/drawingml/2011/main" xmlns="" val="1"/>
             </a:ext>
           </a:extLst>
         </p:spPr>
@@ -15318,10 +15318,10 @@
         </p:nvGrpSpPr>
         <p:grpSpPr>
           <a:xfrm>
-            <a:off x="2529387" y="2209801"/>
-            <a:ext cx="7133226" cy="3845217"/>
-            <a:chOff x="1790606" y="1500385"/>
-            <a:chExt cx="8773861" cy="3547209"/>
+            <a:off x="3911757" y="2209801"/>
+            <a:ext cx="5750856" cy="3845217"/>
+            <a:chOff x="3490920" y="1500385"/>
+            <a:chExt cx="7073547" cy="3547209"/>
           </a:xfrm>
         </p:grpSpPr>
         <p:sp>
@@ -15425,8 +15425,8 @@
           </p:nvSpPr>
           <p:spPr>
             <a:xfrm flipV="1">
-              <a:off x="1790606" y="2799937"/>
-              <a:ext cx="3453124" cy="1993662"/>
+              <a:off x="3490920" y="2799937"/>
+              <a:ext cx="1752809" cy="1004684"/>
             </a:xfrm>
             <a:prstGeom prst="line">
               <a:avLst/>
@@ -15614,7 +15614,7 @@
             </a:ln>
             <a:extLst>
               <a:ext uri="{C572A759-6A51-4108-AA02-DFA0A04FC94B}">
-                <ma14:wrappingTextBoxFlag xmlns:ma14="http://schemas.microsoft.com/office/mac/drawingml/2011/main" xmlns="" val="1"/>
+                <ma14:wrappingTextBoxFlag xmlns="" xmlns:ma14="http://schemas.microsoft.com/office/mac/drawingml/2011/main" val="1"/>
               </a:ext>
             </a:extLst>
           </p:spPr>
@@ -15668,7 +15668,7 @@
             </a:ln>
             <a:extLst>
               <a:ext uri="{C572A759-6A51-4108-AA02-DFA0A04FC94B}">
-                <ma14:wrappingTextBoxFlag xmlns:ma14="http://schemas.microsoft.com/office/mac/drawingml/2011/main" xmlns="" val="1"/>
+                <ma14:wrappingTextBoxFlag xmlns="" xmlns:ma14="http://schemas.microsoft.com/office/mac/drawingml/2011/main" val="1"/>
               </a:ext>
             </a:extLst>
           </p:spPr>
@@ -15939,7 +15939,7 @@
               </a:ln>
               <a:extLst>
                 <a:ext uri="{C572A759-6A51-4108-AA02-DFA0A04FC94B}">
-                  <ma14:wrappingTextBoxFlag xmlns:ma14="http://schemas.microsoft.com/office/mac/drawingml/2011/main" xmlns="" val="1"/>
+                  <ma14:wrappingTextBoxFlag xmlns="" xmlns:ma14="http://schemas.microsoft.com/office/mac/drawingml/2011/main" val="1"/>
                 </a:ext>
               </a:extLst>
             </p:spPr>
@@ -16062,6 +16062,284 @@
           </p:sp>
         </mc:Fallback>
       </mc:AlternateContent>
+      <p:sp>
+        <p:nvSpPr>
+          <p:cNvPr id="22" name="Line">
+            <a:extLst>
+              <a:ext uri="{FF2B5EF4-FFF2-40B4-BE49-F238E27FC236}">
+                <a16:creationId xmlns:a16="http://schemas.microsoft.com/office/drawing/2014/main" id="{32BE99DE-E105-4586-9E74-8DAF1E109B52}"/>
+              </a:ext>
+            </a:extLst>
+          </p:cNvPr>
+          <p:cNvSpPr/>
+          <p:nvPr/>
+        </p:nvSpPr>
+        <p:spPr>
+          <a:xfrm flipH="1" flipV="1">
+            <a:off x="5257801" y="5394963"/>
+            <a:ext cx="5240" cy="1362135"/>
+          </a:xfrm>
+          <a:prstGeom prst="line">
+            <a:avLst/>
+          </a:prstGeom>
+          <a:ln w="38100">
+            <a:solidFill>
+              <a:srgbClr val="FFFF00"/>
+            </a:solidFill>
+            <a:miter lim="400000"/>
+            <a:tailEnd type="stealth"/>
+          </a:ln>
+        </p:spPr>
+        <p:txBody>
+          <a:bodyPr lIns="35719" tIns="35719" rIns="35719" bIns="35719" anchor="ctr"/>
+          <a:lstStyle/>
+          <a:p>
+            <a:pPr>
+              <a:defRPr sz="2400"/>
+            </a:pPr>
+            <a:endParaRPr sz="2400">
+              <a:solidFill>
+                <a:prstClr val="black"/>
+              </a:solidFill>
+              <a:latin typeface="Calibri Light" panose="020F0302020204030204"/>
+            </a:endParaRPr>
+          </a:p>
+        </p:txBody>
+      </p:sp>
+      <p:sp>
+        <p:nvSpPr>
+          <p:cNvPr id="23" name="Line">
+            <a:extLst>
+              <a:ext uri="{FF2B5EF4-FFF2-40B4-BE49-F238E27FC236}">
+                <a16:creationId xmlns:a16="http://schemas.microsoft.com/office/drawing/2014/main" id="{B346BF0D-839B-4909-A6CA-B643E172A41F}"/>
+              </a:ext>
+            </a:extLst>
+          </p:cNvPr>
+          <p:cNvSpPr/>
+          <p:nvPr/>
+        </p:nvSpPr>
+        <p:spPr>
+          <a:xfrm flipV="1">
+            <a:off x="5244569" y="6037714"/>
+            <a:ext cx="880833" cy="734890"/>
+          </a:xfrm>
+          <a:prstGeom prst="line">
+            <a:avLst/>
+          </a:prstGeom>
+          <a:ln w="38100">
+            <a:solidFill>
+              <a:srgbClr val="FFFF00"/>
+            </a:solidFill>
+            <a:miter lim="400000"/>
+            <a:tailEnd type="stealth"/>
+          </a:ln>
+        </p:spPr>
+        <p:txBody>
+          <a:bodyPr lIns="35719" tIns="35719" rIns="35719" bIns="35719" anchor="ctr"/>
+          <a:lstStyle/>
+          <a:p>
+            <a:pPr>
+              <a:defRPr sz="2400"/>
+            </a:pPr>
+            <a:endParaRPr sz="2400">
+              <a:solidFill>
+                <a:prstClr val="black"/>
+              </a:solidFill>
+              <a:latin typeface="Calibri Light" panose="020F0302020204030204"/>
+            </a:endParaRPr>
+          </a:p>
+        </p:txBody>
+      </p:sp>
+      <mc:AlternateContent xmlns:mc="http://schemas.openxmlformats.org/markup-compatibility/2006">
+        <mc:Choice xmlns:a14="http://schemas.microsoft.com/office/drawing/2010/main" Requires="a14">
+          <p:sp>
+            <p:nvSpPr>
+              <p:cNvPr id="4" name="TextBox 3">
+                <a:extLst>
+                  <a:ext uri="{FF2B5EF4-FFF2-40B4-BE49-F238E27FC236}">
+                    <a16:creationId xmlns:a16="http://schemas.microsoft.com/office/drawing/2014/main" id="{892BAE4D-98BB-4071-885B-F4F4F50D3084}"/>
+                  </a:ext>
+                </a:extLst>
+              </p:cNvPr>
+              <p:cNvSpPr txBox="1"/>
+              <p:nvPr/>
+            </p:nvSpPr>
+            <p:spPr>
+              <a:xfrm>
+                <a:off x="4956209" y="5259159"/>
+                <a:ext cx="301591" cy="369332"/>
+              </a:xfrm>
+              <a:prstGeom prst="rect">
+                <a:avLst/>
+              </a:prstGeom>
+              <a:noFill/>
+            </p:spPr>
+            <p:txBody>
+              <a:bodyPr wrap="square" rtlCol="0">
+                <a:spAutoFit/>
+              </a:bodyPr>
+              <a:lstStyle/>
+              <a:p>
+                <a14:m>
+                  <m:oMathPara xmlns:m="http://schemas.openxmlformats.org/officeDocument/2006/math">
+                    <m:oMathParaPr>
+                      <m:jc m:val="centerGroup"/>
+                    </m:oMathParaPr>
+                    <m:oMath xmlns:m="http://schemas.openxmlformats.org/officeDocument/2006/math">
+                      <m:r>
+                        <a:rPr lang="en-US" b="0" i="1" smtClean="0">
+                          <a:latin typeface="Cambria Math" panose="02040503050406030204" pitchFamily="18" charset="0"/>
+                        </a:rPr>
+                        <m:t>𝑣</m:t>
+                      </m:r>
+                    </m:oMath>
+                  </m:oMathPara>
+                </a14:m>
+                <a:endParaRPr lang="en-US" dirty="0"/>
+              </a:p>
+            </p:txBody>
+          </p:sp>
+        </mc:Choice>
+        <mc:Fallback>
+          <p:sp>
+            <p:nvSpPr>
+              <p:cNvPr id="4" name="TextBox 3">
+                <a:extLst>
+                  <a:ext uri="{FF2B5EF4-FFF2-40B4-BE49-F238E27FC236}">
+                    <a16:creationId xmlns:a16="http://schemas.microsoft.com/office/drawing/2014/main" id="{892BAE4D-98BB-4071-885B-F4F4F50D3084}"/>
+                  </a:ext>
+                </a:extLst>
+              </p:cNvPr>
+              <p:cNvSpPr txBox="1">
+                <a:spLocks noRot="1" noChangeAspect="1" noMove="1" noResize="1" noEditPoints="1" noAdjustHandles="1" noChangeArrowheads="1" noChangeShapeType="1" noTextEdit="1"/>
+              </p:cNvSpPr>
+              <p:nvPr/>
+            </p:nvSpPr>
+            <p:spPr>
+              <a:xfrm>
+                <a:off x="4956209" y="5259159"/>
+                <a:ext cx="301591" cy="369332"/>
+              </a:xfrm>
+              <a:prstGeom prst="rect">
+                <a:avLst/>
+              </a:prstGeom>
+              <a:blipFill>
+                <a:blip r:embed="rId10"/>
+                <a:stretch>
+                  <a:fillRect/>
+                </a:stretch>
+              </a:blipFill>
+            </p:spPr>
+            <p:txBody>
+              <a:bodyPr/>
+              <a:lstStyle/>
+              <a:p>
+                <a:r>
+                  <a:rPr lang="en-US">
+                    <a:noFill/>
+                  </a:rPr>
+                  <a:t> </a:t>
+                </a:r>
+              </a:p>
+            </p:txBody>
+          </p:sp>
+        </mc:Fallback>
+      </mc:AlternateContent>
+      <mc:AlternateContent xmlns:mc="http://schemas.openxmlformats.org/markup-compatibility/2006">
+        <mc:Choice xmlns:a14="http://schemas.microsoft.com/office/drawing/2010/main" Requires="a14">
+          <p:sp>
+            <p:nvSpPr>
+              <p:cNvPr id="24" name="TextBox 23">
+                <a:extLst>
+                  <a:ext uri="{FF2B5EF4-FFF2-40B4-BE49-F238E27FC236}">
+                    <a16:creationId xmlns:a16="http://schemas.microsoft.com/office/drawing/2014/main" id="{CF5D54FD-3EF8-42D2-AF11-6C36F8CFD85D}"/>
+                  </a:ext>
+                </a:extLst>
+              </p:cNvPr>
+              <p:cNvSpPr txBox="1"/>
+              <p:nvPr/>
+            </p:nvSpPr>
+            <p:spPr>
+              <a:xfrm>
+                <a:off x="6100544" y="5961367"/>
+                <a:ext cx="301591" cy="369332"/>
+              </a:xfrm>
+              <a:prstGeom prst="rect">
+                <a:avLst/>
+              </a:prstGeom>
+              <a:noFill/>
+            </p:spPr>
+            <p:txBody>
+              <a:bodyPr wrap="square" rtlCol="0">
+                <a:spAutoFit/>
+              </a:bodyPr>
+              <a:lstStyle/>
+              <a:p>
+                <a14:m>
+                  <m:oMathPara xmlns:m="http://schemas.openxmlformats.org/officeDocument/2006/math">
+                    <m:oMathParaPr>
+                      <m:jc m:val="centerGroup"/>
+                    </m:oMathParaPr>
+                    <m:oMath xmlns:m="http://schemas.openxmlformats.org/officeDocument/2006/math">
+                      <m:r>
+                        <a:rPr lang="en-US" b="0" i="1" smtClean="0">
+                          <a:latin typeface="Cambria Math" panose="02040503050406030204" pitchFamily="18" charset="0"/>
+                        </a:rPr>
+                        <m:t>𝑢</m:t>
+                      </m:r>
+                    </m:oMath>
+                  </m:oMathPara>
+                </a14:m>
+                <a:endParaRPr lang="en-US" dirty="0"/>
+              </a:p>
+            </p:txBody>
+          </p:sp>
+        </mc:Choice>
+        <mc:Fallback>
+          <p:sp>
+            <p:nvSpPr>
+              <p:cNvPr id="24" name="TextBox 23">
+                <a:extLst>
+                  <a:ext uri="{FF2B5EF4-FFF2-40B4-BE49-F238E27FC236}">
+                    <a16:creationId xmlns:a16="http://schemas.microsoft.com/office/drawing/2014/main" id="{CF5D54FD-3EF8-42D2-AF11-6C36F8CFD85D}"/>
+                  </a:ext>
+                </a:extLst>
+              </p:cNvPr>
+              <p:cNvSpPr txBox="1">
+                <a:spLocks noRot="1" noChangeAspect="1" noMove="1" noResize="1" noEditPoints="1" noAdjustHandles="1" noChangeArrowheads="1" noChangeShapeType="1" noTextEdit="1"/>
+              </p:cNvSpPr>
+              <p:nvPr/>
+            </p:nvSpPr>
+            <p:spPr>
+              <a:xfrm>
+                <a:off x="6100544" y="5961367"/>
+                <a:ext cx="301591" cy="369332"/>
+              </a:xfrm>
+              <a:prstGeom prst="rect">
+                <a:avLst/>
+              </a:prstGeom>
+              <a:blipFill>
+                <a:blip r:embed="rId11"/>
+                <a:stretch>
+                  <a:fillRect/>
+                </a:stretch>
+              </a:blipFill>
+            </p:spPr>
+            <p:txBody>
+              <a:bodyPr/>
+              <a:lstStyle/>
+              <a:p>
+                <a:r>
+                  <a:rPr lang="en-US">
+                    <a:noFill/>
+                  </a:rPr>
+                  <a:t> </a:t>
+                </a:r>
+              </a:p>
+            </p:txBody>
+          </p:sp>
+        </mc:Fallback>
+      </mc:AlternateContent>
     </p:spTree>
     <p:extLst>
       <p:ext uri="{BB962C8B-B14F-4D97-AF65-F5344CB8AC3E}">
@@ -16730,7 +17008,7 @@
           </a:ln>
           <a:extLst>
             <a:ext uri="{C572A759-6A51-4108-AA02-DFA0A04FC94B}">
-              <ma14:wrappingTextBoxFlag xmlns:ma14="http://schemas.microsoft.com/office/mac/drawingml/2011/main" xmlns="" val="1"/>
+              <ma14:wrappingTextBoxFlag xmlns="" xmlns:ma14="http://schemas.microsoft.com/office/mac/drawingml/2011/main" val="1"/>
             </a:ext>
           </a:extLst>
         </p:spPr>
@@ -18791,7 +19069,7 @@
               </a:ln>
               <a:extLst>
                 <a:ext uri="{C572A759-6A51-4108-AA02-DFA0A04FC94B}">
-                  <ma14:wrappingTextBoxFlag xmlns:ma14="http://schemas.microsoft.com/office/mac/drawingml/2011/main" xmlns="" val="1"/>
+                  <ma14:wrappingTextBoxFlag xmlns="" xmlns:ma14="http://schemas.microsoft.com/office/mac/drawingml/2011/main" val="1"/>
                 </a:ext>
               </a:extLst>
             </p:spPr>
@@ -18939,7 +19217,7 @@
           </a:ln>
           <a:extLst>
             <a:ext uri="{C572A759-6A51-4108-AA02-DFA0A04FC94B}">
-              <ma14:wrappingTextBoxFlag xmlns:ma14="http://schemas.microsoft.com/office/mac/drawingml/2011/main" xmlns="" val="1"/>
+              <ma14:wrappingTextBoxFlag xmlns="" xmlns:ma14="http://schemas.microsoft.com/office/mac/drawingml/2011/main" val="1"/>
             </a:ext>
           </a:extLst>
         </p:spPr>
@@ -19081,7 +19359,7 @@
               </a:ln>
               <a:extLst>
                 <a:ext uri="{C572A759-6A51-4108-AA02-DFA0A04FC94B}">
-                  <ma14:wrappingTextBoxFlag xmlns:ma14="http://schemas.microsoft.com/office/mac/drawingml/2011/main" xmlns="" val="1"/>
+                  <ma14:wrappingTextBoxFlag xmlns="" xmlns:ma14="http://schemas.microsoft.com/office/mac/drawingml/2011/main" val="1"/>
                 </a:ext>
               </a:extLst>
             </p:spPr>
@@ -19687,7 +19965,7 @@
               </a:ln>
               <a:extLst>
                 <a:ext uri="{C572A759-6A51-4108-AA02-DFA0A04FC94B}">
-                  <ma14:wrappingTextBoxFlag xmlns:ma14="http://schemas.microsoft.com/office/mac/drawingml/2011/main" xmlns="" val="1"/>
+                  <ma14:wrappingTextBoxFlag xmlns="" xmlns:ma14="http://schemas.microsoft.com/office/mac/drawingml/2011/main" val="1"/>
                 </a:ext>
               </a:extLst>
             </p:spPr>
@@ -19835,7 +20113,7 @@
           </a:ln>
           <a:extLst>
             <a:ext uri="{C572A759-6A51-4108-AA02-DFA0A04FC94B}">
-              <ma14:wrappingTextBoxFlag xmlns:ma14="http://schemas.microsoft.com/office/mac/drawingml/2011/main" xmlns="" val="1"/>
+              <ma14:wrappingTextBoxFlag xmlns="" xmlns:ma14="http://schemas.microsoft.com/office/mac/drawingml/2011/main" val="1"/>
             </a:ext>
           </a:extLst>
         </p:spPr>
@@ -19977,7 +20255,7 @@
               </a:ln>
               <a:extLst>
                 <a:ext uri="{C572A759-6A51-4108-AA02-DFA0A04FC94B}">
-                  <ma14:wrappingTextBoxFlag xmlns:ma14="http://schemas.microsoft.com/office/mac/drawingml/2011/main" xmlns="" val="1"/>
+                  <ma14:wrappingTextBoxFlag xmlns="" xmlns:ma14="http://schemas.microsoft.com/office/mac/drawingml/2011/main" val="1"/>
                 </a:ext>
               </a:extLst>
             </p:spPr>
@@ -21421,7 +21699,7 @@
           </a:ln>
           <a:extLst>
             <a:ext uri="{C572A759-6A51-4108-AA02-DFA0A04FC94B}">
-              <ma14:wrappingTextBoxFlag xmlns="" xmlns:ma14="http://schemas.microsoft.com/office/mac/drawingml/2011/main" val="1"/>
+              <ma14:wrappingTextBoxFlag xmlns:ma14="http://schemas.microsoft.com/office/mac/drawingml/2011/main" xmlns="" val="1"/>
             </a:ext>
           </a:extLst>
         </p:spPr>
@@ -21476,7 +21754,7 @@
           </a:ln>
           <a:extLst>
             <a:ext uri="{C572A759-6A51-4108-AA02-DFA0A04FC94B}">
-              <ma14:wrappingTextBoxFlag xmlns="" xmlns:ma14="http://schemas.microsoft.com/office/mac/drawingml/2011/main" val="1"/>
+              <ma14:wrappingTextBoxFlag xmlns:ma14="http://schemas.microsoft.com/office/mac/drawingml/2011/main" xmlns="" val="1"/>
             </a:ext>
           </a:extLst>
         </p:spPr>
@@ -21679,7 +21957,7 @@
           </a:ln>
           <a:extLst>
             <a:ext uri="{C572A759-6A51-4108-AA02-DFA0A04FC94B}">
-              <ma14:wrappingTextBoxFlag xmlns="" xmlns:ma14="http://schemas.microsoft.com/office/mac/drawingml/2011/main" val="1"/>
+              <ma14:wrappingTextBoxFlag xmlns:ma14="http://schemas.microsoft.com/office/mac/drawingml/2011/main" xmlns="" val="1"/>
             </a:ext>
           </a:extLst>
         </p:spPr>
@@ -21724,7 +22002,7 @@
           </a:ln>
           <a:extLst>
             <a:ext uri="{C572A759-6A51-4108-AA02-DFA0A04FC94B}">
-              <ma14:wrappingTextBoxFlag xmlns="" xmlns:ma14="http://schemas.microsoft.com/office/mac/drawingml/2011/main" val="1"/>
+              <ma14:wrappingTextBoxFlag xmlns:ma14="http://schemas.microsoft.com/office/mac/drawingml/2011/main" xmlns="" val="1"/>
             </a:ext>
           </a:extLst>
         </p:spPr>
@@ -21989,7 +22267,7 @@
           </a:ln>
           <a:extLst>
             <a:ext uri="{C572A759-6A51-4108-AA02-DFA0A04FC94B}">
-              <ma14:wrappingTextBoxFlag xmlns="" xmlns:ma14="http://schemas.microsoft.com/office/mac/drawingml/2011/main" val="1"/>
+              <ma14:wrappingTextBoxFlag xmlns:ma14="http://schemas.microsoft.com/office/mac/drawingml/2011/main" xmlns="" val="1"/>
             </a:ext>
           </a:extLst>
         </p:spPr>
@@ -22172,7 +22450,7 @@
           </a:ln>
           <a:extLst>
             <a:ext uri="{C572A759-6A51-4108-AA02-DFA0A04FC94B}">
-              <ma14:wrappingTextBoxFlag xmlns="" xmlns:ma14="http://schemas.microsoft.com/office/mac/drawingml/2011/main" val="1"/>
+              <ma14:wrappingTextBoxFlag xmlns:ma14="http://schemas.microsoft.com/office/mac/drawingml/2011/main" xmlns="" val="1"/>
             </a:ext>
           </a:extLst>
         </p:spPr>
@@ -22395,7 +22673,7 @@
           </a:ln>
           <a:extLst>
             <a:ext uri="{C572A759-6A51-4108-AA02-DFA0A04FC94B}">
-              <ma14:wrappingTextBoxFlag xmlns="" xmlns:ma14="http://schemas.microsoft.com/office/mac/drawingml/2011/main" val="1"/>
+              <ma14:wrappingTextBoxFlag xmlns:ma14="http://schemas.microsoft.com/office/mac/drawingml/2011/main" xmlns="" val="1"/>
             </a:ext>
           </a:extLst>
         </p:spPr>
@@ -22473,7 +22751,7 @@
           </a:ln>
           <a:extLst>
             <a:ext uri="{C572A759-6A51-4108-AA02-DFA0A04FC94B}">
-              <ma14:wrappingTextBoxFlag xmlns="" xmlns:ma14="http://schemas.microsoft.com/office/mac/drawingml/2011/main" val="1"/>
+              <ma14:wrappingTextBoxFlag xmlns:ma14="http://schemas.microsoft.com/office/mac/drawingml/2011/main" xmlns="" val="1"/>
             </a:ext>
           </a:extLst>
         </p:spPr>
@@ -22582,7 +22860,7 @@
           </a:ln>
           <a:extLst>
             <a:ext uri="{C572A759-6A51-4108-AA02-DFA0A04FC94B}">
-              <ma14:wrappingTextBoxFlag xmlns="" xmlns:ma14="http://schemas.microsoft.com/office/mac/drawingml/2011/main" val="1"/>
+              <ma14:wrappingTextBoxFlag xmlns:ma14="http://schemas.microsoft.com/office/mac/drawingml/2011/main" xmlns="" val="1"/>
             </a:ext>
           </a:extLst>
         </p:spPr>
@@ -22648,7 +22926,7 @@
           </a:ln>
           <a:extLst>
             <a:ext uri="{C572A759-6A51-4108-AA02-DFA0A04FC94B}">
-              <ma14:wrappingTextBoxFlag xmlns="" xmlns:ma14="http://schemas.microsoft.com/office/mac/drawingml/2011/main" val="1"/>
+              <ma14:wrappingTextBoxFlag xmlns:ma14="http://schemas.microsoft.com/office/mac/drawingml/2011/main" xmlns="" val="1"/>
             </a:ext>
           </a:extLst>
         </p:spPr>
@@ -29542,8 +29820,8 @@
         </p:nvSpPr>
         <p:spPr>
           <a:xfrm rot="19253717">
-            <a:off x="3914762" y="3052528"/>
-            <a:ext cx="2188345" cy="2046461"/>
+            <a:off x="3658667" y="3143479"/>
+            <a:ext cx="2476741" cy="2046461"/>
           </a:xfrm>
           <a:prstGeom prst="parallelogram">
             <a:avLst>
@@ -29647,8 +29925,8 @@
         </p:nvSpPr>
         <p:spPr>
           <a:xfrm>
-            <a:off x="3052899" y="4256694"/>
-            <a:ext cx="1726055" cy="0"/>
+            <a:off x="3052900" y="4256694"/>
+            <a:ext cx="1496348" cy="2832"/>
           </a:xfrm>
           <a:prstGeom prst="line">
             <a:avLst/>
@@ -29799,7 +30077,7 @@
           </a:ln>
           <a:extLst>
             <a:ext uri="{C572A759-6A51-4108-AA02-DFA0A04FC94B}">
-              <ma14:wrappingTextBoxFlag xmlns:ma14="http://schemas.microsoft.com/office/mac/drawingml/2011/main" xmlns="" val="1"/>
+              <ma14:wrappingTextBoxFlag xmlns="" xmlns:ma14="http://schemas.microsoft.com/office/mac/drawingml/2011/main" val="1"/>
             </a:ext>
           </a:extLst>
         </p:spPr>
@@ -29835,9 +30113,9 @@
           <p:nvPr/>
         </p:nvSpPr>
         <p:spPr>
-          <a:xfrm flipH="1" flipV="1">
-            <a:off x="3058589" y="3618467"/>
-            <a:ext cx="7704" cy="642691"/>
+          <a:xfrm flipH="1">
+            <a:off x="3066293" y="4261157"/>
+            <a:ext cx="0" cy="609365"/>
           </a:xfrm>
           <a:prstGeom prst="line">
             <a:avLst/>
@@ -29952,9 +30230,9 @@
           <p:nvPr/>
         </p:nvSpPr>
         <p:spPr>
-          <a:xfrm flipV="1">
-            <a:off x="4783420" y="2744460"/>
-            <a:ext cx="216263" cy="168669"/>
+          <a:xfrm flipH="1">
+            <a:off x="4935142" y="2612136"/>
+            <a:ext cx="259657" cy="229120"/>
           </a:xfrm>
           <a:prstGeom prst="line">
             <a:avLst/>
@@ -29992,7 +30270,7 @@
         </p:nvSpPr>
         <p:spPr>
           <a:xfrm>
-            <a:off x="4796812" y="2917592"/>
+            <a:off x="5206134" y="2614969"/>
             <a:ext cx="0" cy="602875"/>
           </a:xfrm>
           <a:prstGeom prst="line">
@@ -30096,7 +30374,7 @@
         </p:nvSpPr>
         <p:spPr>
           <a:xfrm>
-            <a:off x="5192732" y="3662518"/>
+            <a:off x="5313936" y="3498721"/>
             <a:ext cx="854786" cy="266933"/>
           </a:xfrm>
           <a:prstGeom prst="rect">
@@ -30107,7 +30385,7 @@
           </a:ln>
           <a:extLst>
             <a:ext uri="{C572A759-6A51-4108-AA02-DFA0A04FC94B}">
-              <ma14:wrappingTextBoxFlag xmlns:ma14="http://schemas.microsoft.com/office/mac/drawingml/2011/main" xmlns="" val="1"/>
+              <ma14:wrappingTextBoxFlag xmlns="" xmlns:ma14="http://schemas.microsoft.com/office/mac/drawingml/2011/main" val="1"/>
             </a:ext>
           </a:extLst>
         </p:spPr>
@@ -30140,14 +30418,15 @@
         <p:nvCxnSpPr>
           <p:cNvPr id="22" name="Straight Connector 21"/>
           <p:cNvCxnSpPr>
+            <a:cxnSpLocks/>
             <a:endCxn id="4" idx="0"/>
           </p:cNvCxnSpPr>
           <p:nvPr/>
         </p:nvCxnSpPr>
         <p:spPr>
           <a:xfrm flipH="1">
-            <a:off x="3052898" y="1917116"/>
-            <a:ext cx="5931938" cy="2339578"/>
+            <a:off x="3052900" y="1917116"/>
+            <a:ext cx="5931936" cy="2339578"/>
           </a:xfrm>
           <a:prstGeom prst="line">
             <a:avLst/>
@@ -30181,9 +30460,9 @@
           <p:nvPr/>
         </p:nvSpPr>
         <p:spPr>
-          <a:xfrm flipV="1">
-            <a:off x="3070805" y="3948299"/>
-            <a:ext cx="255232" cy="297043"/>
+          <a:xfrm flipH="1">
+            <a:off x="2805333" y="4245341"/>
+            <a:ext cx="265471" cy="255849"/>
           </a:xfrm>
           <a:prstGeom prst="line">
             <a:avLst/>
@@ -30318,7 +30597,7 @@
               </a:ln>
               <a:extLst>
                 <a:ext uri="{C572A759-6A51-4108-AA02-DFA0A04FC94B}">
-                  <ma14:wrappingTextBoxFlag xmlns:ma14="http://schemas.microsoft.com/office/mac/drawingml/2011/main" xmlns="" val="1"/>
+                  <ma14:wrappingTextBoxFlag xmlns="" xmlns:ma14="http://schemas.microsoft.com/office/mac/drawingml/2011/main" val="1"/>
                 </a:ext>
               </a:extLst>
             </p:spPr>
@@ -30486,7 +30765,7 @@
               </a:ln>
               <a:extLst>
                 <a:ext uri="{C572A759-6A51-4108-AA02-DFA0A04FC94B}">
-                  <ma14:wrappingTextBoxFlag xmlns:ma14="http://schemas.microsoft.com/office/mac/drawingml/2011/main" xmlns="" val="1"/>
+                  <ma14:wrappingTextBoxFlag xmlns="" xmlns:ma14="http://schemas.microsoft.com/office/mac/drawingml/2011/main" val="1"/>
                 </a:ext>
               </a:extLst>
             </p:spPr>
@@ -30636,7 +30915,7 @@
               </a:ln>
               <a:extLst>
                 <a:ext uri="{C572A759-6A51-4108-AA02-DFA0A04FC94B}">
-                  <ma14:wrappingTextBoxFlag xmlns:ma14="http://schemas.microsoft.com/office/mac/drawingml/2011/main" xmlns="" val="1"/>
+                  <ma14:wrappingTextBoxFlag xmlns="" xmlns:ma14="http://schemas.microsoft.com/office/mac/drawingml/2011/main" val="1"/>
                 </a:ext>
               </a:extLst>
             </p:spPr>
@@ -30759,8 +31038,8 @@
           </p:sp>
         </mc:Fallback>
       </mc:AlternateContent>
-      <mc:AlternateContent xmlns:mc="http://schemas.openxmlformats.org/markup-compatibility/2006" xmlns:a14="http://schemas.microsoft.com/office/drawing/2010/main">
-        <mc:Choice Requires="a14">
+      <mc:AlternateContent xmlns:mc="http://schemas.openxmlformats.org/markup-compatibility/2006">
+        <mc:Choice xmlns:a14="http://schemas.microsoft.com/office/drawing/2010/main" Requires="a14">
           <p:sp>
             <p:nvSpPr>
               <p:cNvPr id="31" name="image coordinate system">
@@ -30775,8 +31054,8 @@
             </p:nvSpPr>
             <p:spPr>
               <a:xfrm>
-                <a:off x="3326037" y="2410701"/>
-                <a:ext cx="2294088" cy="471540"/>
+                <a:off x="5156491" y="2231826"/>
+                <a:ext cx="1247101" cy="471540"/>
               </a:xfrm>
               <a:prstGeom prst="rect">
                 <a:avLst/>
@@ -30786,7 +31065,7 @@
               </a:ln>
               <a:extLst>
                 <a:ext uri="{C572A759-6A51-4108-AA02-DFA0A04FC94B}">
-                  <ma14:wrappingTextBoxFlag xmlns:ma14="http://schemas.microsoft.com/office/mac/drawingml/2011/main" xmlns="" val="1"/>
+                  <ma14:wrappingTextBoxFlag xmlns="" xmlns:ma14="http://schemas.microsoft.com/office/mac/drawingml/2011/main" val="1"/>
                 </a:ext>
               </a:extLst>
             </p:spPr>
@@ -30856,7 +31135,7 @@
             </p:txBody>
           </p:sp>
         </mc:Choice>
-        <mc:Fallback xmlns="">
+        <mc:Fallback>
           <p:sp>
             <p:nvSpPr>
               <p:cNvPr id="31" name="image coordinate system">
@@ -30873,8 +31152,8 @@
             </p:nvSpPr>
             <p:spPr>
               <a:xfrm>
-                <a:off x="3326037" y="2410701"/>
-                <a:ext cx="2294088" cy="471540"/>
+                <a:off x="5156491" y="2231826"/>
+                <a:ext cx="1247101" cy="471540"/>
               </a:xfrm>
               <a:prstGeom prst="rect">
                 <a:avLst/>
@@ -30882,7 +31161,7 @@
               <a:blipFill>
                 <a:blip r:embed="rId7"/>
                 <a:stretch>
-                  <a:fillRect b="-15385"/>
+                  <a:fillRect b="-15584"/>
                 </a:stretch>
               </a:blipFill>
               <a:ln w="12700">
@@ -30890,7 +31169,7 @@
               </a:ln>
               <a:extLst>
                 <a:ext uri="{C572A759-6A51-4108-AA02-DFA0A04FC94B}">
-                  <ma14:wrappingTextBoxFlag xmlns:ma14="http://schemas.microsoft.com/office/mac/drawingml/2011/main" xmlns="" xmlns:a14="http://schemas.microsoft.com/office/drawing/2010/main" val="1"/>
+                  <ma14:wrappingTextBoxFlag xmlns="" xmlns:ma14="http://schemas.microsoft.com/office/mac/drawingml/2011/main" xmlns:a14="http://schemas.microsoft.com/office/drawing/2010/main" val="1"/>
                 </a:ext>
               </a:extLst>
             </p:spPr>
@@ -30922,9 +31201,9 @@
           <p:nvPr/>
         </p:nvSpPr>
         <p:spPr>
-          <a:xfrm flipV="1">
-            <a:off x="4956050" y="3618467"/>
-            <a:ext cx="4510" cy="633986"/>
+          <a:xfrm>
+            <a:off x="4956049" y="4252453"/>
+            <a:ext cx="11337" cy="583356"/>
           </a:xfrm>
           <a:prstGeom prst="line">
             <a:avLst/>
@@ -30967,9 +31246,9 @@
           <p:nvPr/>
         </p:nvSpPr>
         <p:spPr>
-          <a:xfrm flipV="1">
-            <a:off x="4960562" y="3975760"/>
-            <a:ext cx="216262" cy="260876"/>
+          <a:xfrm flipH="1">
+            <a:off x="4595758" y="4236635"/>
+            <a:ext cx="364803" cy="281655"/>
           </a:xfrm>
           <a:prstGeom prst="line">
             <a:avLst/>
@@ -30999,6 +31278,956 @@
           </a:p>
         </p:txBody>
       </p:sp>
+      <mc:AlternateContent xmlns:mc="http://schemas.openxmlformats.org/markup-compatibility/2006">
+        <mc:Choice xmlns:a14="http://schemas.microsoft.com/office/drawing/2010/main" Requires="a14">
+          <p:sp>
+            <p:nvSpPr>
+              <p:cNvPr id="14" name="TextBox 13">
+                <a:extLst>
+                  <a:ext uri="{FF2B5EF4-FFF2-40B4-BE49-F238E27FC236}">
+                    <a16:creationId xmlns:a16="http://schemas.microsoft.com/office/drawing/2014/main" id="{31938880-4731-4334-A6C9-28C4B4E4714C}"/>
+                  </a:ext>
+                </a:extLst>
+              </p:cNvPr>
+              <p:cNvSpPr txBox="1"/>
+              <p:nvPr/>
+            </p:nvSpPr>
+            <p:spPr>
+              <a:xfrm>
+                <a:off x="3539982" y="5280486"/>
+                <a:ext cx="329938" cy="369332"/>
+              </a:xfrm>
+              <a:prstGeom prst="rect">
+                <a:avLst/>
+              </a:prstGeom>
+              <a:noFill/>
+            </p:spPr>
+            <p:txBody>
+              <a:bodyPr wrap="square" rtlCol="0">
+                <a:spAutoFit/>
+              </a:bodyPr>
+              <a:lstStyle/>
+              <a:p>
+                <a14:m>
+                  <m:oMathPara xmlns:m="http://schemas.openxmlformats.org/officeDocument/2006/math">
+                    <m:oMathParaPr>
+                      <m:jc m:val="centerGroup"/>
+                    </m:oMathParaPr>
+                    <m:oMath xmlns:m="http://schemas.openxmlformats.org/officeDocument/2006/math">
+                      <m:r>
+                        <a:rPr lang="en-US" b="0" i="1" smtClean="0">
+                          <a:latin typeface="Cambria Math" panose="02040503050406030204" pitchFamily="18" charset="0"/>
+                        </a:rPr>
+                        <m:t>𝑥</m:t>
+                      </m:r>
+                    </m:oMath>
+                  </m:oMathPara>
+                </a14:m>
+                <a:endParaRPr lang="en-US" dirty="0"/>
+              </a:p>
+            </p:txBody>
+          </p:sp>
+        </mc:Choice>
+        <mc:Fallback>
+          <p:sp>
+            <p:nvSpPr>
+              <p:cNvPr id="14" name="TextBox 13">
+                <a:extLst>
+                  <a:ext uri="{FF2B5EF4-FFF2-40B4-BE49-F238E27FC236}">
+                    <a16:creationId xmlns:a16="http://schemas.microsoft.com/office/drawing/2014/main" id="{31938880-4731-4334-A6C9-28C4B4E4714C}"/>
+                  </a:ext>
+                </a:extLst>
+              </p:cNvPr>
+              <p:cNvSpPr txBox="1">
+                <a:spLocks noRot="1" noChangeAspect="1" noMove="1" noResize="1" noEditPoints="1" noAdjustHandles="1" noChangeArrowheads="1" noChangeShapeType="1" noTextEdit="1"/>
+              </p:cNvSpPr>
+              <p:nvPr/>
+            </p:nvSpPr>
+            <p:spPr>
+              <a:xfrm>
+                <a:off x="3539982" y="5280486"/>
+                <a:ext cx="329938" cy="369332"/>
+              </a:xfrm>
+              <a:prstGeom prst="rect">
+                <a:avLst/>
+              </a:prstGeom>
+              <a:blipFill>
+                <a:blip r:embed="rId8"/>
+                <a:stretch>
+                  <a:fillRect/>
+                </a:stretch>
+              </a:blipFill>
+            </p:spPr>
+            <p:txBody>
+              <a:bodyPr/>
+              <a:lstStyle/>
+              <a:p>
+                <a:r>
+                  <a:rPr lang="en-US">
+                    <a:noFill/>
+                  </a:rPr>
+                  <a:t> </a:t>
+                </a:r>
+              </a:p>
+            </p:txBody>
+          </p:sp>
+        </mc:Fallback>
+      </mc:AlternateContent>
+      <mc:AlternateContent xmlns:mc="http://schemas.openxmlformats.org/markup-compatibility/2006">
+        <mc:Choice xmlns:a14="http://schemas.microsoft.com/office/drawing/2010/main" Requires="a14">
+          <p:sp>
+            <p:nvSpPr>
+              <p:cNvPr id="33" name="TextBox 32">
+                <a:extLst>
+                  <a:ext uri="{FF2B5EF4-FFF2-40B4-BE49-F238E27FC236}">
+                    <a16:creationId xmlns:a16="http://schemas.microsoft.com/office/drawing/2014/main" id="{8C4BFCA1-574D-47B9-9D5D-32119A13A1DC}"/>
+                  </a:ext>
+                </a:extLst>
+              </p:cNvPr>
+              <p:cNvSpPr txBox="1"/>
+              <p:nvPr/>
+            </p:nvSpPr>
+            <p:spPr>
+              <a:xfrm>
+                <a:off x="2498872" y="4150774"/>
+                <a:ext cx="329938" cy="369332"/>
+              </a:xfrm>
+              <a:prstGeom prst="rect">
+                <a:avLst/>
+              </a:prstGeom>
+              <a:noFill/>
+            </p:spPr>
+            <p:txBody>
+              <a:bodyPr wrap="square" rtlCol="0">
+                <a:spAutoFit/>
+              </a:bodyPr>
+              <a:lstStyle/>
+              <a:p>
+                <a14:m>
+                  <m:oMathPara xmlns:m="http://schemas.openxmlformats.org/officeDocument/2006/math">
+                    <m:oMathParaPr>
+                      <m:jc m:val="centerGroup"/>
+                    </m:oMathParaPr>
+                    <m:oMath xmlns:m="http://schemas.openxmlformats.org/officeDocument/2006/math">
+                      <m:r>
+                        <a:rPr lang="en-US" b="0" i="1" smtClean="0">
+                          <a:latin typeface="Cambria Math" panose="02040503050406030204" pitchFamily="18" charset="0"/>
+                        </a:rPr>
+                        <m:t>𝑥</m:t>
+                      </m:r>
+                    </m:oMath>
+                  </m:oMathPara>
+                </a14:m>
+                <a:endParaRPr lang="en-US" dirty="0"/>
+              </a:p>
+            </p:txBody>
+          </p:sp>
+        </mc:Choice>
+        <mc:Fallback>
+          <p:sp>
+            <p:nvSpPr>
+              <p:cNvPr id="33" name="TextBox 32">
+                <a:extLst>
+                  <a:ext uri="{FF2B5EF4-FFF2-40B4-BE49-F238E27FC236}">
+                    <a16:creationId xmlns:a16="http://schemas.microsoft.com/office/drawing/2014/main" id="{8C4BFCA1-574D-47B9-9D5D-32119A13A1DC}"/>
+                  </a:ext>
+                </a:extLst>
+              </p:cNvPr>
+              <p:cNvSpPr txBox="1">
+                <a:spLocks noRot="1" noChangeAspect="1" noMove="1" noResize="1" noEditPoints="1" noAdjustHandles="1" noChangeArrowheads="1" noChangeShapeType="1" noTextEdit="1"/>
+              </p:cNvSpPr>
+              <p:nvPr/>
+            </p:nvSpPr>
+            <p:spPr>
+              <a:xfrm>
+                <a:off x="2498872" y="4150774"/>
+                <a:ext cx="329938" cy="369332"/>
+              </a:xfrm>
+              <a:prstGeom prst="rect">
+                <a:avLst/>
+              </a:prstGeom>
+              <a:blipFill>
+                <a:blip r:embed="rId9"/>
+                <a:stretch>
+                  <a:fillRect/>
+                </a:stretch>
+              </a:blipFill>
+            </p:spPr>
+            <p:txBody>
+              <a:bodyPr/>
+              <a:lstStyle/>
+              <a:p>
+                <a:r>
+                  <a:rPr lang="en-US">
+                    <a:noFill/>
+                  </a:rPr>
+                  <a:t> </a:t>
+                </a:r>
+              </a:p>
+            </p:txBody>
+          </p:sp>
+        </mc:Fallback>
+      </mc:AlternateContent>
+      <mc:AlternateContent xmlns:mc="http://schemas.openxmlformats.org/markup-compatibility/2006">
+        <mc:Choice xmlns:a14="http://schemas.microsoft.com/office/drawing/2010/main" Requires="a14">
+          <p:sp>
+            <p:nvSpPr>
+              <p:cNvPr id="34" name="TextBox 33">
+                <a:extLst>
+                  <a:ext uri="{FF2B5EF4-FFF2-40B4-BE49-F238E27FC236}">
+                    <a16:creationId xmlns:a16="http://schemas.microsoft.com/office/drawing/2014/main" id="{9505810F-0098-464E-A57F-408F683DA414}"/>
+                  </a:ext>
+                </a:extLst>
+              </p:cNvPr>
+              <p:cNvSpPr txBox="1"/>
+              <p:nvPr/>
+            </p:nvSpPr>
+            <p:spPr>
+              <a:xfrm flipH="1">
+                <a:off x="4596203" y="4465138"/>
+                <a:ext cx="45719" cy="369332"/>
+              </a:xfrm>
+              <a:prstGeom prst="rect">
+                <a:avLst/>
+              </a:prstGeom>
+              <a:noFill/>
+            </p:spPr>
+            <p:txBody>
+              <a:bodyPr wrap="square" rtlCol="0">
+                <a:spAutoFit/>
+              </a:bodyPr>
+              <a:lstStyle/>
+              <a:p>
+                <a14:m>
+                  <m:oMathPara xmlns:m="http://schemas.openxmlformats.org/officeDocument/2006/math">
+                    <m:oMathParaPr>
+                      <m:jc m:val="centerGroup"/>
+                    </m:oMathParaPr>
+                    <m:oMath xmlns:m="http://schemas.openxmlformats.org/officeDocument/2006/math">
+                      <m:r>
+                        <a:rPr lang="en-US" b="0" i="1" smtClean="0">
+                          <a:latin typeface="Cambria Math" panose="02040503050406030204" pitchFamily="18" charset="0"/>
+                        </a:rPr>
+                        <m:t>𝑥</m:t>
+                      </m:r>
+                    </m:oMath>
+                  </m:oMathPara>
+                </a14:m>
+                <a:endParaRPr lang="en-US" dirty="0"/>
+              </a:p>
+            </p:txBody>
+          </p:sp>
+        </mc:Choice>
+        <mc:Fallback>
+          <p:sp>
+            <p:nvSpPr>
+              <p:cNvPr id="34" name="TextBox 33">
+                <a:extLst>
+                  <a:ext uri="{FF2B5EF4-FFF2-40B4-BE49-F238E27FC236}">
+                    <a16:creationId xmlns:a16="http://schemas.microsoft.com/office/drawing/2014/main" id="{9505810F-0098-464E-A57F-408F683DA414}"/>
+                  </a:ext>
+                </a:extLst>
+              </p:cNvPr>
+              <p:cNvSpPr txBox="1">
+                <a:spLocks noRot="1" noChangeAspect="1" noMove="1" noResize="1" noEditPoints="1" noAdjustHandles="1" noChangeArrowheads="1" noChangeShapeType="1" noTextEdit="1"/>
+              </p:cNvSpPr>
+              <p:nvPr/>
+            </p:nvSpPr>
+            <p:spPr>
+              <a:xfrm flipH="1">
+                <a:off x="4596203" y="4465138"/>
+                <a:ext cx="45719" cy="369332"/>
+              </a:xfrm>
+              <a:prstGeom prst="rect">
+                <a:avLst/>
+              </a:prstGeom>
+              <a:blipFill>
+                <a:blip r:embed="rId10"/>
+                <a:stretch>
+                  <a:fillRect l="-85714" r="-385714"/>
+                </a:stretch>
+              </a:blipFill>
+            </p:spPr>
+            <p:txBody>
+              <a:bodyPr/>
+              <a:lstStyle/>
+              <a:p>
+                <a:r>
+                  <a:rPr lang="en-US">
+                    <a:noFill/>
+                  </a:rPr>
+                  <a:t> </a:t>
+                </a:r>
+              </a:p>
+            </p:txBody>
+          </p:sp>
+        </mc:Fallback>
+      </mc:AlternateContent>
+      <mc:AlternateContent xmlns:mc="http://schemas.openxmlformats.org/markup-compatibility/2006">
+        <mc:Choice xmlns:a14="http://schemas.microsoft.com/office/drawing/2010/main" Requires="a14">
+          <p:sp>
+            <p:nvSpPr>
+              <p:cNvPr id="35" name="TextBox 34">
+                <a:extLst>
+                  <a:ext uri="{FF2B5EF4-FFF2-40B4-BE49-F238E27FC236}">
+                    <a16:creationId xmlns:a16="http://schemas.microsoft.com/office/drawing/2014/main" id="{5FF92E7F-7C0E-4402-843A-55DEBD407E7F}"/>
+                  </a:ext>
+                </a:extLst>
+              </p:cNvPr>
+              <p:cNvSpPr txBox="1"/>
+              <p:nvPr/>
+            </p:nvSpPr>
+            <p:spPr>
+              <a:xfrm>
+                <a:off x="2035170" y="4666298"/>
+                <a:ext cx="329938" cy="369332"/>
+              </a:xfrm>
+              <a:prstGeom prst="rect">
+                <a:avLst/>
+              </a:prstGeom>
+              <a:noFill/>
+            </p:spPr>
+            <p:txBody>
+              <a:bodyPr wrap="square" rtlCol="0">
+                <a:spAutoFit/>
+              </a:bodyPr>
+              <a:lstStyle/>
+              <a:p>
+                <a14:m>
+                  <m:oMathPara xmlns:m="http://schemas.openxmlformats.org/officeDocument/2006/math">
+                    <m:oMathParaPr>
+                      <m:jc m:val="centerGroup"/>
+                    </m:oMathParaPr>
+                    <m:oMath xmlns:m="http://schemas.openxmlformats.org/officeDocument/2006/math">
+                      <m:r>
+                        <a:rPr lang="en-US" b="0" i="1" smtClean="0">
+                          <a:latin typeface="Cambria Math" panose="02040503050406030204" pitchFamily="18" charset="0"/>
+                        </a:rPr>
+                        <m:t>𝑦</m:t>
+                      </m:r>
+                    </m:oMath>
+                  </m:oMathPara>
+                </a14:m>
+                <a:endParaRPr lang="en-US" dirty="0"/>
+              </a:p>
+            </p:txBody>
+          </p:sp>
+        </mc:Choice>
+        <mc:Fallback>
+          <p:sp>
+            <p:nvSpPr>
+              <p:cNvPr id="35" name="TextBox 34">
+                <a:extLst>
+                  <a:ext uri="{FF2B5EF4-FFF2-40B4-BE49-F238E27FC236}">
+                    <a16:creationId xmlns:a16="http://schemas.microsoft.com/office/drawing/2014/main" id="{5FF92E7F-7C0E-4402-843A-55DEBD407E7F}"/>
+                  </a:ext>
+                </a:extLst>
+              </p:cNvPr>
+              <p:cNvSpPr txBox="1">
+                <a:spLocks noRot="1" noChangeAspect="1" noMove="1" noResize="1" noEditPoints="1" noAdjustHandles="1" noChangeArrowheads="1" noChangeShapeType="1" noTextEdit="1"/>
+              </p:cNvSpPr>
+              <p:nvPr/>
+            </p:nvSpPr>
+            <p:spPr>
+              <a:xfrm>
+                <a:off x="2035170" y="4666298"/>
+                <a:ext cx="329938" cy="369332"/>
+              </a:xfrm>
+              <a:prstGeom prst="rect">
+                <a:avLst/>
+              </a:prstGeom>
+              <a:blipFill>
+                <a:blip r:embed="rId11"/>
+                <a:stretch>
+                  <a:fillRect b="-6557"/>
+                </a:stretch>
+              </a:blipFill>
+            </p:spPr>
+            <p:txBody>
+              <a:bodyPr/>
+              <a:lstStyle/>
+              <a:p>
+                <a:r>
+                  <a:rPr lang="en-US">
+                    <a:noFill/>
+                  </a:rPr>
+                  <a:t> </a:t>
+                </a:r>
+              </a:p>
+            </p:txBody>
+          </p:sp>
+        </mc:Fallback>
+      </mc:AlternateContent>
+      <mc:AlternateContent xmlns:mc="http://schemas.openxmlformats.org/markup-compatibility/2006">
+        <mc:Choice xmlns:a14="http://schemas.microsoft.com/office/drawing/2010/main" Requires="a14">
+          <p:sp>
+            <p:nvSpPr>
+              <p:cNvPr id="36" name="TextBox 35">
+                <a:extLst>
+                  <a:ext uri="{FF2B5EF4-FFF2-40B4-BE49-F238E27FC236}">
+                    <a16:creationId xmlns:a16="http://schemas.microsoft.com/office/drawing/2014/main" id="{3F740435-32F5-4C3D-8880-DDB64145CCF2}"/>
+                  </a:ext>
+                </a:extLst>
+              </p:cNvPr>
+              <p:cNvSpPr txBox="1"/>
+              <p:nvPr/>
+            </p:nvSpPr>
+            <p:spPr>
+              <a:xfrm>
+                <a:off x="2753035" y="4583452"/>
+                <a:ext cx="329938" cy="369332"/>
+              </a:xfrm>
+              <a:prstGeom prst="rect">
+                <a:avLst/>
+              </a:prstGeom>
+              <a:noFill/>
+            </p:spPr>
+            <p:txBody>
+              <a:bodyPr wrap="square" rtlCol="0">
+                <a:spAutoFit/>
+              </a:bodyPr>
+              <a:lstStyle/>
+              <a:p>
+                <a14:m>
+                  <m:oMathPara xmlns:m="http://schemas.openxmlformats.org/officeDocument/2006/math">
+                    <m:oMathParaPr>
+                      <m:jc m:val="centerGroup"/>
+                    </m:oMathParaPr>
+                    <m:oMath xmlns:m="http://schemas.openxmlformats.org/officeDocument/2006/math">
+                      <m:r>
+                        <a:rPr lang="en-US" b="0" i="1" smtClean="0">
+                          <a:latin typeface="Cambria Math" panose="02040503050406030204" pitchFamily="18" charset="0"/>
+                        </a:rPr>
+                        <m:t>𝑦</m:t>
+                      </m:r>
+                    </m:oMath>
+                  </m:oMathPara>
+                </a14:m>
+                <a:endParaRPr lang="en-US" dirty="0"/>
+              </a:p>
+            </p:txBody>
+          </p:sp>
+        </mc:Choice>
+        <mc:Fallback>
+          <p:sp>
+            <p:nvSpPr>
+              <p:cNvPr id="36" name="TextBox 35">
+                <a:extLst>
+                  <a:ext uri="{FF2B5EF4-FFF2-40B4-BE49-F238E27FC236}">
+                    <a16:creationId xmlns:a16="http://schemas.microsoft.com/office/drawing/2014/main" id="{3F740435-32F5-4C3D-8880-DDB64145CCF2}"/>
+                  </a:ext>
+                </a:extLst>
+              </p:cNvPr>
+              <p:cNvSpPr txBox="1">
+                <a:spLocks noRot="1" noChangeAspect="1" noMove="1" noResize="1" noEditPoints="1" noAdjustHandles="1" noChangeArrowheads="1" noChangeShapeType="1" noTextEdit="1"/>
+              </p:cNvSpPr>
+              <p:nvPr/>
+            </p:nvSpPr>
+            <p:spPr>
+              <a:xfrm>
+                <a:off x="2753035" y="4583452"/>
+                <a:ext cx="329938" cy="369332"/>
+              </a:xfrm>
+              <a:prstGeom prst="rect">
+                <a:avLst/>
+              </a:prstGeom>
+              <a:blipFill>
+                <a:blip r:embed="rId12"/>
+                <a:stretch>
+                  <a:fillRect b="-6667"/>
+                </a:stretch>
+              </a:blipFill>
+            </p:spPr>
+            <p:txBody>
+              <a:bodyPr/>
+              <a:lstStyle/>
+              <a:p>
+                <a:r>
+                  <a:rPr lang="en-US">
+                    <a:noFill/>
+                  </a:rPr>
+                  <a:t> </a:t>
+                </a:r>
+              </a:p>
+            </p:txBody>
+          </p:sp>
+        </mc:Fallback>
+      </mc:AlternateContent>
+      <mc:AlternateContent xmlns:mc="http://schemas.openxmlformats.org/markup-compatibility/2006">
+        <mc:Choice xmlns:a14="http://schemas.microsoft.com/office/drawing/2010/main" Requires="a14">
+          <p:sp>
+            <p:nvSpPr>
+              <p:cNvPr id="37" name="TextBox 36">
+                <a:extLst>
+                  <a:ext uri="{FF2B5EF4-FFF2-40B4-BE49-F238E27FC236}">
+                    <a16:creationId xmlns:a16="http://schemas.microsoft.com/office/drawing/2014/main" id="{4A52258E-CF72-4DED-A584-9547653DC6F8}"/>
+                  </a:ext>
+                </a:extLst>
+              </p:cNvPr>
+              <p:cNvSpPr txBox="1"/>
+              <p:nvPr/>
+            </p:nvSpPr>
+            <p:spPr>
+              <a:xfrm>
+                <a:off x="4714442" y="4537470"/>
+                <a:ext cx="329938" cy="369332"/>
+              </a:xfrm>
+              <a:prstGeom prst="rect">
+                <a:avLst/>
+              </a:prstGeom>
+              <a:noFill/>
+            </p:spPr>
+            <p:txBody>
+              <a:bodyPr wrap="square" rtlCol="0">
+                <a:spAutoFit/>
+              </a:bodyPr>
+              <a:lstStyle/>
+              <a:p>
+                <a14:m>
+                  <m:oMathPara xmlns:m="http://schemas.openxmlformats.org/officeDocument/2006/math">
+                    <m:oMathParaPr>
+                      <m:jc m:val="centerGroup"/>
+                    </m:oMathParaPr>
+                    <m:oMath xmlns:m="http://schemas.openxmlformats.org/officeDocument/2006/math">
+                      <m:r>
+                        <a:rPr lang="en-US" b="0" i="1" smtClean="0">
+                          <a:latin typeface="Cambria Math" panose="02040503050406030204" pitchFamily="18" charset="0"/>
+                        </a:rPr>
+                        <m:t>𝑦</m:t>
+                      </m:r>
+                    </m:oMath>
+                  </m:oMathPara>
+                </a14:m>
+                <a:endParaRPr lang="en-US" dirty="0"/>
+              </a:p>
+            </p:txBody>
+          </p:sp>
+        </mc:Choice>
+        <mc:Fallback>
+          <p:sp>
+            <p:nvSpPr>
+              <p:cNvPr id="37" name="TextBox 36">
+                <a:extLst>
+                  <a:ext uri="{FF2B5EF4-FFF2-40B4-BE49-F238E27FC236}">
+                    <a16:creationId xmlns:a16="http://schemas.microsoft.com/office/drawing/2014/main" id="{4A52258E-CF72-4DED-A584-9547653DC6F8}"/>
+                  </a:ext>
+                </a:extLst>
+              </p:cNvPr>
+              <p:cNvSpPr txBox="1">
+                <a:spLocks noRot="1" noChangeAspect="1" noMove="1" noResize="1" noEditPoints="1" noAdjustHandles="1" noChangeArrowheads="1" noChangeShapeType="1" noTextEdit="1"/>
+              </p:cNvSpPr>
+              <p:nvPr/>
+            </p:nvSpPr>
+            <p:spPr>
+              <a:xfrm>
+                <a:off x="4714442" y="4537470"/>
+                <a:ext cx="329938" cy="369332"/>
+              </a:xfrm>
+              <a:prstGeom prst="rect">
+                <a:avLst/>
+              </a:prstGeom>
+              <a:blipFill>
+                <a:blip r:embed="rId13"/>
+                <a:stretch>
+                  <a:fillRect b="-6557"/>
+                </a:stretch>
+              </a:blipFill>
+            </p:spPr>
+            <p:txBody>
+              <a:bodyPr/>
+              <a:lstStyle/>
+              <a:p>
+                <a:r>
+                  <a:rPr lang="en-US">
+                    <a:noFill/>
+                  </a:rPr>
+                  <a:t> </a:t>
+                </a:r>
+              </a:p>
+            </p:txBody>
+          </p:sp>
+        </mc:Fallback>
+      </mc:AlternateContent>
+      <mc:AlternateContent xmlns:mc="http://schemas.openxmlformats.org/markup-compatibility/2006">
+        <mc:Choice xmlns:a14="http://schemas.microsoft.com/office/drawing/2010/main" Requires="a14">
+          <p:sp>
+            <p:nvSpPr>
+              <p:cNvPr id="38" name="TextBox 37">
+                <a:extLst>
+                  <a:ext uri="{FF2B5EF4-FFF2-40B4-BE49-F238E27FC236}">
+                    <a16:creationId xmlns:a16="http://schemas.microsoft.com/office/drawing/2014/main" id="{05852603-1254-43D2-B10F-6D84DF1D97B1}"/>
+                  </a:ext>
+                </a:extLst>
+              </p:cNvPr>
+              <p:cNvSpPr txBox="1"/>
+              <p:nvPr/>
+            </p:nvSpPr>
+            <p:spPr>
+              <a:xfrm>
+                <a:off x="1623305" y="4394220"/>
+                <a:ext cx="329938" cy="369332"/>
+              </a:xfrm>
+              <a:prstGeom prst="rect">
+                <a:avLst/>
+              </a:prstGeom>
+              <a:noFill/>
+            </p:spPr>
+            <p:txBody>
+              <a:bodyPr wrap="square" rtlCol="0">
+                <a:spAutoFit/>
+              </a:bodyPr>
+              <a:lstStyle/>
+              <a:p>
+                <a14:m>
+                  <m:oMathPara xmlns:m="http://schemas.openxmlformats.org/officeDocument/2006/math">
+                    <m:oMathParaPr>
+                      <m:jc m:val="centerGroup"/>
+                    </m:oMathParaPr>
+                    <m:oMath xmlns:m="http://schemas.openxmlformats.org/officeDocument/2006/math">
+                      <m:r>
+                        <a:rPr lang="en-US" b="0" i="1" smtClean="0">
+                          <a:latin typeface="Cambria Math" panose="02040503050406030204" pitchFamily="18" charset="0"/>
+                        </a:rPr>
+                        <m:t>𝑧</m:t>
+                      </m:r>
+                    </m:oMath>
+                  </m:oMathPara>
+                </a14:m>
+                <a:endParaRPr lang="en-US" dirty="0"/>
+              </a:p>
+            </p:txBody>
+          </p:sp>
+        </mc:Choice>
+        <mc:Fallback>
+          <p:sp>
+            <p:nvSpPr>
+              <p:cNvPr id="38" name="TextBox 37">
+                <a:extLst>
+                  <a:ext uri="{FF2B5EF4-FFF2-40B4-BE49-F238E27FC236}">
+                    <a16:creationId xmlns:a16="http://schemas.microsoft.com/office/drawing/2014/main" id="{05852603-1254-43D2-B10F-6D84DF1D97B1}"/>
+                  </a:ext>
+                </a:extLst>
+              </p:cNvPr>
+              <p:cNvSpPr txBox="1">
+                <a:spLocks noRot="1" noChangeAspect="1" noMove="1" noResize="1" noEditPoints="1" noAdjustHandles="1" noChangeArrowheads="1" noChangeShapeType="1" noTextEdit="1"/>
+              </p:cNvSpPr>
+              <p:nvPr/>
+            </p:nvSpPr>
+            <p:spPr>
+              <a:xfrm>
+                <a:off x="1623305" y="4394220"/>
+                <a:ext cx="329938" cy="369332"/>
+              </a:xfrm>
+              <a:prstGeom prst="rect">
+                <a:avLst/>
+              </a:prstGeom>
+              <a:blipFill>
+                <a:blip r:embed="rId14"/>
+                <a:stretch>
+                  <a:fillRect/>
+                </a:stretch>
+              </a:blipFill>
+            </p:spPr>
+            <p:txBody>
+              <a:bodyPr/>
+              <a:lstStyle/>
+              <a:p>
+                <a:r>
+                  <a:rPr lang="en-US">
+                    <a:noFill/>
+                  </a:rPr>
+                  <a:t> </a:t>
+                </a:r>
+              </a:p>
+            </p:txBody>
+          </p:sp>
+        </mc:Fallback>
+      </mc:AlternateContent>
+      <mc:AlternateContent xmlns:mc="http://schemas.openxmlformats.org/markup-compatibility/2006">
+        <mc:Choice xmlns:a14="http://schemas.microsoft.com/office/drawing/2010/main" Requires="a14">
+          <p:sp>
+            <p:nvSpPr>
+              <p:cNvPr id="39" name="TextBox 38">
+                <a:extLst>
+                  <a:ext uri="{FF2B5EF4-FFF2-40B4-BE49-F238E27FC236}">
+                    <a16:creationId xmlns:a16="http://schemas.microsoft.com/office/drawing/2014/main" id="{12D50C08-87DF-4138-A10A-E0248D5C69D7}"/>
+                  </a:ext>
+                </a:extLst>
+              </p:cNvPr>
+              <p:cNvSpPr txBox="1"/>
+              <p:nvPr/>
+            </p:nvSpPr>
+            <p:spPr>
+              <a:xfrm>
+                <a:off x="9869883" y="4168138"/>
+                <a:ext cx="329938" cy="369332"/>
+              </a:xfrm>
+              <a:prstGeom prst="rect">
+                <a:avLst/>
+              </a:prstGeom>
+              <a:noFill/>
+            </p:spPr>
+            <p:txBody>
+              <a:bodyPr wrap="square" rtlCol="0">
+                <a:spAutoFit/>
+              </a:bodyPr>
+              <a:lstStyle/>
+              <a:p>
+                <a14:m>
+                  <m:oMathPara xmlns:m="http://schemas.openxmlformats.org/officeDocument/2006/math">
+                    <m:oMathParaPr>
+                      <m:jc m:val="centerGroup"/>
+                    </m:oMathParaPr>
+                    <m:oMath xmlns:m="http://schemas.openxmlformats.org/officeDocument/2006/math">
+                      <m:r>
+                        <a:rPr lang="en-US" b="0" i="1" smtClean="0">
+                          <a:latin typeface="Cambria Math" panose="02040503050406030204" pitchFamily="18" charset="0"/>
+                        </a:rPr>
+                        <m:t>𝑧</m:t>
+                      </m:r>
+                    </m:oMath>
+                  </m:oMathPara>
+                </a14:m>
+                <a:endParaRPr lang="en-US" dirty="0"/>
+              </a:p>
+            </p:txBody>
+          </p:sp>
+        </mc:Choice>
+        <mc:Fallback>
+          <p:sp>
+            <p:nvSpPr>
+              <p:cNvPr id="39" name="TextBox 38">
+                <a:extLst>
+                  <a:ext uri="{FF2B5EF4-FFF2-40B4-BE49-F238E27FC236}">
+                    <a16:creationId xmlns:a16="http://schemas.microsoft.com/office/drawing/2014/main" id="{12D50C08-87DF-4138-A10A-E0248D5C69D7}"/>
+                  </a:ext>
+                </a:extLst>
+              </p:cNvPr>
+              <p:cNvSpPr txBox="1">
+                <a:spLocks noRot="1" noChangeAspect="1" noMove="1" noResize="1" noEditPoints="1" noAdjustHandles="1" noChangeArrowheads="1" noChangeShapeType="1" noTextEdit="1"/>
+              </p:cNvSpPr>
+              <p:nvPr/>
+            </p:nvSpPr>
+            <p:spPr>
+              <a:xfrm>
+                <a:off x="9869883" y="4168138"/>
+                <a:ext cx="329938" cy="369332"/>
+              </a:xfrm>
+              <a:prstGeom prst="rect">
+                <a:avLst/>
+              </a:prstGeom>
+              <a:blipFill>
+                <a:blip r:embed="rId15"/>
+                <a:stretch>
+                  <a:fillRect/>
+                </a:stretch>
+              </a:blipFill>
+            </p:spPr>
+            <p:txBody>
+              <a:bodyPr/>
+              <a:lstStyle/>
+              <a:p>
+                <a:r>
+                  <a:rPr lang="en-US">
+                    <a:noFill/>
+                  </a:rPr>
+                  <a:t> </a:t>
+                </a:r>
+              </a:p>
+            </p:txBody>
+          </p:sp>
+        </mc:Fallback>
+      </mc:AlternateContent>
+      <mc:AlternateContent xmlns:mc="http://schemas.openxmlformats.org/markup-compatibility/2006">
+        <mc:Choice xmlns:a14="http://schemas.microsoft.com/office/drawing/2010/main" Requires="a14">
+          <p:sp>
+            <p:nvSpPr>
+              <p:cNvPr id="40" name="TextBox 39">
+                <a:extLst>
+                  <a:ext uri="{FF2B5EF4-FFF2-40B4-BE49-F238E27FC236}">
+                    <a16:creationId xmlns:a16="http://schemas.microsoft.com/office/drawing/2014/main" id="{0D7CBC27-86AE-4B20-BCCC-0E8C03FA9666}"/>
+                  </a:ext>
+                </a:extLst>
+              </p:cNvPr>
+              <p:cNvSpPr txBox="1"/>
+              <p:nvPr/>
+            </p:nvSpPr>
+            <p:spPr>
+              <a:xfrm>
+                <a:off x="4826553" y="2435201"/>
+                <a:ext cx="329938" cy="369332"/>
+              </a:xfrm>
+              <a:prstGeom prst="rect">
+                <a:avLst/>
+              </a:prstGeom>
+              <a:noFill/>
+            </p:spPr>
+            <p:txBody>
+              <a:bodyPr wrap="square" rtlCol="0">
+                <a:spAutoFit/>
+              </a:bodyPr>
+              <a:lstStyle/>
+              <a:p>
+                <a14:m>
+                  <m:oMathPara xmlns:m="http://schemas.openxmlformats.org/officeDocument/2006/math">
+                    <m:oMathParaPr>
+                      <m:jc m:val="centerGroup"/>
+                    </m:oMathParaPr>
+                    <m:oMath xmlns:m="http://schemas.openxmlformats.org/officeDocument/2006/math">
+                      <m:r>
+                        <a:rPr lang="en-US" b="0" i="1" smtClean="0">
+                          <a:latin typeface="Cambria Math" panose="02040503050406030204" pitchFamily="18" charset="0"/>
+                        </a:rPr>
+                        <m:t>𝑢</m:t>
+                      </m:r>
+                    </m:oMath>
+                  </m:oMathPara>
+                </a14:m>
+                <a:endParaRPr lang="en-US" dirty="0"/>
+              </a:p>
+            </p:txBody>
+          </p:sp>
+        </mc:Choice>
+        <mc:Fallback>
+          <p:sp>
+            <p:nvSpPr>
+              <p:cNvPr id="40" name="TextBox 39">
+                <a:extLst>
+                  <a:ext uri="{FF2B5EF4-FFF2-40B4-BE49-F238E27FC236}">
+                    <a16:creationId xmlns:a16="http://schemas.microsoft.com/office/drawing/2014/main" id="{0D7CBC27-86AE-4B20-BCCC-0E8C03FA9666}"/>
+                  </a:ext>
+                </a:extLst>
+              </p:cNvPr>
+              <p:cNvSpPr txBox="1">
+                <a:spLocks noRot="1" noChangeAspect="1" noMove="1" noResize="1" noEditPoints="1" noAdjustHandles="1" noChangeArrowheads="1" noChangeShapeType="1" noTextEdit="1"/>
+              </p:cNvSpPr>
+              <p:nvPr/>
+            </p:nvSpPr>
+            <p:spPr>
+              <a:xfrm>
+                <a:off x="4826553" y="2435201"/>
+                <a:ext cx="329938" cy="369332"/>
+              </a:xfrm>
+              <a:prstGeom prst="rect">
+                <a:avLst/>
+              </a:prstGeom>
+              <a:blipFill>
+                <a:blip r:embed="rId16"/>
+                <a:stretch>
+                  <a:fillRect/>
+                </a:stretch>
+              </a:blipFill>
+            </p:spPr>
+            <p:txBody>
+              <a:bodyPr/>
+              <a:lstStyle/>
+              <a:p>
+                <a:r>
+                  <a:rPr lang="en-US">
+                    <a:noFill/>
+                  </a:rPr>
+                  <a:t> </a:t>
+                </a:r>
+              </a:p>
+            </p:txBody>
+          </p:sp>
+        </mc:Fallback>
+      </mc:AlternateContent>
+      <mc:AlternateContent xmlns:mc="http://schemas.openxmlformats.org/markup-compatibility/2006">
+        <mc:Choice xmlns:a14="http://schemas.microsoft.com/office/drawing/2010/main" Requires="a14">
+          <p:sp>
+            <p:nvSpPr>
+              <p:cNvPr id="41" name="TextBox 40">
+                <a:extLst>
+                  <a:ext uri="{FF2B5EF4-FFF2-40B4-BE49-F238E27FC236}">
+                    <a16:creationId xmlns:a16="http://schemas.microsoft.com/office/drawing/2014/main" id="{D2CC53A9-FB00-40D9-B81C-05E1E53A58B7}"/>
+                  </a:ext>
+                </a:extLst>
+              </p:cNvPr>
+              <p:cNvSpPr txBox="1"/>
+              <p:nvPr/>
+            </p:nvSpPr>
+            <p:spPr>
+              <a:xfrm>
+                <a:off x="5228311" y="2925471"/>
+                <a:ext cx="329938" cy="369332"/>
+              </a:xfrm>
+              <a:prstGeom prst="rect">
+                <a:avLst/>
+              </a:prstGeom>
+              <a:noFill/>
+            </p:spPr>
+            <p:txBody>
+              <a:bodyPr wrap="square" rtlCol="0">
+                <a:spAutoFit/>
+              </a:bodyPr>
+              <a:lstStyle/>
+              <a:p>
+                <a14:m>
+                  <m:oMathPara xmlns:m="http://schemas.openxmlformats.org/officeDocument/2006/math">
+                    <m:oMathParaPr>
+                      <m:jc m:val="centerGroup"/>
+                    </m:oMathParaPr>
+                    <m:oMath xmlns:m="http://schemas.openxmlformats.org/officeDocument/2006/math">
+                      <m:r>
+                        <a:rPr lang="en-US" b="0" i="1" smtClean="0">
+                          <a:latin typeface="Cambria Math" panose="02040503050406030204" pitchFamily="18" charset="0"/>
+                        </a:rPr>
+                        <m:t>𝑣</m:t>
+                      </m:r>
+                    </m:oMath>
+                  </m:oMathPara>
+                </a14:m>
+                <a:endParaRPr lang="en-US" dirty="0"/>
+              </a:p>
+            </p:txBody>
+          </p:sp>
+        </mc:Choice>
+        <mc:Fallback>
+          <p:sp>
+            <p:nvSpPr>
+              <p:cNvPr id="41" name="TextBox 40">
+                <a:extLst>
+                  <a:ext uri="{FF2B5EF4-FFF2-40B4-BE49-F238E27FC236}">
+                    <a16:creationId xmlns:a16="http://schemas.microsoft.com/office/drawing/2014/main" id="{D2CC53A9-FB00-40D9-B81C-05E1E53A58B7}"/>
+                  </a:ext>
+                </a:extLst>
+              </p:cNvPr>
+              <p:cNvSpPr txBox="1">
+                <a:spLocks noRot="1" noChangeAspect="1" noMove="1" noResize="1" noEditPoints="1" noAdjustHandles="1" noChangeArrowheads="1" noChangeShapeType="1" noTextEdit="1"/>
+              </p:cNvSpPr>
+              <p:nvPr/>
+            </p:nvSpPr>
+            <p:spPr>
+              <a:xfrm>
+                <a:off x="5228311" y="2925471"/>
+                <a:ext cx="329938" cy="369332"/>
+              </a:xfrm>
+              <a:prstGeom prst="rect">
+                <a:avLst/>
+              </a:prstGeom>
+              <a:blipFill>
+                <a:blip r:embed="rId17"/>
+                <a:stretch>
+                  <a:fillRect/>
+                </a:stretch>
+              </a:blipFill>
+            </p:spPr>
+            <p:txBody>
+              <a:bodyPr/>
+              <a:lstStyle/>
+              <a:p>
+                <a:r>
+                  <a:rPr lang="en-US">
+                    <a:noFill/>
+                  </a:rPr>
+                  <a:t> </a:t>
+                </a:r>
+              </a:p>
+            </p:txBody>
+          </p:sp>
+        </mc:Fallback>
+      </mc:AlternateContent>
     </p:spTree>
     <p:extLst>
       <p:ext uri="{BB962C8B-B14F-4D97-AF65-F5344CB8AC3E}">
